--- a/slide/aj.warodom/powerpoint/10 - Blockchain and DLT.pptx
+++ b/slide/aj.warodom/powerpoint/10 - Blockchain and DLT.pptx
@@ -2,7 +2,7 @@
 <file path=ppt/presentation.xml><?xml version="1.0" encoding="utf-8"?>
 <p:presentation xmlns:a="http://schemas.openxmlformats.org/drawingml/2006/main" xmlns:r="http://schemas.openxmlformats.org/officeDocument/2006/relationships" xmlns:p="http://schemas.openxmlformats.org/presentationml/2006/main" autoCompressPictures="0">
   <p:sldMasterIdLst>
-    <p:sldMasterId id="2147483761" r:id="rId1"/>
+    <p:sldMasterId id="2147483779" r:id="rId1"/>
   </p:sldMasterIdLst>
   <p:notesMasterIdLst>
     <p:notesMasterId r:id="rId42"/>
@@ -49,8 +49,8 @@
     <p:sldId id="355" r:id="rId40"/>
     <p:sldId id="308" r:id="rId41"/>
   </p:sldIdLst>
-  <p:sldSz cx="9144000" cy="6858000" type="screen4x3"/>
-  <p:notesSz cx="6858000" cy="9144000"/>
+  <p:sldSz cx="12192000" cy="6858000"/>
+  <p:notesSz cx="6797675" cy="9926638"/>
   <p:defaultTextStyle>
     <a:defPPr>
       <a:defRPr lang="en-US"/>
@@ -149,12 +149,12 @@
   <p:extLst>
     <p:ext uri="{EFAFB233-063F-42B5-8137-9DF3F51BA10A}">
       <p15:sldGuideLst xmlns:p15="http://schemas.microsoft.com/office/powerpoint/2012/main">
-        <p15:guide id="1" orient="horz" pos="2160">
+        <p15:guide id="1" orient="horz" pos="2160" userDrawn="1">
           <p15:clr>
             <a:srgbClr val="A4A3A4"/>
           </p15:clr>
         </p15:guide>
-        <p15:guide id="2" pos="2880">
+        <p15:guide id="2" pos="3840" userDrawn="1">
           <p15:clr>
             <a:srgbClr val="A4A3A4"/>
           </p15:clr>
@@ -200,7 +200,7 @@
         <p:spPr>
           <a:xfrm>
             <a:off x="0" y="0"/>
-            <a:ext cx="2971800" cy="458788"/>
+            <a:ext cx="2945659" cy="498056"/>
           </a:xfrm>
           <a:prstGeom prst="rect">
             <a:avLst/>
@@ -230,8 +230,8 @@
         </p:nvSpPr>
         <p:spPr>
           <a:xfrm>
-            <a:off x="3884613" y="0"/>
-            <a:ext cx="2971800" cy="458788"/>
+            <a:off x="3850443" y="0"/>
+            <a:ext cx="2945659" cy="498056"/>
           </a:xfrm>
           <a:prstGeom prst="rect">
             <a:avLst/>
@@ -248,7 +248,7 @@
             <a:fld id="{764D39C1-A66A-40C7-BCC0-0B3B861FC29D}" type="datetimeFigureOut">
               <a:rPr lang="en-US" smtClean="0"/>
               <a:pPr/>
-              <a:t>2/5/2019</a:t>
+              <a:t>3/25/2019</a:t>
             </a:fld>
             <a:endParaRPr lang="en-US"/>
           </a:p>
@@ -266,8 +266,8 @@
         </p:nvSpPr>
         <p:spPr>
           <a:xfrm>
-            <a:off x="1371600" y="1143000"/>
-            <a:ext cx="4114800" cy="3086100"/>
+            <a:off x="422275" y="1241425"/>
+            <a:ext cx="5953125" cy="3349625"/>
           </a:xfrm>
           <a:prstGeom prst="rect">
             <a:avLst/>
@@ -299,8 +299,8 @@
         </p:nvSpPr>
         <p:spPr>
           <a:xfrm>
-            <a:off x="685800" y="4400550"/>
-            <a:ext cx="5486400" cy="3600450"/>
+            <a:off x="679768" y="4777194"/>
+            <a:ext cx="5438140" cy="3908614"/>
           </a:xfrm>
           <a:prstGeom prst="rect">
             <a:avLst/>
@@ -312,38 +312,37 @@
           <a:p>
             <a:pPr lvl="0"/>
             <a:r>
-              <a:rPr lang="en-US" smtClean="0"/>
+              <a:rPr lang="en-US"/>
               <a:t>Click to edit Master text styles</a:t>
             </a:r>
           </a:p>
           <a:p>
             <a:pPr lvl="1"/>
             <a:r>
-              <a:rPr lang="en-US" smtClean="0"/>
+              <a:rPr lang="en-US"/>
               <a:t>Second level</a:t>
             </a:r>
           </a:p>
           <a:p>
             <a:pPr lvl="2"/>
             <a:r>
-              <a:rPr lang="en-US" smtClean="0"/>
+              <a:rPr lang="en-US"/>
               <a:t>Third level</a:t>
             </a:r>
           </a:p>
           <a:p>
             <a:pPr lvl="3"/>
             <a:r>
-              <a:rPr lang="en-US" smtClean="0"/>
+              <a:rPr lang="en-US"/>
               <a:t>Fourth level</a:t>
             </a:r>
           </a:p>
           <a:p>
             <a:pPr lvl="4"/>
             <a:r>
-              <a:rPr lang="en-US" smtClean="0"/>
+              <a:rPr lang="en-US"/>
               <a:t>Fifth level</a:t>
             </a:r>
-            <a:endParaRPr lang="en-US"/>
           </a:p>
         </p:txBody>
       </p:sp>
@@ -359,8 +358,8 @@
         </p:nvSpPr>
         <p:spPr>
           <a:xfrm>
-            <a:off x="0" y="8685213"/>
-            <a:ext cx="2971800" cy="458787"/>
+            <a:off x="0" y="9428584"/>
+            <a:ext cx="2945659" cy="498055"/>
           </a:xfrm>
           <a:prstGeom prst="rect">
             <a:avLst/>
@@ -390,8 +389,8 @@
         </p:nvSpPr>
         <p:spPr>
           <a:xfrm>
-            <a:off x="3884613" y="8685213"/>
-            <a:ext cx="2971800" cy="458787"/>
+            <a:off x="3850443" y="9428584"/>
+            <a:ext cx="2945659" cy="498055"/>
           </a:xfrm>
           <a:prstGeom prst="rect">
             <a:avLst/>
@@ -544,7 +543,12 @@
             <p:ph type="sldImg"/>
           </p:nvPr>
         </p:nvSpPr>
-        <p:spPr/>
+        <p:spPr>
+          <a:xfrm>
+            <a:off x="422275" y="1241425"/>
+            <a:ext cx="5953125" cy="3349625"/>
+          </a:xfrm>
+        </p:spPr>
       </p:sp>
       <p:sp>
         <p:nvSpPr>
@@ -629,7 +633,12 @@
             <p:ph type="sldImg"/>
           </p:nvPr>
         </p:nvSpPr>
-        <p:spPr/>
+        <p:spPr>
+          <a:xfrm>
+            <a:off x="422275" y="1241425"/>
+            <a:ext cx="5953125" cy="3349625"/>
+          </a:xfrm>
+        </p:spPr>
       </p:sp>
       <p:sp>
         <p:nvSpPr>
@@ -647,10 +656,9 @@
           <a:lstStyle/>
           <a:p>
             <a:r>
-              <a:rPr lang="en-US" dirty="0" smtClean="0"/>
+              <a:rPr lang="en-US" dirty="0"/>
               <a:t>https://medium.com/coinmonks/ethereum-blockchain-hello-world-smart-contract-with-java-9b6ae2961ad1</a:t>
             </a:r>
-            <a:endParaRPr lang="en-US" dirty="0"/>
           </a:p>
         </p:txBody>
       </p:sp>
@@ -718,7 +726,12 @@
             <p:ph type="sldImg"/>
           </p:nvPr>
         </p:nvSpPr>
-        <p:spPr/>
+        <p:spPr>
+          <a:xfrm>
+            <a:off x="422275" y="1241425"/>
+            <a:ext cx="5953125" cy="3349625"/>
+          </a:xfrm>
+        </p:spPr>
       </p:sp>
       <p:sp>
         <p:nvSpPr>
@@ -736,10 +749,9 @@
           <a:lstStyle/>
           <a:p>
             <a:r>
-              <a:rPr lang="en-US" dirty="0" smtClean="0"/>
+              <a:rPr lang="en-US" dirty="0"/>
               <a:t>https://www.outsystems.com/blog/posts/building-blockchain-enabled-app/</a:t>
             </a:r>
-            <a:endParaRPr lang="en-US" dirty="0"/>
           </a:p>
         </p:txBody>
       </p:sp>
@@ -807,7 +819,12 @@
             <p:ph type="sldImg"/>
           </p:nvPr>
         </p:nvSpPr>
-        <p:spPr/>
+        <p:spPr>
+          <a:xfrm>
+            <a:off x="422275" y="1241425"/>
+            <a:ext cx="5953125" cy="3349625"/>
+          </a:xfrm>
+        </p:spPr>
       </p:sp>
       <p:sp>
         <p:nvSpPr>
@@ -825,10 +842,9 @@
           <a:lstStyle/>
           <a:p>
             <a:r>
-              <a:rPr lang="en-US" dirty="0" smtClean="0"/>
+              <a:rPr lang="en-US" dirty="0"/>
               <a:t>https://www.infoq.com/articles/blockchain-poc-hyperledger</a:t>
             </a:r>
-            <a:endParaRPr lang="en-US" dirty="0"/>
           </a:p>
         </p:txBody>
       </p:sp>
@@ -896,7 +912,12 @@
             <p:ph type="sldImg"/>
           </p:nvPr>
         </p:nvSpPr>
-        <p:spPr/>
+        <p:spPr>
+          <a:xfrm>
+            <a:off x="422275" y="1241425"/>
+            <a:ext cx="5953125" cy="3349625"/>
+          </a:xfrm>
+        </p:spPr>
       </p:sp>
       <p:sp>
         <p:nvSpPr>
@@ -914,7 +935,7 @@
           <a:lstStyle/>
           <a:p>
             <a:r>
-              <a:rPr lang="en-US" sz="1200" b="1" i="0" kern="1200" dirty="0" smtClean="0">
+              <a:rPr lang="en-US" sz="1200" b="1" i="0" kern="1200" dirty="0">
                 <a:solidFill>
                   <a:schemeClr val="tx1"/>
                 </a:solidFill>
@@ -926,7 +947,7 @@
               <a:t>Fault tolerance</a:t>
             </a:r>
             <a:r>
-              <a:rPr lang="en-US" sz="1200" b="0" i="0" kern="1200" dirty="0" smtClean="0">
+              <a:rPr lang="en-US" sz="1200" b="0" i="0" kern="1200" dirty="0">
                 <a:solidFill>
                   <a:schemeClr val="tx1"/>
                 </a:solidFill>
@@ -940,7 +961,7 @@
           </a:p>
           <a:p>
             <a:r>
-              <a:rPr lang="en-US" sz="1200" b="1" i="0" kern="1200" dirty="0" smtClean="0">
+              <a:rPr lang="en-US" sz="1200" b="1" i="0" kern="1200" dirty="0">
                 <a:solidFill>
                   <a:schemeClr val="tx1"/>
                 </a:solidFill>
@@ -952,7 +973,7 @@
               <a:t>Attack resistance</a:t>
             </a:r>
             <a:r>
-              <a:rPr lang="en-US" sz="1200" b="0" i="0" kern="1200" dirty="0" smtClean="0">
+              <a:rPr lang="en-US" sz="1200" b="0" i="0" kern="1200" dirty="0">
                 <a:solidFill>
                   <a:schemeClr val="tx1"/>
                 </a:solidFill>
@@ -964,7 +985,7 @@
               <a:t>— decentralized systems are more expensive to attack and destroy or manipulate because they lack </a:t>
             </a:r>
             <a:r>
-              <a:rPr lang="en-US" sz="1200" b="0" i="0" u="none" strike="noStrike" kern="1200" dirty="0" smtClean="0">
+              <a:rPr lang="en-US" sz="1200" b="0" i="0" u="none" strike="noStrike" kern="1200" dirty="0">
                 <a:solidFill>
                   <a:schemeClr val="tx1"/>
                 </a:solidFill>
@@ -977,7 +998,7 @@
               <a:t>sensitive central points</a:t>
             </a:r>
             <a:r>
-              <a:rPr lang="en-US" sz="1200" b="0" i="0" kern="1200" dirty="0" smtClean="0">
+              <a:rPr lang="en-US" sz="1200" b="0" i="0" kern="1200" dirty="0">
                 <a:solidFill>
                   <a:schemeClr val="tx1"/>
                 </a:solidFill>
@@ -991,7 +1012,7 @@
           </a:p>
           <a:p>
             <a:r>
-              <a:rPr lang="en-US" sz="1200" b="1" i="0" kern="1200" dirty="0" smtClean="0">
+              <a:rPr lang="en-US" sz="1200" b="1" i="0" kern="1200" dirty="0">
                 <a:solidFill>
                   <a:schemeClr val="tx1"/>
                 </a:solidFill>
@@ -1003,7 +1024,7 @@
               <a:t>Collusion resistance </a:t>
             </a:r>
             <a:r>
-              <a:rPr lang="en-US" sz="1200" b="0" i="0" kern="1200" dirty="0" smtClean="0">
+              <a:rPr lang="en-US" sz="1200" b="0" i="0" kern="1200" dirty="0">
                 <a:solidFill>
                   <a:schemeClr val="tx1"/>
                 </a:solidFill>
@@ -1016,7 +1037,7 @@
             </a:r>
           </a:p>
           <a:p>
-            <a:endParaRPr lang="en-US" sz="1200" b="0" i="0" kern="1200" dirty="0" smtClean="0">
+            <a:endParaRPr lang="en-US" sz="1200" b="0" i="0" kern="1200" dirty="0">
               <a:solidFill>
                 <a:schemeClr val="tx1"/>
               </a:solidFill>
@@ -1028,7 +1049,7 @@
           </a:p>
           <a:p>
             <a:r>
-              <a:rPr lang="en-US" sz="1200" b="0" i="0" kern="1200" dirty="0" smtClean="0">
+              <a:rPr lang="en-US" sz="1200" b="0" i="0" kern="1200" dirty="0">
                 <a:solidFill>
                   <a:schemeClr val="tx1"/>
                 </a:solidFill>
@@ -1117,7 +1138,12 @@
             <p:ph type="sldImg"/>
           </p:nvPr>
         </p:nvSpPr>
-        <p:spPr/>
+        <p:spPr>
+          <a:xfrm>
+            <a:off x="422275" y="1241425"/>
+            <a:ext cx="5953125" cy="3349625"/>
+          </a:xfrm>
+        </p:spPr>
       </p:sp>
       <p:sp>
         <p:nvSpPr>
@@ -1135,10 +1161,9 @@
           <a:lstStyle/>
           <a:p>
             <a:r>
-              <a:rPr lang="en-US" dirty="0" smtClean="0"/>
+              <a:rPr lang="en-US" dirty="0"/>
               <a:t>https://www.c-sharpcorner.com/article/basics-of-blockchain/</a:t>
             </a:r>
-            <a:endParaRPr lang="en-US" dirty="0"/>
           </a:p>
         </p:txBody>
       </p:sp>
@@ -1206,7 +1231,12 @@
             <p:ph type="sldImg"/>
           </p:nvPr>
         </p:nvSpPr>
-        <p:spPr/>
+        <p:spPr>
+          <a:xfrm>
+            <a:off x="422275" y="1241425"/>
+            <a:ext cx="5953125" cy="3349625"/>
+          </a:xfrm>
+        </p:spPr>
       </p:sp>
       <p:sp>
         <p:nvSpPr>
@@ -1241,15 +1271,15 @@
               <a:defRPr/>
             </a:pPr>
             <a:r>
-              <a:rPr lang="en-US" sz="1200" i="1" dirty="0" smtClean="0"/>
+              <a:rPr lang="en-US" sz="1200" i="1" dirty="0"/>
               <a:t>(https://en.wikipedia.org/wiki/Blockchain)</a:t>
             </a:r>
           </a:p>
           <a:p>
-            <a:endParaRPr lang="en-US" dirty="0" smtClean="0"/>
-          </a:p>
-          <a:p>
-            <a:endParaRPr lang="en-US" dirty="0" smtClean="0"/>
+            <a:endParaRPr lang="en-US" dirty="0"/>
+          </a:p>
+          <a:p>
+            <a:endParaRPr lang="en-US" dirty="0"/>
           </a:p>
         </p:txBody>
       </p:sp>
@@ -1317,7 +1347,12 @@
             <p:ph type="sldImg"/>
           </p:nvPr>
         </p:nvSpPr>
-        <p:spPr/>
+        <p:spPr>
+          <a:xfrm>
+            <a:off x="422275" y="1241425"/>
+            <a:ext cx="5953125" cy="3349625"/>
+          </a:xfrm>
+        </p:spPr>
       </p:sp>
       <p:sp>
         <p:nvSpPr>
@@ -1335,10 +1370,9 @@
           <a:lstStyle/>
           <a:p>
             <a:r>
-              <a:rPr lang="en-US" dirty="0" smtClean="0"/>
+              <a:rPr lang="en-US" dirty="0"/>
               <a:t>https://medium.com/coinmonks/ethereum-blockchain-hello-world-smart-contract-with-java-9b6ae2961ad1</a:t>
             </a:r>
-            <a:endParaRPr lang="en-US" dirty="0"/>
           </a:p>
         </p:txBody>
       </p:sp>
@@ -1406,7 +1440,12 @@
             <p:ph type="sldImg"/>
           </p:nvPr>
         </p:nvSpPr>
-        <p:spPr/>
+        <p:spPr>
+          <a:xfrm>
+            <a:off x="422275" y="1241425"/>
+            <a:ext cx="5953125" cy="3349625"/>
+          </a:xfrm>
+        </p:spPr>
       </p:sp>
       <p:sp>
         <p:nvSpPr>
@@ -1424,10 +1463,9 @@
           <a:lstStyle/>
           <a:p>
             <a:r>
-              <a:rPr lang="en-US" dirty="0" smtClean="0"/>
+              <a:rPr lang="en-US" dirty="0"/>
               <a:t>https://medium.com/swlh/how-does-bitcoin-blockchain-mining-work-36db1c5cb55d</a:t>
             </a:r>
-            <a:endParaRPr lang="en-US" dirty="0"/>
           </a:p>
         </p:txBody>
       </p:sp>
@@ -1495,7 +1533,12 @@
             <p:ph type="sldImg"/>
           </p:nvPr>
         </p:nvSpPr>
-        <p:spPr/>
+        <p:spPr>
+          <a:xfrm>
+            <a:off x="422275" y="1241425"/>
+            <a:ext cx="5953125" cy="3349625"/>
+          </a:xfrm>
+        </p:spPr>
       </p:sp>
       <p:sp>
         <p:nvSpPr>
@@ -1513,16 +1556,16 @@
           <a:lstStyle/>
           <a:p>
             <a:r>
-              <a:rPr lang="en-US" dirty="0" smtClean="0"/>
+              <a:rPr lang="en-US" dirty="0"/>
               <a:t>https://medium.com/swlh/how-does-bitcoin-blockchain-mining-work-36db1c5cb55d</a:t>
             </a:r>
           </a:p>
           <a:p>
-            <a:endParaRPr lang="en-US" dirty="0" smtClean="0"/>
-          </a:p>
-          <a:p>
-            <a:r>
-              <a:rPr lang="en-US" sz="1200" b="0" i="1" kern="1200" dirty="0" smtClean="0">
+            <a:endParaRPr lang="en-US" dirty="0"/>
+          </a:p>
+          <a:p>
+            <a:r>
+              <a:rPr lang="en-US" sz="1200" b="0" i="1" kern="1200" dirty="0">
                 <a:solidFill>
                   <a:schemeClr val="tx1"/>
                 </a:solidFill>
@@ -1534,7 +1577,7 @@
               <a:t>Number used </a:t>
             </a:r>
             <a:r>
-              <a:rPr lang="en-US" sz="1200" b="0" i="1" kern="1200" dirty="0" err="1" smtClean="0">
+              <a:rPr lang="en-US" sz="1200" b="0" i="1" kern="1200" dirty="0" err="1">
                 <a:solidFill>
                   <a:schemeClr val="tx1"/>
                 </a:solidFill>
@@ -1546,7 +1589,7 @@
               <a:t>ONly</a:t>
             </a:r>
             <a:r>
-              <a:rPr lang="en-US" sz="1200" b="0" i="1" kern="1200" dirty="0" smtClean="0">
+              <a:rPr lang="en-US" sz="1200" b="0" i="1" kern="1200" dirty="0">
                 <a:solidFill>
                   <a:schemeClr val="tx1"/>
                 </a:solidFill>
@@ -1558,7 +1601,7 @@
               <a:t> </a:t>
             </a:r>
             <a:r>
-              <a:rPr lang="en-US" sz="1200" b="0" i="1" kern="1200" dirty="0" err="1" smtClean="0">
+              <a:rPr lang="en-US" sz="1200" b="0" i="1" kern="1200" dirty="0" err="1">
                 <a:solidFill>
                   <a:schemeClr val="tx1"/>
                 </a:solidFill>
@@ -1569,7 +1612,7 @@
               </a:rPr>
               <a:t>onCE</a:t>
             </a:r>
-            <a:endParaRPr lang="en-US" sz="1200" b="0" i="1" kern="1200" dirty="0" smtClean="0">
+            <a:endParaRPr lang="en-US" sz="1200" b="0" i="1" kern="1200" dirty="0">
               <a:solidFill>
                 <a:schemeClr val="tx1"/>
               </a:solidFill>
@@ -1648,7 +1691,12 @@
             <p:ph type="sldImg"/>
           </p:nvPr>
         </p:nvSpPr>
-        <p:spPr/>
+        <p:spPr>
+          <a:xfrm>
+            <a:off x="422275" y="1241425"/>
+            <a:ext cx="5953125" cy="3349625"/>
+          </a:xfrm>
+        </p:spPr>
       </p:sp>
       <p:sp>
         <p:nvSpPr>
@@ -1666,7 +1714,7 @@
           <a:lstStyle/>
           <a:p>
             <a:r>
-              <a:rPr lang="en-US" sz="1200" b="0" i="0" kern="1200" dirty="0" smtClean="0">
+              <a:rPr lang="en-US" sz="1200" b="0" i="0" kern="1200" dirty="0">
                 <a:solidFill>
                   <a:schemeClr val="tx1"/>
                 </a:solidFill>
@@ -1679,7 +1727,7 @@
             </a:r>
           </a:p>
           <a:p>
-            <a:endParaRPr lang="en-US" sz="1200" b="0" i="0" kern="1200" dirty="0" smtClean="0">
+            <a:endParaRPr lang="en-US" sz="1200" b="0" i="0" kern="1200" dirty="0">
               <a:solidFill>
                 <a:schemeClr val="tx1"/>
               </a:solidFill>
@@ -1691,7 +1739,7 @@
           </a:p>
           <a:p>
             <a:r>
-              <a:rPr lang="en-US" sz="1200" b="0" i="0" kern="1200" dirty="0" smtClean="0">
+              <a:rPr lang="en-US" sz="1200" b="0" i="0" kern="1200" dirty="0">
                 <a:solidFill>
                   <a:schemeClr val="tx1"/>
                 </a:solidFill>
@@ -1704,7 +1752,7 @@
             </a:r>
           </a:p>
           <a:p>
-            <a:endParaRPr lang="en-US" sz="1200" b="0" i="0" kern="1200" dirty="0" smtClean="0">
+            <a:endParaRPr lang="en-US" sz="1200" b="0" i="0" kern="1200" dirty="0">
               <a:solidFill>
                 <a:schemeClr val="tx1"/>
               </a:solidFill>
@@ -1716,7 +1764,7 @@
           </a:p>
           <a:p>
             <a:r>
-              <a:rPr lang="en-US" sz="1200" b="0" i="0" kern="1200" dirty="0" smtClean="0">
+              <a:rPr lang="en-US" sz="1200" b="0" i="0" kern="1200" dirty="0">
                 <a:solidFill>
                   <a:schemeClr val="tx1"/>
                 </a:solidFill>
@@ -1795,7 +1843,12 @@
             <p:ph type="sldImg"/>
           </p:nvPr>
         </p:nvSpPr>
-        <p:spPr/>
+        <p:spPr>
+          <a:xfrm>
+            <a:off x="422275" y="1241425"/>
+            <a:ext cx="5953125" cy="3349625"/>
+          </a:xfrm>
+        </p:spPr>
       </p:sp>
       <p:sp>
         <p:nvSpPr>
@@ -1813,7 +1866,7 @@
           <a:lstStyle/>
           <a:p>
             <a:r>
-              <a:rPr lang="en-US" sz="1200" b="0" i="0" kern="1200" dirty="0" smtClean="0">
+              <a:rPr lang="en-US" sz="1200" b="0" i="0" kern="1200" dirty="0">
                 <a:solidFill>
                   <a:schemeClr val="tx1"/>
                 </a:solidFill>
@@ -1827,7 +1880,7 @@
           </a:p>
           <a:p>
             <a:r>
-              <a:rPr lang="en-US" sz="1200" b="0" i="0" kern="1200" dirty="0" smtClean="0">
+              <a:rPr lang="en-US" sz="1200" b="0" i="0" kern="1200" dirty="0">
                 <a:solidFill>
                   <a:schemeClr val="tx1"/>
                 </a:solidFill>
@@ -1841,7 +1894,7 @@
           </a:p>
           <a:p>
             <a:r>
-              <a:rPr lang="en-US" sz="1200" b="0" i="0" kern="1200" dirty="0" smtClean="0">
+              <a:rPr lang="en-US" sz="1200" b="0" i="0" kern="1200" dirty="0">
                 <a:solidFill>
                   <a:schemeClr val="tx1"/>
                 </a:solidFill>
@@ -1854,15 +1907,11 @@
             </a:r>
           </a:p>
           <a:p>
-            <a:r>
-              <a:rPr lang="en-US" dirty="0" smtClean="0"/>
-              <a:t/>
-            </a:r>
             <a:br>
-              <a:rPr lang="en-US" dirty="0" smtClean="0"/>
+              <a:rPr lang="en-US" dirty="0"/>
             </a:br>
             <a:r>
-              <a:rPr lang="en-US" sz="1200" b="0" i="0" kern="1200" dirty="0" smtClean="0">
+              <a:rPr lang="en-US" sz="1200" b="0" i="0" kern="1200" dirty="0">
                 <a:solidFill>
                   <a:schemeClr val="tx1"/>
                 </a:solidFill>
@@ -1874,7 +1923,7 @@
               <a:t>One who solves the puzzle, will broadcast the block with value of ‘x’ i.e. solution of puzzle named as ‘</a:t>
             </a:r>
             <a:r>
-              <a:rPr lang="en-US" sz="1200" b="0" i="1" kern="1200" dirty="0" smtClean="0">
+              <a:rPr lang="en-US" sz="1200" b="0" i="1" kern="1200" dirty="0">
                 <a:solidFill>
                   <a:schemeClr val="tx1"/>
                 </a:solidFill>
@@ -1886,7 +1935,7 @@
               <a:t>nonce</a:t>
             </a:r>
             <a:r>
-              <a:rPr lang="en-US" sz="1200" b="1" i="0" kern="1200" dirty="0" smtClean="0">
+              <a:rPr lang="en-US" sz="1200" b="1" i="0" kern="1200" dirty="0">
                 <a:solidFill>
                   <a:schemeClr val="tx1"/>
                 </a:solidFill>
@@ -1898,7 +1947,7 @@
               <a:t>’</a:t>
             </a:r>
             <a:r>
-              <a:rPr lang="en-US" sz="1200" b="0" i="0" kern="1200" dirty="0" smtClean="0">
+              <a:rPr lang="en-US" sz="1200" b="0" i="0" kern="1200" dirty="0">
                 <a:solidFill>
                   <a:schemeClr val="tx1"/>
                 </a:solidFill>
@@ -1912,7 +1961,7 @@
           </a:p>
           <a:p>
             <a:r>
-              <a:rPr lang="en-US" sz="1200" b="0" i="0" kern="1200" dirty="0" smtClean="0">
+              <a:rPr lang="en-US" sz="1200" b="0" i="0" kern="1200" dirty="0">
                 <a:solidFill>
                   <a:schemeClr val="tx1"/>
                 </a:solidFill>
@@ -1924,7 +1973,7 @@
               <a:t>In our case, if </a:t>
             </a:r>
             <a:r>
-              <a:rPr lang="en-US" sz="1200" b="0" i="0" kern="1200" dirty="0" err="1" smtClean="0">
+              <a:rPr lang="en-US" sz="1200" b="0" i="0" kern="1200" dirty="0" err="1">
                 <a:solidFill>
                   <a:schemeClr val="tx1"/>
                 </a:solidFill>
@@ -1936,7 +1985,7 @@
               <a:t>Akshay</a:t>
             </a:r>
             <a:r>
-              <a:rPr lang="en-US" sz="1200" b="0" i="0" kern="1200" dirty="0" smtClean="0">
+              <a:rPr lang="en-US" sz="1200" b="0" i="0" kern="1200" dirty="0">
                 <a:solidFill>
                   <a:schemeClr val="tx1"/>
                 </a:solidFill>
@@ -1992,7 +2041,7 @@
 
 <file path=ppt/slideLayouts/slideLayout1.xml><?xml version="1.0" encoding="utf-8"?>
 <p:sldLayout xmlns:a="http://schemas.openxmlformats.org/drawingml/2006/main" xmlns:r="http://schemas.openxmlformats.org/officeDocument/2006/relationships" xmlns:p="http://schemas.openxmlformats.org/presentationml/2006/main" type="title" preserve="1">
-  <p:cSld name="Title Slide">
+  <p:cSld name="สไลด์ชื่อเรื่อง">
     <p:spTree>
       <p:nvGrpSpPr>
         <p:cNvPr id="1" name=""/>
@@ -2019,8 +2068,8 @@
         </p:nvSpPr>
         <p:spPr>
           <a:xfrm>
-            <a:off x="866442" y="1447801"/>
-            <a:ext cx="6620968" cy="3329581"/>
+            <a:off x="1154955" y="1447800"/>
+            <a:ext cx="8825658" cy="3329581"/>
           </a:xfrm>
         </p:spPr>
         <p:txBody>
@@ -2032,8 +2081,8 @@
           </a:lstStyle>
           <a:p>
             <a:r>
-              <a:rPr lang="en-US" smtClean="0"/>
-              <a:t>Click to edit Master title style</a:t>
+              <a:rPr lang="th-TH"/>
+              <a:t>คลิกเพื่อแก้ไขสไตล์ชื่อเรื่องต้นแบบ</a:t>
             </a:r>
             <a:endParaRPr lang="en-US" dirty="0"/>
           </a:p>
@@ -2051,8 +2100,8 @@
         </p:nvSpPr>
         <p:spPr>
           <a:xfrm>
-            <a:off x="866442" y="4777380"/>
-            <a:ext cx="6620968" cy="861420"/>
+            <a:off x="1154955" y="4777380"/>
+            <a:ext cx="8825658" cy="861420"/>
           </a:xfrm>
         </p:spPr>
         <p:txBody>
@@ -2149,8 +2198,8 @@
           </a:lstStyle>
           <a:p>
             <a:r>
-              <a:rPr lang="en-US" smtClean="0"/>
-              <a:t>Click to edit Master subtitle style</a:t>
+              <a:rPr lang="th-TH"/>
+              <a:t>คลิกเพื่อแก้ไขสไตล์ชื่อเรื่องรองต้นแบบ</a:t>
             </a:r>
             <a:endParaRPr lang="en-US" dirty="0"/>
           </a:p>
@@ -2166,19 +2215,15 @@
             <p:ph type="dt" sz="half" idx="10"/>
           </p:nvPr>
         </p:nvSpPr>
-        <p:spPr>
-          <a:xfrm rot="5400000">
-            <a:off x="7494989" y="1828771"/>
-            <a:ext cx="990599" cy="228659"/>
-          </a:xfrm>
-          <a:prstGeom prst="rect">
-            <a:avLst/>
-          </a:prstGeom>
-        </p:spPr>
-        <p:txBody>
-          <a:bodyPr/>
-          <a:lstStyle/>
-          <a:p>
+        <p:spPr/>
+        <p:txBody>
+          <a:bodyPr/>
+          <a:lstStyle/>
+          <a:p>
+            <a:fld id="{4AAD347D-5ACD-4C99-B74B-A9C85AD731AF}" type="datetimeFigureOut">
+              <a:rPr lang="en-US" dirty="0"/>
+              <a:t>3/25/2019</a:t>
+            </a:fld>
             <a:endParaRPr lang="en-US" dirty="0"/>
           </a:p>
         </p:txBody>
@@ -2193,15 +2238,7 @@
             <p:ph type="ftr" sz="quarter" idx="11"/>
           </p:nvPr>
         </p:nvSpPr>
-        <p:spPr>
-          <a:xfrm rot="5400000">
-            <a:off x="6233335" y="3263371"/>
-            <a:ext cx="3859795" cy="228660"/>
-          </a:xfrm>
-          <a:prstGeom prst="rect">
-            <a:avLst/>
-          </a:prstGeom>
-        </p:spPr>
+        <p:spPr/>
         <p:txBody>
           <a:bodyPr/>
           <a:lstStyle/>
@@ -2237,19 +2274,20 @@
     </p:spTree>
     <p:extLst>
       <p:ext uri="{BB962C8B-B14F-4D97-AF65-F5344CB8AC3E}">
-        <p14:creationId xmlns:p14="http://schemas.microsoft.com/office/powerpoint/2010/main" val="747954530"/>
+        <p14:creationId xmlns:p14="http://schemas.microsoft.com/office/powerpoint/2010/main" val="1480350424"/>
       </p:ext>
     </p:extLst>
   </p:cSld>
   <p:clrMapOvr>
     <a:masterClrMapping/>
   </p:clrMapOvr>
+  <p:hf hdr="0" dt="0"/>
 </p:sldLayout>
 </file>
 
 <file path=ppt/slideLayouts/slideLayout10.xml><?xml version="1.0" encoding="utf-8"?>
 <p:sldLayout xmlns:a="http://schemas.openxmlformats.org/drawingml/2006/main" xmlns:r="http://schemas.openxmlformats.org/officeDocument/2006/relationships" xmlns:p="http://schemas.openxmlformats.org/presentationml/2006/main" preserve="1">
-  <p:cSld name="Panoramic Picture with Caption">
+  <p:cSld name="รูปภาพพาโนรามาพร้อมคำอธิบายภาพ">
     <p:spTree>
       <p:nvGrpSpPr>
         <p:cNvPr id="1" name=""/>
@@ -2276,8 +2314,8 @@
         </p:nvSpPr>
         <p:spPr>
           <a:xfrm>
-            <a:off x="866443" y="4800587"/>
-            <a:ext cx="6620967" cy="566738"/>
+            <a:off x="1154956" y="4800587"/>
+            <a:ext cx="8825657" cy="566738"/>
           </a:xfrm>
         </p:spPr>
         <p:txBody>
@@ -2291,8 +2329,8 @@
           </a:lstStyle>
           <a:p>
             <a:r>
-              <a:rPr lang="en-US" smtClean="0"/>
-              <a:t>Click to edit Master title style</a:t>
+              <a:rPr lang="th-TH"/>
+              <a:t>คลิกเพื่อแก้ไขสไตล์ชื่อเรื่องต้นแบบ</a:t>
             </a:r>
             <a:endParaRPr lang="en-US" dirty="0"/>
           </a:p>
@@ -2310,8 +2348,8 @@
         </p:nvSpPr>
         <p:spPr>
           <a:xfrm>
-            <a:off x="866442" y="685800"/>
-            <a:ext cx="6620968" cy="3640666"/>
+            <a:off x="1154955" y="685800"/>
+            <a:ext cx="8825658" cy="3640666"/>
           </a:xfrm>
           <a:prstGeom prst="roundRect">
             <a:avLst>
@@ -2370,8 +2408,8 @@
           </a:lstStyle>
           <a:p>
             <a:r>
-              <a:rPr lang="en-US" smtClean="0"/>
-              <a:t>Click icon to add picture</a:t>
+              <a:rPr lang="th-TH"/>
+              <a:t>คลิกไอคอนเพื่อเพิ่มรูปภาพ</a:t>
             </a:r>
             <a:endParaRPr lang="en-US" dirty="0"/>
           </a:p>
@@ -2389,8 +2427,8 @@
         </p:nvSpPr>
         <p:spPr>
           <a:xfrm>
-            <a:off x="866443" y="5367325"/>
-            <a:ext cx="6620966" cy="493712"/>
+            <a:off x="1154956" y="5367325"/>
+            <a:ext cx="8825656" cy="493712"/>
           </a:xfrm>
         </p:spPr>
         <p:txBody>
@@ -2438,8 +2476,8 @@
           <a:p>
             <a:pPr lvl="0"/>
             <a:r>
-              <a:rPr lang="en-US" smtClean="0"/>
-              <a:t>Click to edit Master text styles</a:t>
+              <a:rPr lang="th-TH"/>
+              <a:t>คลิกเพื่อแก้ไขสไตล์ของข้อความต้นแบบ</a:t>
             </a:r>
           </a:p>
         </p:txBody>
@@ -2454,19 +2492,15 @@
             <p:ph type="dt" sz="half" idx="10"/>
           </p:nvPr>
         </p:nvSpPr>
-        <p:spPr>
-          <a:xfrm rot="5400000">
-            <a:off x="7494989" y="1828771"/>
-            <a:ext cx="990599" cy="228659"/>
-          </a:xfrm>
-          <a:prstGeom prst="rect">
-            <a:avLst/>
-          </a:prstGeom>
-        </p:spPr>
-        <p:txBody>
-          <a:bodyPr/>
-          <a:lstStyle/>
-          <a:p>
+        <p:spPr/>
+        <p:txBody>
+          <a:bodyPr/>
+          <a:lstStyle/>
+          <a:p>
+            <a:fld id="{4509A250-FF31-4206-8172-F9D3106AACB1}" type="datetimeFigureOut">
+              <a:rPr lang="en-US" dirty="0"/>
+              <a:t>3/25/2019</a:t>
+            </a:fld>
             <a:endParaRPr lang="en-US" dirty="0"/>
           </a:p>
         </p:txBody>
@@ -2481,15 +2515,7 @@
             <p:ph type="ftr" sz="quarter" idx="11"/>
           </p:nvPr>
         </p:nvSpPr>
-        <p:spPr>
-          <a:xfrm rot="5400000">
-            <a:off x="6233335" y="3263371"/>
-            <a:ext cx="3859795" cy="228660"/>
-          </a:xfrm>
-          <a:prstGeom prst="rect">
-            <a:avLst/>
-          </a:prstGeom>
-        </p:spPr>
+        <p:spPr/>
         <p:txBody>
           <a:bodyPr/>
           <a:lstStyle/>
@@ -2525,19 +2551,20 @@
     </p:spTree>
     <p:extLst>
       <p:ext uri="{BB962C8B-B14F-4D97-AF65-F5344CB8AC3E}">
-        <p14:creationId xmlns:p14="http://schemas.microsoft.com/office/powerpoint/2010/main" val="3656660450"/>
+        <p14:creationId xmlns:p14="http://schemas.microsoft.com/office/powerpoint/2010/main" val="3372993410"/>
       </p:ext>
     </p:extLst>
   </p:cSld>
   <p:clrMapOvr>
     <a:masterClrMapping/>
   </p:clrMapOvr>
+  <p:hf hdr="0" dt="0"/>
 </p:sldLayout>
 </file>
 
 <file path=ppt/slideLayouts/slideLayout11.xml><?xml version="1.0" encoding="utf-8"?>
 <p:sldLayout xmlns:a="http://schemas.openxmlformats.org/drawingml/2006/main" xmlns:r="http://schemas.openxmlformats.org/officeDocument/2006/relationships" xmlns:p="http://schemas.openxmlformats.org/presentationml/2006/main" preserve="1">
-  <p:cSld name="Title and Caption">
+  <p:cSld name="ชื่อและคำอธิบาย">
     <p:spTree>
       <p:nvGrpSpPr>
         <p:cNvPr id="1" name=""/>
@@ -2564,8 +2591,8 @@
         </p:nvSpPr>
         <p:spPr>
           <a:xfrm>
-            <a:off x="866442" y="1447800"/>
-            <a:ext cx="6620968" cy="1981200"/>
+            <a:off x="1154954" y="1447800"/>
+            <a:ext cx="8825659" cy="1981200"/>
           </a:xfrm>
         </p:spPr>
         <p:txBody>
@@ -2577,8 +2604,8 @@
           </a:lstStyle>
           <a:p>
             <a:r>
-              <a:rPr lang="en-US" smtClean="0"/>
-              <a:t>Click to edit Master title style</a:t>
+              <a:rPr lang="th-TH"/>
+              <a:t>คลิกเพื่อแก้ไขสไตล์ชื่อเรื่องต้นแบบ</a:t>
             </a:r>
             <a:endParaRPr lang="en-US" dirty="0"/>
           </a:p>
@@ -2596,8 +2623,8 @@
         </p:nvSpPr>
         <p:spPr>
           <a:xfrm>
-            <a:off x="866442" y="3657600"/>
-            <a:ext cx="6620968" cy="2362200"/>
+            <a:off x="1154954" y="3657600"/>
+            <a:ext cx="8825659" cy="2362200"/>
           </a:xfrm>
         </p:spPr>
         <p:txBody>
@@ -2645,8 +2672,8 @@
           <a:p>
             <a:pPr lvl="0"/>
             <a:r>
-              <a:rPr lang="en-US" smtClean="0"/>
-              <a:t>Click to edit Master text styles</a:t>
+              <a:rPr lang="th-TH"/>
+              <a:t>คลิกเพื่อแก้ไขสไตล์ของข้อความต้นแบบ</a:t>
             </a:r>
           </a:p>
         </p:txBody>
@@ -2661,19 +2688,15 @@
             <p:ph type="dt" sz="half" idx="10"/>
           </p:nvPr>
         </p:nvSpPr>
-        <p:spPr>
-          <a:xfrm rot="5400000">
-            <a:off x="7494989" y="1828771"/>
-            <a:ext cx="990599" cy="228659"/>
-          </a:xfrm>
-          <a:prstGeom prst="rect">
-            <a:avLst/>
-          </a:prstGeom>
-        </p:spPr>
-        <p:txBody>
-          <a:bodyPr/>
-          <a:lstStyle/>
-          <a:p>
+        <p:spPr/>
+        <p:txBody>
+          <a:bodyPr/>
+          <a:lstStyle/>
+          <a:p>
+            <a:fld id="{4509A250-FF31-4206-8172-F9D3106AACB1}" type="datetimeFigureOut">
+              <a:rPr lang="en-US" dirty="0"/>
+              <a:t>3/25/2019</a:t>
+            </a:fld>
             <a:endParaRPr lang="en-US" dirty="0"/>
           </a:p>
         </p:txBody>
@@ -2688,15 +2711,7 @@
             <p:ph type="ftr" sz="quarter" idx="11"/>
           </p:nvPr>
         </p:nvSpPr>
-        <p:spPr>
-          <a:xfrm rot="5400000">
-            <a:off x="6233335" y="3263371"/>
-            <a:ext cx="3859795" cy="228660"/>
-          </a:xfrm>
-          <a:prstGeom prst="rect">
-            <a:avLst/>
-          </a:prstGeom>
-        </p:spPr>
+        <p:spPr/>
         <p:txBody>
           <a:bodyPr/>
           <a:lstStyle/>
@@ -2732,19 +2747,20 @@
     </p:spTree>
     <p:extLst>
       <p:ext uri="{BB962C8B-B14F-4D97-AF65-F5344CB8AC3E}">
-        <p14:creationId xmlns:p14="http://schemas.microsoft.com/office/powerpoint/2010/main" val="283789480"/>
+        <p14:creationId xmlns:p14="http://schemas.microsoft.com/office/powerpoint/2010/main" val="1738116753"/>
       </p:ext>
     </p:extLst>
   </p:cSld>
   <p:clrMapOvr>
     <a:masterClrMapping/>
   </p:clrMapOvr>
+  <p:hf hdr="0" dt="0"/>
 </p:sldLayout>
 </file>
 
 <file path=ppt/slideLayouts/slideLayout12.xml><?xml version="1.0" encoding="utf-8"?>
 <p:sldLayout xmlns:a="http://schemas.openxmlformats.org/drawingml/2006/main" xmlns:r="http://schemas.openxmlformats.org/officeDocument/2006/relationships" xmlns:p="http://schemas.openxmlformats.org/presentationml/2006/main" preserve="1">
-  <p:cSld name="Quote with Caption">
+  <p:cSld name="คำอ้างอิงพร้อมคำอธิบาย">
     <p:spTree>
       <p:nvGrpSpPr>
         <p:cNvPr id="1" name=""/>
@@ -2771,8 +2787,8 @@
         </p:nvSpPr>
         <p:spPr>
           <a:xfrm>
-            <a:off x="1181409" y="1447800"/>
-            <a:ext cx="6001049" cy="2317649"/>
+            <a:off x="1574801" y="1447800"/>
+            <a:ext cx="7999315" cy="2323374"/>
           </a:xfrm>
         </p:spPr>
         <p:txBody>
@@ -2784,8 +2800,8 @@
           </a:lstStyle>
           <a:p>
             <a:r>
-              <a:rPr lang="en-US" smtClean="0"/>
-              <a:t>Click to edit Master title style</a:t>
+              <a:rPr lang="th-TH"/>
+              <a:t>คลิกเพื่อแก้ไขสไตล์ชื่อเรื่องต้นแบบ</a:t>
             </a:r>
             <a:endParaRPr lang="en-US" dirty="0"/>
           </a:p>
@@ -2803,8 +2819,8 @@
         </p:nvSpPr>
         <p:spPr>
           <a:xfrm>
-            <a:off x="1454530" y="3765449"/>
-            <a:ext cx="5449871" cy="342174"/>
+            <a:off x="1930400" y="3771174"/>
+            <a:ext cx="7279649" cy="342174"/>
           </a:xfrm>
         </p:spPr>
         <p:txBody>
@@ -2859,8 +2875,8 @@
           <a:p>
             <a:pPr lvl="0"/>
             <a:r>
-              <a:rPr lang="en-US" smtClean="0"/>
-              <a:t>Click to edit Master text styles</a:t>
+              <a:rPr lang="th-TH"/>
+              <a:t>คลิกเพื่อแก้ไขสไตล์ของข้อความต้นแบบ</a:t>
             </a:r>
           </a:p>
         </p:txBody>
@@ -2877,8 +2893,8 @@
         </p:nvSpPr>
         <p:spPr>
           <a:xfrm>
-            <a:off x="866442" y="4350657"/>
-            <a:ext cx="6620968" cy="1676400"/>
+            <a:off x="1154954" y="4350657"/>
+            <a:ext cx="8825659" cy="1676400"/>
           </a:xfrm>
         </p:spPr>
         <p:txBody>
@@ -2926,8 +2942,8 @@
           <a:p>
             <a:pPr lvl="0"/>
             <a:r>
-              <a:rPr lang="en-US" smtClean="0"/>
-              <a:t>Click to edit Master text styles</a:t>
+              <a:rPr lang="th-TH"/>
+              <a:t>คลิกเพื่อแก้ไขสไตล์ของข้อความต้นแบบ</a:t>
             </a:r>
           </a:p>
         </p:txBody>
@@ -2942,19 +2958,15 @@
             <p:ph type="dt" sz="half" idx="10"/>
           </p:nvPr>
         </p:nvSpPr>
-        <p:spPr>
-          <a:xfrm rot="5400000">
-            <a:off x="7494989" y="1828771"/>
-            <a:ext cx="990599" cy="228659"/>
-          </a:xfrm>
-          <a:prstGeom prst="rect">
-            <a:avLst/>
-          </a:prstGeom>
-        </p:spPr>
-        <p:txBody>
-          <a:bodyPr/>
-          <a:lstStyle/>
-          <a:p>
+        <p:spPr/>
+        <p:txBody>
+          <a:bodyPr/>
+          <a:lstStyle/>
+          <a:p>
+            <a:fld id="{4509A250-FF31-4206-8172-F9D3106AACB1}" type="datetimeFigureOut">
+              <a:rPr lang="en-US" dirty="0"/>
+              <a:t>3/25/2019</a:t>
+            </a:fld>
             <a:endParaRPr lang="en-US" dirty="0"/>
           </a:p>
         </p:txBody>
@@ -2969,15 +2981,7 @@
             <p:ph type="ftr" sz="quarter" idx="11"/>
           </p:nvPr>
         </p:nvSpPr>
-        <p:spPr>
-          <a:xfrm rot="5400000">
-            <a:off x="6233335" y="3263371"/>
-            <a:ext cx="3859795" cy="228660"/>
-          </a:xfrm>
-          <a:prstGeom prst="rect">
-            <a:avLst/>
-          </a:prstGeom>
-        </p:spPr>
+        <p:spPr/>
         <p:txBody>
           <a:bodyPr/>
           <a:lstStyle/>
@@ -3018,8 +3022,8 @@
         </p:nvSpPr>
         <p:spPr>
           <a:xfrm>
-            <a:off x="673897" y="971253"/>
-            <a:ext cx="601591" cy="1969770"/>
+            <a:off x="898295" y="971253"/>
+            <a:ext cx="801912" cy="1969770"/>
           </a:xfrm>
           <a:prstGeom prst="rect">
             <a:avLst/>
@@ -3048,7 +3052,7 @@
           <a:p>
             <a:pPr lvl="0"/>
             <a:r>
-              <a:rPr lang="en-US" sz="12200" dirty="0"/>
+              <a:rPr lang="en-US" dirty="0"/>
               <a:t>“</a:t>
             </a:r>
           </a:p>
@@ -3062,8 +3066,8 @@
         </p:nvSpPr>
         <p:spPr>
           <a:xfrm>
-            <a:off x="6999690" y="2613787"/>
-            <a:ext cx="601591" cy="1969770"/>
+            <a:off x="9330490" y="2613787"/>
+            <a:ext cx="801912" cy="1969770"/>
           </a:xfrm>
           <a:prstGeom prst="rect">
             <a:avLst/>
@@ -3092,7 +3096,7 @@
           <a:p>
             <a:pPr lvl="0"/>
             <a:r>
-              <a:rPr lang="en-US" sz="12200" dirty="0"/>
+              <a:rPr lang="en-US" dirty="0"/>
               <a:t>”</a:t>
             </a:r>
           </a:p>
@@ -3101,19 +3105,20 @@
     </p:spTree>
     <p:extLst>
       <p:ext uri="{BB962C8B-B14F-4D97-AF65-F5344CB8AC3E}">
-        <p14:creationId xmlns:p14="http://schemas.microsoft.com/office/powerpoint/2010/main" val="1114404646"/>
+        <p14:creationId xmlns:p14="http://schemas.microsoft.com/office/powerpoint/2010/main" val="2888358279"/>
       </p:ext>
     </p:extLst>
   </p:cSld>
   <p:clrMapOvr>
     <a:masterClrMapping/>
   </p:clrMapOvr>
+  <p:hf hdr="0" dt="0"/>
 </p:sldLayout>
 </file>
 
 <file path=ppt/slideLayouts/slideLayout13.xml><?xml version="1.0" encoding="utf-8"?>
 <p:sldLayout xmlns:a="http://schemas.openxmlformats.org/drawingml/2006/main" xmlns:r="http://schemas.openxmlformats.org/officeDocument/2006/relationships" xmlns:p="http://schemas.openxmlformats.org/presentationml/2006/main" preserve="1">
-  <p:cSld name="Name Card">
+  <p:cSld name="นามบัตร">
     <p:spTree>
       <p:nvGrpSpPr>
         <p:cNvPr id="1" name=""/>
@@ -3140,8 +3145,8 @@
         </p:nvSpPr>
         <p:spPr>
           <a:xfrm>
-            <a:off x="866441" y="3124201"/>
-            <a:ext cx="6620969" cy="1653180"/>
+            <a:off x="1154954" y="3124201"/>
+            <a:ext cx="8825660" cy="1653180"/>
           </a:xfrm>
         </p:spPr>
         <p:txBody>
@@ -3153,8 +3158,8 @@
           </a:lstStyle>
           <a:p>
             <a:r>
-              <a:rPr lang="en-US" smtClean="0"/>
-              <a:t>Click to edit Master title style</a:t>
+              <a:rPr lang="th-TH"/>
+              <a:t>คลิกเพื่อแก้ไขสไตล์ชื่อเรื่องต้นแบบ</a:t>
             </a:r>
             <a:endParaRPr lang="en-US" dirty="0"/>
           </a:p>
@@ -3172,8 +3177,8 @@
         </p:nvSpPr>
         <p:spPr>
           <a:xfrm>
-            <a:off x="866442" y="4777381"/>
-            <a:ext cx="6620968" cy="860400"/>
+            <a:off x="1154954" y="4777381"/>
+            <a:ext cx="8825659" cy="860400"/>
           </a:xfrm>
         </p:spPr>
         <p:txBody>
@@ -3271,8 +3276,8 @@
           <a:p>
             <a:pPr lvl="0"/>
             <a:r>
-              <a:rPr lang="en-US" smtClean="0"/>
-              <a:t>Click to edit Master text styles</a:t>
+              <a:rPr lang="th-TH"/>
+              <a:t>คลิกเพื่อแก้ไขสไตล์ของข้อความต้นแบบ</a:t>
             </a:r>
           </a:p>
         </p:txBody>
@@ -3287,19 +3292,15 @@
             <p:ph type="dt" sz="half" idx="10"/>
           </p:nvPr>
         </p:nvSpPr>
-        <p:spPr>
-          <a:xfrm rot="5400000">
-            <a:off x="7494989" y="1828771"/>
-            <a:ext cx="990599" cy="228659"/>
-          </a:xfrm>
-          <a:prstGeom prst="rect">
-            <a:avLst/>
-          </a:prstGeom>
-        </p:spPr>
-        <p:txBody>
-          <a:bodyPr/>
-          <a:lstStyle/>
-          <a:p>
+        <p:spPr/>
+        <p:txBody>
+          <a:bodyPr/>
+          <a:lstStyle/>
+          <a:p>
+            <a:fld id="{4509A250-FF31-4206-8172-F9D3106AACB1}" type="datetimeFigureOut">
+              <a:rPr lang="en-US" dirty="0"/>
+              <a:t>3/25/2019</a:t>
+            </a:fld>
             <a:endParaRPr lang="en-US" dirty="0"/>
           </a:p>
         </p:txBody>
@@ -3314,15 +3315,7 @@
             <p:ph type="ftr" sz="quarter" idx="11"/>
           </p:nvPr>
         </p:nvSpPr>
-        <p:spPr>
-          <a:xfrm rot="5400000">
-            <a:off x="6233335" y="3263371"/>
-            <a:ext cx="3859795" cy="228660"/>
-          </a:xfrm>
-          <a:prstGeom prst="rect">
-            <a:avLst/>
-          </a:prstGeom>
-        </p:spPr>
+        <p:spPr/>
         <p:txBody>
           <a:bodyPr/>
           <a:lstStyle/>
@@ -3358,19 +3351,20 @@
     </p:spTree>
     <p:extLst>
       <p:ext uri="{BB962C8B-B14F-4D97-AF65-F5344CB8AC3E}">
-        <p14:creationId xmlns:p14="http://schemas.microsoft.com/office/powerpoint/2010/main" val="461610506"/>
+        <p14:creationId xmlns:p14="http://schemas.microsoft.com/office/powerpoint/2010/main" val="827403762"/>
       </p:ext>
     </p:extLst>
   </p:cSld>
   <p:clrMapOvr>
     <a:masterClrMapping/>
   </p:clrMapOvr>
+  <p:hf hdr="0" dt="0"/>
 </p:sldLayout>
 </file>
 
 <file path=ppt/slideLayouts/slideLayout14.xml><?xml version="1.0" encoding="utf-8"?>
 <p:sldLayout xmlns:a="http://schemas.openxmlformats.org/drawingml/2006/main" xmlns:r="http://schemas.openxmlformats.org/officeDocument/2006/relationships" xmlns:p="http://schemas.openxmlformats.org/presentationml/2006/main" preserve="1">
-  <p:cSld name="3 Column">
+  <p:cSld name="3 คอลัมน์">
     <p:spTree>
       <p:nvGrpSpPr>
         <p:cNvPr id="1" name=""/>
@@ -3405,8 +3399,8 @@
           </a:lstStyle>
           <a:p>
             <a:r>
-              <a:rPr lang="en-US" smtClean="0"/>
-              <a:t>Click to edit Master title style</a:t>
+              <a:rPr lang="th-TH"/>
+              <a:t>คลิกเพื่อแก้ไขสไตล์ชื่อเรื่องต้นแบบ</a:t>
             </a:r>
             <a:endParaRPr lang="en-US" dirty="0"/>
           </a:p>
@@ -3424,8 +3418,8 @@
         </p:nvSpPr>
         <p:spPr>
           <a:xfrm>
-            <a:off x="474834" y="1981200"/>
-            <a:ext cx="2210725" cy="576262"/>
+            <a:off x="632947" y="1981200"/>
+            <a:ext cx="2946866" cy="576262"/>
           </a:xfrm>
         </p:spPr>
         <p:txBody>
@@ -3477,8 +3471,8 @@
           <a:p>
             <a:pPr lvl="0"/>
             <a:r>
-              <a:rPr lang="en-US" smtClean="0"/>
-              <a:t>Click to edit Master text styles</a:t>
+              <a:rPr lang="th-TH"/>
+              <a:t>คลิกเพื่อแก้ไขสไตล์ของข้อความต้นแบบ</a:t>
             </a:r>
           </a:p>
         </p:txBody>
@@ -3495,8 +3489,8 @@
         </p:nvSpPr>
         <p:spPr>
           <a:xfrm>
-            <a:off x="489475" y="2667000"/>
-            <a:ext cx="2196084" cy="3589338"/>
+            <a:off x="652463" y="2667000"/>
+            <a:ext cx="2927350" cy="3589338"/>
           </a:xfrm>
         </p:spPr>
         <p:txBody>
@@ -3544,8 +3538,8 @@
           <a:p>
             <a:pPr lvl="0"/>
             <a:r>
-              <a:rPr lang="en-US" smtClean="0"/>
-              <a:t>Click to edit Master text styles</a:t>
+              <a:rPr lang="th-TH"/>
+              <a:t>คลิกเพื่อแก้ไขสไตล์ของข้อความต้นแบบ</a:t>
             </a:r>
           </a:p>
         </p:txBody>
@@ -3562,8 +3556,8 @@
         </p:nvSpPr>
         <p:spPr>
           <a:xfrm>
-            <a:off x="2913504" y="1981200"/>
-            <a:ext cx="2202754" cy="576262"/>
+            <a:off x="3883659" y="1981200"/>
+            <a:ext cx="2936241" cy="576262"/>
           </a:xfrm>
         </p:spPr>
         <p:txBody>
@@ -3615,8 +3609,8 @@
           <a:p>
             <a:pPr lvl="0"/>
             <a:r>
-              <a:rPr lang="en-US" smtClean="0"/>
-              <a:t>Click to edit Master text styles</a:t>
+              <a:rPr lang="th-TH"/>
+              <a:t>คลิกเพื่อแก้ไขสไตล์ของข้อความต้นแบบ</a:t>
             </a:r>
           </a:p>
         </p:txBody>
@@ -3633,8 +3627,8 @@
         </p:nvSpPr>
         <p:spPr>
           <a:xfrm>
-            <a:off x="2905586" y="2667000"/>
-            <a:ext cx="2210671" cy="3589338"/>
+            <a:off x="3873106" y="2667000"/>
+            <a:ext cx="2946794" cy="3589338"/>
           </a:xfrm>
         </p:spPr>
         <p:txBody>
@@ -3682,8 +3676,8 @@
           <a:p>
             <a:pPr lvl="0"/>
             <a:r>
-              <a:rPr lang="en-US" smtClean="0"/>
-              <a:t>Click to edit Master text styles</a:t>
+              <a:rPr lang="th-TH"/>
+              <a:t>คลิกเพื่อแก้ไขสไตล์ของข้อความต้นแบบ</a:t>
             </a:r>
           </a:p>
         </p:txBody>
@@ -3700,8 +3694,8 @@
         </p:nvSpPr>
         <p:spPr>
           <a:xfrm>
-            <a:off x="5344917" y="1981200"/>
-            <a:ext cx="2199658" cy="576262"/>
+            <a:off x="7124700" y="1981200"/>
+            <a:ext cx="2932113" cy="576262"/>
           </a:xfrm>
         </p:spPr>
         <p:txBody>
@@ -3753,8 +3747,8 @@
           <a:p>
             <a:pPr lvl="0"/>
             <a:r>
-              <a:rPr lang="en-US" smtClean="0"/>
-              <a:t>Click to edit Master text styles</a:t>
+              <a:rPr lang="th-TH"/>
+              <a:t>คลิกเพื่อแก้ไขสไตล์ของข้อความต้นแบบ</a:t>
             </a:r>
           </a:p>
         </p:txBody>
@@ -3771,8 +3765,8 @@
         </p:nvSpPr>
         <p:spPr>
           <a:xfrm>
-            <a:off x="5344917" y="2667000"/>
-            <a:ext cx="2199658" cy="3589338"/>
+            <a:off x="7124700" y="2667000"/>
+            <a:ext cx="2932113" cy="3589338"/>
           </a:xfrm>
         </p:spPr>
         <p:txBody>
@@ -3820,8 +3814,8 @@
           <a:p>
             <a:pPr lvl="0"/>
             <a:r>
-              <a:rPr lang="en-US" smtClean="0"/>
-              <a:t>Click to edit Master text styles</a:t>
+              <a:rPr lang="th-TH"/>
+              <a:t>คลิกเพื่อแก้ไขสไตล์ของข้อความต้นแบบ</a:t>
             </a:r>
           </a:p>
         </p:txBody>
@@ -3834,7 +3828,7 @@
         </p:nvCxnSpPr>
         <p:spPr>
           <a:xfrm>
-            <a:off x="2795334" y="2133600"/>
+            <a:off x="3726142" y="2133600"/>
             <a:ext cx="0" cy="3962400"/>
           </a:xfrm>
           <a:prstGeom prst="line">
@@ -3871,7 +3865,7 @@
         </p:nvCxnSpPr>
         <p:spPr>
           <a:xfrm>
-            <a:off x="5223030" y="2133600"/>
+            <a:off x="6962227" y="2133600"/>
             <a:ext cx="0" cy="3966882"/>
           </a:xfrm>
           <a:prstGeom prst="line">
@@ -3910,19 +3904,15 @@
             <p:ph type="dt" sz="half" idx="10"/>
           </p:nvPr>
         </p:nvSpPr>
-        <p:spPr>
-          <a:xfrm rot="5400000">
-            <a:off x="7494989" y="1828771"/>
-            <a:ext cx="990599" cy="228659"/>
-          </a:xfrm>
-          <a:prstGeom prst="rect">
-            <a:avLst/>
-          </a:prstGeom>
-        </p:spPr>
-        <p:txBody>
-          <a:bodyPr/>
-          <a:lstStyle/>
-          <a:p>
+        <p:spPr/>
+        <p:txBody>
+          <a:bodyPr/>
+          <a:lstStyle/>
+          <a:p>
+            <a:fld id="{4509A250-FF31-4206-8172-F9D3106AACB1}" type="datetimeFigureOut">
+              <a:rPr lang="en-US" dirty="0"/>
+              <a:t>3/25/2019</a:t>
+            </a:fld>
             <a:endParaRPr lang="en-US" dirty="0"/>
           </a:p>
         </p:txBody>
@@ -3937,15 +3927,7 @@
             <p:ph type="ftr" sz="quarter" idx="11"/>
           </p:nvPr>
         </p:nvSpPr>
-        <p:spPr>
-          <a:xfrm rot="5400000">
-            <a:off x="6233335" y="3263371"/>
-            <a:ext cx="3859795" cy="228660"/>
-          </a:xfrm>
-          <a:prstGeom prst="rect">
-            <a:avLst/>
-          </a:prstGeom>
-        </p:spPr>
+        <p:spPr/>
         <p:txBody>
           <a:bodyPr/>
           <a:lstStyle/>
@@ -3981,19 +3963,20 @@
     </p:spTree>
     <p:extLst>
       <p:ext uri="{BB962C8B-B14F-4D97-AF65-F5344CB8AC3E}">
-        <p14:creationId xmlns:p14="http://schemas.microsoft.com/office/powerpoint/2010/main" val="4148211282"/>
+        <p14:creationId xmlns:p14="http://schemas.microsoft.com/office/powerpoint/2010/main" val="1691469612"/>
       </p:ext>
     </p:extLst>
   </p:cSld>
   <p:clrMapOvr>
     <a:masterClrMapping/>
   </p:clrMapOvr>
+  <p:hf hdr="0" dt="0"/>
 </p:sldLayout>
 </file>
 
 <file path=ppt/slideLayouts/slideLayout15.xml><?xml version="1.0" encoding="utf-8"?>
 <p:sldLayout xmlns:a="http://schemas.openxmlformats.org/drawingml/2006/main" xmlns:r="http://schemas.openxmlformats.org/officeDocument/2006/relationships" xmlns:p="http://schemas.openxmlformats.org/presentationml/2006/main" preserve="1">
-  <p:cSld name="3 Picture Column">
+  <p:cSld name="คอลัมน์รูปภาพ 3 รูป">
     <p:spTree>
       <p:nvGrpSpPr>
         <p:cNvPr id="1" name=""/>
@@ -4028,8 +4011,8 @@
           </a:lstStyle>
           <a:p>
             <a:r>
-              <a:rPr lang="en-US" smtClean="0"/>
-              <a:t>Click to edit Master title style</a:t>
+              <a:rPr lang="th-TH"/>
+              <a:t>คลิกเพื่อแก้ไขสไตล์ชื่อเรื่องต้นแบบ</a:t>
             </a:r>
             <a:endParaRPr lang="en-US" dirty="0"/>
           </a:p>
@@ -4047,8 +4030,8 @@
         </p:nvSpPr>
         <p:spPr>
           <a:xfrm>
-            <a:off x="489475" y="4250949"/>
-            <a:ext cx="2205612" cy="576262"/>
+            <a:off x="652463" y="4250949"/>
+            <a:ext cx="2940050" cy="576262"/>
           </a:xfrm>
         </p:spPr>
         <p:txBody>
@@ -4100,8 +4083,8 @@
           <a:p>
             <a:pPr lvl="0"/>
             <a:r>
-              <a:rPr lang="en-US" smtClean="0"/>
-              <a:t>Click to edit Master text styles</a:t>
+              <a:rPr lang="th-TH"/>
+              <a:t>คลิกเพื่อแก้ไขสไตล์ของข้อความต้นแบบ</a:t>
             </a:r>
           </a:p>
         </p:txBody>
@@ -4118,8 +4101,8 @@
         </p:nvSpPr>
         <p:spPr>
           <a:xfrm>
-            <a:off x="489475" y="2209800"/>
-            <a:ext cx="2205612" cy="1524000"/>
+            <a:off x="652463" y="2209800"/>
+            <a:ext cx="2940050" cy="1524000"/>
           </a:xfrm>
           <a:prstGeom prst="roundRect">
             <a:avLst>
@@ -4178,8 +4161,8 @@
           </a:lstStyle>
           <a:p>
             <a:r>
-              <a:rPr lang="en-US" smtClean="0"/>
-              <a:t>Click icon to add picture</a:t>
+              <a:rPr lang="th-TH"/>
+              <a:t>คลิกไอคอนเพื่อเพิ่มรูปภาพ</a:t>
             </a:r>
             <a:endParaRPr lang="en-US" dirty="0"/>
           </a:p>
@@ -4197,8 +4180,8 @@
         </p:nvSpPr>
         <p:spPr>
           <a:xfrm>
-            <a:off x="489475" y="4827212"/>
-            <a:ext cx="2205612" cy="659189"/>
+            <a:off x="652463" y="4827211"/>
+            <a:ext cx="2940050" cy="659189"/>
           </a:xfrm>
         </p:spPr>
         <p:txBody>
@@ -4246,8 +4229,8 @@
           <a:p>
             <a:pPr lvl="0"/>
             <a:r>
-              <a:rPr lang="en-US" smtClean="0"/>
-              <a:t>Click to edit Master text styles</a:t>
+              <a:rPr lang="th-TH"/>
+              <a:t>คลิกเพื่อแก้ไขสไตล์ของข้อความต้นแบบ</a:t>
             </a:r>
           </a:p>
         </p:txBody>
@@ -4264,8 +4247,8 @@
         </p:nvSpPr>
         <p:spPr>
           <a:xfrm>
-            <a:off x="2917792" y="4250949"/>
-            <a:ext cx="2198466" cy="576262"/>
+            <a:off x="3889375" y="4250949"/>
+            <a:ext cx="2930525" cy="576262"/>
           </a:xfrm>
         </p:spPr>
         <p:txBody>
@@ -4317,8 +4300,8 @@
           <a:p>
             <a:pPr lvl="0"/>
             <a:r>
-              <a:rPr lang="en-US" smtClean="0"/>
-              <a:t>Click to edit Master text styles</a:t>
+              <a:rPr lang="th-TH"/>
+              <a:t>คลิกเพื่อแก้ไขสไตล์ของข้อความต้นแบบ</a:t>
             </a:r>
           </a:p>
         </p:txBody>
@@ -4335,8 +4318,8 @@
         </p:nvSpPr>
         <p:spPr>
           <a:xfrm>
-            <a:off x="2917791" y="2209800"/>
-            <a:ext cx="2198466" cy="1524000"/>
+            <a:off x="3889374" y="2209800"/>
+            <a:ext cx="2930525" cy="1524000"/>
           </a:xfrm>
           <a:prstGeom prst="roundRect">
             <a:avLst>
@@ -4395,8 +4378,8 @@
           </a:lstStyle>
           <a:p>
             <a:r>
-              <a:rPr lang="en-US" smtClean="0"/>
-              <a:t>Click icon to add picture</a:t>
+              <a:rPr lang="th-TH"/>
+              <a:t>คลิกไอคอนเพื่อเพิ่มรูปภาพ</a:t>
             </a:r>
             <a:endParaRPr lang="en-US" dirty="0"/>
           </a:p>
@@ -4414,8 +4397,8 @@
         </p:nvSpPr>
         <p:spPr>
           <a:xfrm>
-            <a:off x="2916776" y="4827211"/>
-            <a:ext cx="2201378" cy="659189"/>
+            <a:off x="3888022" y="4827210"/>
+            <a:ext cx="2934406" cy="659189"/>
           </a:xfrm>
         </p:spPr>
         <p:txBody>
@@ -4463,8 +4446,8 @@
           <a:p>
             <a:pPr lvl="0"/>
             <a:r>
-              <a:rPr lang="en-US" smtClean="0"/>
-              <a:t>Click to edit Master text styles</a:t>
+              <a:rPr lang="th-TH"/>
+              <a:t>คลิกเพื่อแก้ไขสไตล์ของข้อความต้นแบบ</a:t>
             </a:r>
           </a:p>
         </p:txBody>
@@ -4481,8 +4464,8 @@
         </p:nvSpPr>
         <p:spPr>
           <a:xfrm>
-            <a:off x="5344917" y="4250949"/>
-            <a:ext cx="2199658" cy="576262"/>
+            <a:off x="7124700" y="4250949"/>
+            <a:ext cx="2932113" cy="576262"/>
           </a:xfrm>
         </p:spPr>
         <p:txBody>
@@ -4534,8 +4517,8 @@
           <a:p>
             <a:pPr lvl="0"/>
             <a:r>
-              <a:rPr lang="en-US" smtClean="0"/>
-              <a:t>Click to edit Master text styles</a:t>
+              <a:rPr lang="th-TH"/>
+              <a:t>คลิกเพื่อแก้ไขสไตล์ของข้อความต้นแบบ</a:t>
             </a:r>
           </a:p>
         </p:txBody>
@@ -4552,8 +4535,8 @@
         </p:nvSpPr>
         <p:spPr>
           <a:xfrm>
-            <a:off x="5344916" y="2209800"/>
-            <a:ext cx="2199658" cy="1524000"/>
+            <a:off x="7124699" y="2209800"/>
+            <a:ext cx="2932113" cy="1524000"/>
           </a:xfrm>
           <a:prstGeom prst="roundRect">
             <a:avLst>
@@ -4612,8 +4595,8 @@
           </a:lstStyle>
           <a:p>
             <a:r>
-              <a:rPr lang="en-US" smtClean="0"/>
-              <a:t>Click icon to add picture</a:t>
+              <a:rPr lang="th-TH"/>
+              <a:t>คลิกไอคอนเพื่อเพิ่มรูปภาพ</a:t>
             </a:r>
             <a:endParaRPr lang="en-US" dirty="0"/>
           </a:p>
@@ -4631,8 +4614,8 @@
         </p:nvSpPr>
         <p:spPr>
           <a:xfrm>
-            <a:off x="5344824" y="4827209"/>
-            <a:ext cx="2202571" cy="659189"/>
+            <a:off x="7124575" y="4827208"/>
+            <a:ext cx="2935997" cy="659189"/>
           </a:xfrm>
         </p:spPr>
         <p:txBody>
@@ -4680,8 +4663,8 @@
           <a:p>
             <a:pPr lvl="0"/>
             <a:r>
-              <a:rPr lang="en-US" smtClean="0"/>
-              <a:t>Click to edit Master text styles</a:t>
+              <a:rPr lang="th-TH"/>
+              <a:t>คลิกเพื่อแก้ไขสไตล์ของข้อความต้นแบบ</a:t>
             </a:r>
           </a:p>
         </p:txBody>
@@ -4694,7 +4677,7 @@
         </p:nvCxnSpPr>
         <p:spPr>
           <a:xfrm>
-            <a:off x="2795334" y="2133600"/>
+            <a:off x="3726142" y="2133600"/>
             <a:ext cx="0" cy="3962400"/>
           </a:xfrm>
           <a:prstGeom prst="line">
@@ -4731,7 +4714,7 @@
         </p:nvCxnSpPr>
         <p:spPr>
           <a:xfrm>
-            <a:off x="5223030" y="2133600"/>
+            <a:off x="6962227" y="2133600"/>
             <a:ext cx="0" cy="3966882"/>
           </a:xfrm>
           <a:prstGeom prst="line">
@@ -4770,19 +4753,15 @@
             <p:ph type="dt" sz="half" idx="10"/>
           </p:nvPr>
         </p:nvSpPr>
-        <p:spPr>
-          <a:xfrm rot="5400000">
-            <a:off x="7494989" y="1828771"/>
-            <a:ext cx="990599" cy="228659"/>
-          </a:xfrm>
-          <a:prstGeom prst="rect">
-            <a:avLst/>
-          </a:prstGeom>
-        </p:spPr>
-        <p:txBody>
-          <a:bodyPr/>
-          <a:lstStyle/>
-          <a:p>
+        <p:spPr/>
+        <p:txBody>
+          <a:bodyPr/>
+          <a:lstStyle/>
+          <a:p>
+            <a:fld id="{4509A250-FF31-4206-8172-F9D3106AACB1}" type="datetimeFigureOut">
+              <a:rPr lang="en-US" dirty="0"/>
+              <a:t>3/25/2019</a:t>
+            </a:fld>
             <a:endParaRPr lang="en-US" dirty="0"/>
           </a:p>
         </p:txBody>
@@ -4797,15 +4776,7 @@
             <p:ph type="ftr" sz="quarter" idx="11"/>
           </p:nvPr>
         </p:nvSpPr>
-        <p:spPr>
-          <a:xfrm rot="5400000">
-            <a:off x="6233335" y="3263371"/>
-            <a:ext cx="3859795" cy="228660"/>
-          </a:xfrm>
-          <a:prstGeom prst="rect">
-            <a:avLst/>
-          </a:prstGeom>
-        </p:spPr>
+        <p:spPr/>
         <p:txBody>
           <a:bodyPr/>
           <a:lstStyle/>
@@ -4841,19 +4812,20 @@
     </p:spTree>
     <p:extLst>
       <p:ext uri="{BB962C8B-B14F-4D97-AF65-F5344CB8AC3E}">
-        <p14:creationId xmlns:p14="http://schemas.microsoft.com/office/powerpoint/2010/main" val="4016534238"/>
+        <p14:creationId xmlns:p14="http://schemas.microsoft.com/office/powerpoint/2010/main" val="866136079"/>
       </p:ext>
     </p:extLst>
   </p:cSld>
   <p:clrMapOvr>
     <a:masterClrMapping/>
   </p:clrMapOvr>
+  <p:hf hdr="0" dt="0"/>
 </p:sldLayout>
 </file>
 
 <file path=ppt/slideLayouts/slideLayout16.xml><?xml version="1.0" encoding="utf-8"?>
 <p:sldLayout xmlns:a="http://schemas.openxmlformats.org/drawingml/2006/main" xmlns:r="http://schemas.openxmlformats.org/officeDocument/2006/relationships" xmlns:p="http://schemas.openxmlformats.org/presentationml/2006/main" type="vertTx" preserve="1">
-  <p:cSld name="Title and Vertical Text">
+  <p:cSld name="ชื่อเรื่องและข้อความแนวตั้ง">
     <p:spTree>
       <p:nvGrpSpPr>
         <p:cNvPr id="1" name=""/>
@@ -4884,8 +4856,8 @@
           <a:lstStyle/>
           <a:p>
             <a:r>
-              <a:rPr lang="en-US" smtClean="0"/>
-              <a:t>Click to edit Master title style</a:t>
+              <a:rPr lang="th-TH"/>
+              <a:t>คลิกเพื่อแก้ไขสไตล์ชื่อเรื่องต้นแบบ</a:t>
             </a:r>
             <a:endParaRPr lang="en-US" dirty="0"/>
           </a:p>
@@ -4908,36 +4880,36 @@
           <a:p>
             <a:pPr lvl="0"/>
             <a:r>
-              <a:rPr lang="en-US" smtClean="0"/>
-              <a:t>Click to edit Master text styles</a:t>
+              <a:rPr lang="th-TH"/>
+              <a:t>คลิกเพื่อแก้ไขสไตล์ของข้อความต้นแบบ</a:t>
             </a:r>
           </a:p>
           <a:p>
             <a:pPr lvl="1"/>
             <a:r>
-              <a:rPr lang="en-US" smtClean="0"/>
-              <a:t>Second level</a:t>
+              <a:rPr lang="th-TH"/>
+              <a:t>ระดับที่สอง</a:t>
             </a:r>
           </a:p>
           <a:p>
             <a:pPr lvl="2"/>
             <a:r>
-              <a:rPr lang="en-US" smtClean="0"/>
-              <a:t>Third level</a:t>
+              <a:rPr lang="th-TH"/>
+              <a:t>ระดับที่สาม</a:t>
             </a:r>
           </a:p>
           <a:p>
             <a:pPr lvl="3"/>
             <a:r>
-              <a:rPr lang="en-US" smtClean="0"/>
-              <a:t>Fourth level</a:t>
+              <a:rPr lang="th-TH"/>
+              <a:t>ระดับที่สี่</a:t>
             </a:r>
           </a:p>
           <a:p>
             <a:pPr lvl="4"/>
             <a:r>
-              <a:rPr lang="en-US" smtClean="0"/>
-              <a:t>Fifth level</a:t>
+              <a:rPr lang="th-TH"/>
+              <a:t>ระดับที่ห้า</a:t>
             </a:r>
             <a:endParaRPr lang="en-US" dirty="0"/>
           </a:p>
@@ -4953,19 +4925,15 @@
             <p:ph type="dt" sz="half" idx="10"/>
           </p:nvPr>
         </p:nvSpPr>
-        <p:spPr>
-          <a:xfrm rot="5400000">
-            <a:off x="7494989" y="1828771"/>
-            <a:ext cx="990599" cy="228659"/>
-          </a:xfrm>
-          <a:prstGeom prst="rect">
-            <a:avLst/>
-          </a:prstGeom>
-        </p:spPr>
-        <p:txBody>
-          <a:bodyPr/>
-          <a:lstStyle/>
-          <a:p>
+        <p:spPr/>
+        <p:txBody>
+          <a:bodyPr/>
+          <a:lstStyle/>
+          <a:p>
+            <a:fld id="{4509A250-FF31-4206-8172-F9D3106AACB1}" type="datetimeFigureOut">
+              <a:rPr lang="en-US" dirty="0"/>
+              <a:t>3/25/2019</a:t>
+            </a:fld>
             <a:endParaRPr lang="en-US" dirty="0"/>
           </a:p>
         </p:txBody>
@@ -4980,15 +4948,7 @@
             <p:ph type="ftr" sz="quarter" idx="11"/>
           </p:nvPr>
         </p:nvSpPr>
-        <p:spPr>
-          <a:xfrm rot="5400000">
-            <a:off x="6233335" y="3263371"/>
-            <a:ext cx="3859795" cy="228660"/>
-          </a:xfrm>
-          <a:prstGeom prst="rect">
-            <a:avLst/>
-          </a:prstGeom>
-        </p:spPr>
+        <p:spPr/>
         <p:txBody>
           <a:bodyPr/>
           <a:lstStyle/>
@@ -5024,19 +4984,20 @@
     </p:spTree>
     <p:extLst>
       <p:ext uri="{BB962C8B-B14F-4D97-AF65-F5344CB8AC3E}">
-        <p14:creationId xmlns:p14="http://schemas.microsoft.com/office/powerpoint/2010/main" val="875305867"/>
+        <p14:creationId xmlns:p14="http://schemas.microsoft.com/office/powerpoint/2010/main" val="3402921260"/>
       </p:ext>
     </p:extLst>
   </p:cSld>
   <p:clrMapOvr>
     <a:masterClrMapping/>
   </p:clrMapOvr>
+  <p:hf hdr="0" dt="0"/>
 </p:sldLayout>
 </file>
 
 <file path=ppt/slideLayouts/slideLayout17.xml><?xml version="1.0" encoding="utf-8"?>
 <p:sldLayout xmlns:a="http://schemas.openxmlformats.org/drawingml/2006/main" xmlns:r="http://schemas.openxmlformats.org/officeDocument/2006/relationships" xmlns:p="http://schemas.openxmlformats.org/presentationml/2006/main" type="vertTitleAndTx" preserve="1">
-  <p:cSld name="Vertical Title and Text">
+  <p:cSld name="ข้อความและชื่อเรื่องแนวตั้ง">
     <p:spTree>
       <p:nvGrpSpPr>
         <p:cNvPr id="1" name=""/>
@@ -5063,8 +5024,8 @@
         </p:nvSpPr>
         <p:spPr>
           <a:xfrm>
-            <a:off x="6229782" y="430214"/>
-            <a:ext cx="1314793" cy="5826125"/>
+            <a:off x="8304212" y="430213"/>
+            <a:ext cx="1752601" cy="5826125"/>
           </a:xfrm>
         </p:spPr>
         <p:txBody>
@@ -5072,8 +5033,8 @@
           <a:lstStyle/>
           <a:p>
             <a:r>
-              <a:rPr lang="en-US" smtClean="0"/>
-              <a:t>Click to edit Master title style</a:t>
+              <a:rPr lang="th-TH"/>
+              <a:t>คลิกเพื่อแก้ไขสไตล์ชื่อเรื่องต้นแบบ</a:t>
             </a:r>
             <a:endParaRPr lang="en-US" dirty="0"/>
           </a:p>
@@ -5091,8 +5052,8 @@
         </p:nvSpPr>
         <p:spPr>
           <a:xfrm>
-            <a:off x="489475" y="773205"/>
-            <a:ext cx="5568812" cy="5483134"/>
+            <a:off x="652463" y="887414"/>
+            <a:ext cx="7423149" cy="5368924"/>
           </a:xfrm>
         </p:spPr>
         <p:txBody>
@@ -5101,36 +5062,36 @@
           <a:p>
             <a:pPr lvl="0"/>
             <a:r>
-              <a:rPr lang="en-US" smtClean="0"/>
-              <a:t>Click to edit Master text styles</a:t>
+              <a:rPr lang="th-TH"/>
+              <a:t>คลิกเพื่อแก้ไขสไตล์ของข้อความต้นแบบ</a:t>
             </a:r>
           </a:p>
           <a:p>
             <a:pPr lvl="1"/>
             <a:r>
-              <a:rPr lang="en-US" smtClean="0"/>
-              <a:t>Second level</a:t>
+              <a:rPr lang="th-TH"/>
+              <a:t>ระดับที่สอง</a:t>
             </a:r>
           </a:p>
           <a:p>
             <a:pPr lvl="2"/>
             <a:r>
-              <a:rPr lang="en-US" smtClean="0"/>
-              <a:t>Third level</a:t>
+              <a:rPr lang="th-TH"/>
+              <a:t>ระดับที่สาม</a:t>
             </a:r>
           </a:p>
           <a:p>
             <a:pPr lvl="3"/>
             <a:r>
-              <a:rPr lang="en-US" smtClean="0"/>
-              <a:t>Fourth level</a:t>
+              <a:rPr lang="th-TH"/>
+              <a:t>ระดับที่สี่</a:t>
             </a:r>
           </a:p>
           <a:p>
             <a:pPr lvl="4"/>
             <a:r>
-              <a:rPr lang="en-US" smtClean="0"/>
-              <a:t>Fifth level</a:t>
+              <a:rPr lang="th-TH"/>
+              <a:t>ระดับที่ห้า</a:t>
             </a:r>
             <a:endParaRPr lang="en-US" dirty="0"/>
           </a:p>
@@ -5146,19 +5107,15 @@
             <p:ph type="dt" sz="half" idx="10"/>
           </p:nvPr>
         </p:nvSpPr>
-        <p:spPr>
-          <a:xfrm rot="5400000">
-            <a:off x="7494989" y="1828771"/>
-            <a:ext cx="990599" cy="228659"/>
-          </a:xfrm>
-          <a:prstGeom prst="rect">
-            <a:avLst/>
-          </a:prstGeom>
-        </p:spPr>
-        <p:txBody>
-          <a:bodyPr/>
-          <a:lstStyle/>
-          <a:p>
+        <p:spPr/>
+        <p:txBody>
+          <a:bodyPr/>
+          <a:lstStyle/>
+          <a:p>
+            <a:fld id="{4509A250-FF31-4206-8172-F9D3106AACB1}" type="datetimeFigureOut">
+              <a:rPr lang="en-US" dirty="0"/>
+              <a:t>3/25/2019</a:t>
+            </a:fld>
             <a:endParaRPr lang="en-US" dirty="0"/>
           </a:p>
         </p:txBody>
@@ -5173,15 +5130,7 @@
             <p:ph type="ftr" sz="quarter" idx="11"/>
           </p:nvPr>
         </p:nvSpPr>
-        <p:spPr>
-          <a:xfrm rot="5400000">
-            <a:off x="6233335" y="3263371"/>
-            <a:ext cx="3859795" cy="228660"/>
-          </a:xfrm>
-          <a:prstGeom prst="rect">
-            <a:avLst/>
-          </a:prstGeom>
-        </p:spPr>
+        <p:spPr/>
         <p:txBody>
           <a:bodyPr/>
           <a:lstStyle/>
@@ -5217,19 +5166,20 @@
     </p:spTree>
     <p:extLst>
       <p:ext uri="{BB962C8B-B14F-4D97-AF65-F5344CB8AC3E}">
-        <p14:creationId xmlns:p14="http://schemas.microsoft.com/office/powerpoint/2010/main" val="658203013"/>
+        <p14:creationId xmlns:p14="http://schemas.microsoft.com/office/powerpoint/2010/main" val="2101553140"/>
       </p:ext>
     </p:extLst>
   </p:cSld>
   <p:clrMapOvr>
     <a:masterClrMapping/>
   </p:clrMapOvr>
+  <p:hf hdr="0" dt="0"/>
 </p:sldLayout>
 </file>
 
 <file path=ppt/slideLayouts/slideLayout2.xml><?xml version="1.0" encoding="utf-8"?>
 <p:sldLayout xmlns:a="http://schemas.openxmlformats.org/drawingml/2006/main" xmlns:r="http://schemas.openxmlformats.org/officeDocument/2006/relationships" xmlns:p="http://schemas.openxmlformats.org/presentationml/2006/main" type="obj" preserve="1">
-  <p:cSld name="Title and Content">
+  <p:cSld name="ชื่อเรื่องและเนื้อหา">
     <p:spTree>
       <p:nvGrpSpPr>
         <p:cNvPr id="1" name=""/>
@@ -5260,8 +5210,8 @@
           <a:lstStyle/>
           <a:p>
             <a:r>
-              <a:rPr lang="en-US" smtClean="0"/>
-              <a:t>Click to edit Master title style</a:t>
+              <a:rPr lang="th-TH"/>
+              <a:t>คลิกเพื่อแก้ไขสไตล์ชื่อเรื่องต้นแบบ</a:t>
             </a:r>
             <a:endParaRPr lang="en-US" dirty="0"/>
           </a:p>
@@ -5284,37 +5234,79 @@
           <a:p>
             <a:pPr lvl="0"/>
             <a:r>
-              <a:rPr lang="en-US" smtClean="0"/>
-              <a:t>Click to edit Master text styles</a:t>
+              <a:rPr lang="th-TH"/>
+              <a:t>คลิกเพื่อแก้ไขสไตล์ของข้อความต้นแบบ</a:t>
             </a:r>
           </a:p>
           <a:p>
             <a:pPr lvl="1"/>
             <a:r>
-              <a:rPr lang="en-US" smtClean="0"/>
-              <a:t>Second level</a:t>
+              <a:rPr lang="th-TH"/>
+              <a:t>ระดับที่สอง</a:t>
             </a:r>
           </a:p>
           <a:p>
             <a:pPr lvl="2"/>
             <a:r>
-              <a:rPr lang="en-US" smtClean="0"/>
-              <a:t>Third level</a:t>
+              <a:rPr lang="th-TH"/>
+              <a:t>ระดับที่สาม</a:t>
             </a:r>
           </a:p>
           <a:p>
             <a:pPr lvl="3"/>
             <a:r>
-              <a:rPr lang="en-US" smtClean="0"/>
-              <a:t>Fourth level</a:t>
+              <a:rPr lang="th-TH"/>
+              <a:t>ระดับที่สี่</a:t>
             </a:r>
           </a:p>
           <a:p>
             <a:pPr lvl="4"/>
             <a:r>
-              <a:rPr lang="en-US" smtClean="0"/>
-              <a:t>Fifth level</a:t>
-            </a:r>
+              <a:rPr lang="th-TH"/>
+              <a:t>ระดับที่ห้า</a:t>
+            </a:r>
+            <a:endParaRPr lang="en-US" dirty="0"/>
+          </a:p>
+        </p:txBody>
+      </p:sp>
+      <p:sp>
+        <p:nvSpPr>
+          <p:cNvPr id="4" name="Date Placeholder 3"/>
+          <p:cNvSpPr>
+            <a:spLocks noGrp="1"/>
+          </p:cNvSpPr>
+          <p:nvPr>
+            <p:ph type="dt" sz="half" idx="10"/>
+          </p:nvPr>
+        </p:nvSpPr>
+        <p:spPr/>
+        <p:txBody>
+          <a:bodyPr/>
+          <a:lstStyle/>
+          <a:p>
+            <a:fld id="{4509A250-FF31-4206-8172-F9D3106AACB1}" type="datetimeFigureOut">
+              <a:rPr lang="en-US" dirty="0"/>
+              <a:t>3/25/2019</a:t>
+            </a:fld>
+            <a:endParaRPr lang="en-US" dirty="0"/>
+          </a:p>
+        </p:txBody>
+      </p:sp>
+      <p:sp>
+        <p:nvSpPr>
+          <p:cNvPr id="5" name="Footer Placeholder 4"/>
+          <p:cNvSpPr>
+            <a:spLocks noGrp="1"/>
+          </p:cNvSpPr>
+          <p:nvPr>
+            <p:ph type="ftr" sz="quarter" idx="11"/>
+          </p:nvPr>
+        </p:nvSpPr>
+        <p:spPr/>
+        <p:txBody>
+          <a:bodyPr/>
+          <a:lstStyle/>
+          <a:p>
             <a:endParaRPr lang="en-US" dirty="0"/>
           </a:p>
         </p:txBody>
@@ -5346,26 +5338,20 @@
     </p:spTree>
     <p:extLst>
       <p:ext uri="{BB962C8B-B14F-4D97-AF65-F5344CB8AC3E}">
-        <p14:creationId xmlns:p14="http://schemas.microsoft.com/office/powerpoint/2010/main" val="1222725514"/>
+        <p14:creationId xmlns:p14="http://schemas.microsoft.com/office/powerpoint/2010/main" val="1975542379"/>
       </p:ext>
     </p:extLst>
   </p:cSld>
   <p:clrMapOvr>
     <a:masterClrMapping/>
   </p:clrMapOvr>
-  <p:timing>
-    <p:tnLst>
-      <p:par>
-        <p:cTn id="1" dur="indefinite" restart="never" nodeType="tmRoot"/>
-      </p:par>
-    </p:tnLst>
-  </p:timing>
+  <p:hf hdr="0" dt="0"/>
 </p:sldLayout>
 </file>
 
 <file path=ppt/slideLayouts/slideLayout3.xml><?xml version="1.0" encoding="utf-8"?>
 <p:sldLayout xmlns:a="http://schemas.openxmlformats.org/drawingml/2006/main" xmlns:r="http://schemas.openxmlformats.org/officeDocument/2006/relationships" xmlns:p="http://schemas.openxmlformats.org/presentationml/2006/main" type="secHead" preserve="1">
-  <p:cSld name="Section Header">
+  <p:cSld name="ส่วนหัวของส่วน">
     <p:spTree>
       <p:nvGrpSpPr>
         <p:cNvPr id="1" name=""/>
@@ -5392,8 +5378,8 @@
         </p:nvSpPr>
         <p:spPr>
           <a:xfrm>
-            <a:off x="866443" y="2861734"/>
-            <a:ext cx="6620967" cy="1915647"/>
+            <a:off x="1154956" y="2861733"/>
+            <a:ext cx="8825657" cy="1915647"/>
           </a:xfrm>
         </p:spPr>
         <p:txBody>
@@ -5405,8 +5391,8 @@
           </a:lstStyle>
           <a:p>
             <a:r>
-              <a:rPr lang="en-US" smtClean="0"/>
-              <a:t>Click to edit Master title style</a:t>
+              <a:rPr lang="th-TH"/>
+              <a:t>คลิกเพื่อแก้ไขสไตล์ชื่อเรื่องต้นแบบ</a:t>
             </a:r>
             <a:endParaRPr lang="en-US" dirty="0"/>
           </a:p>
@@ -5424,8 +5410,8 @@
         </p:nvSpPr>
         <p:spPr>
           <a:xfrm>
-            <a:off x="866442" y="4777381"/>
-            <a:ext cx="6620968" cy="860400"/>
+            <a:off x="1154955" y="4777381"/>
+            <a:ext cx="8825658" cy="860400"/>
           </a:xfrm>
         </p:spPr>
         <p:txBody>
@@ -5523,8 +5509,8 @@
           <a:p>
             <a:pPr lvl="0"/>
             <a:r>
-              <a:rPr lang="en-US" smtClean="0"/>
-              <a:t>Click to edit Master text styles</a:t>
+              <a:rPr lang="th-TH"/>
+              <a:t>คลิกเพื่อแก้ไขสไตล์ของข้อความต้นแบบ</a:t>
             </a:r>
           </a:p>
         </p:txBody>
@@ -5539,19 +5525,15 @@
             <p:ph type="dt" sz="half" idx="10"/>
           </p:nvPr>
         </p:nvSpPr>
-        <p:spPr>
-          <a:xfrm rot="5400000">
-            <a:off x="7494989" y="1828771"/>
-            <a:ext cx="990599" cy="228659"/>
-          </a:xfrm>
-          <a:prstGeom prst="rect">
-            <a:avLst/>
-          </a:prstGeom>
-        </p:spPr>
-        <p:txBody>
-          <a:bodyPr/>
-          <a:lstStyle/>
-          <a:p>
+        <p:spPr/>
+        <p:txBody>
+          <a:bodyPr/>
+          <a:lstStyle/>
+          <a:p>
+            <a:fld id="{4509A250-FF31-4206-8172-F9D3106AACB1}" type="datetimeFigureOut">
+              <a:rPr lang="en-US" dirty="0"/>
+              <a:t>3/25/2019</a:t>
+            </a:fld>
             <a:endParaRPr lang="en-US" dirty="0"/>
           </a:p>
         </p:txBody>
@@ -5566,15 +5548,7 @@
             <p:ph type="ftr" sz="quarter" idx="11"/>
           </p:nvPr>
         </p:nvSpPr>
-        <p:spPr>
-          <a:xfrm rot="5400000">
-            <a:off x="6233335" y="3263371"/>
-            <a:ext cx="3859795" cy="228660"/>
-          </a:xfrm>
-          <a:prstGeom prst="rect">
-            <a:avLst/>
-          </a:prstGeom>
-        </p:spPr>
+        <p:spPr/>
         <p:txBody>
           <a:bodyPr/>
           <a:lstStyle/>
@@ -5610,19 +5584,20 @@
     </p:spTree>
     <p:extLst>
       <p:ext uri="{BB962C8B-B14F-4D97-AF65-F5344CB8AC3E}">
-        <p14:creationId xmlns:p14="http://schemas.microsoft.com/office/powerpoint/2010/main" val="620616350"/>
+        <p14:creationId xmlns:p14="http://schemas.microsoft.com/office/powerpoint/2010/main" val="1496383781"/>
       </p:ext>
     </p:extLst>
   </p:cSld>
   <p:clrMapOvr>
     <a:masterClrMapping/>
   </p:clrMapOvr>
+  <p:hf hdr="0" dt="0"/>
 </p:sldLayout>
 </file>
 
 <file path=ppt/slideLayouts/slideLayout4.xml><?xml version="1.0" encoding="utf-8"?>
 <p:sldLayout xmlns:a="http://schemas.openxmlformats.org/drawingml/2006/main" xmlns:r="http://schemas.openxmlformats.org/officeDocument/2006/relationships" xmlns:p="http://schemas.openxmlformats.org/presentationml/2006/main" type="twoObj" preserve="1">
-  <p:cSld name="Two Content">
+  <p:cSld name="เนื้อหา 2 ส่วน">
     <p:spTree>
       <p:nvGrpSpPr>
         <p:cNvPr id="1" name=""/>
@@ -5653,8 +5628,8 @@
           <a:lstStyle/>
           <a:p>
             <a:r>
-              <a:rPr lang="en-US" smtClean="0"/>
-              <a:t>Click to edit Master title style</a:t>
+              <a:rPr lang="th-TH"/>
+              <a:t>คลิกเพื่อแก้ไขสไตล์ชื่อเรื่องต้นแบบ</a:t>
             </a:r>
             <a:endParaRPr lang="en-US" dirty="0"/>
           </a:p>
@@ -5672,8 +5647,8 @@
         </p:nvSpPr>
         <p:spPr>
           <a:xfrm>
-            <a:off x="827700" y="2060576"/>
-            <a:ext cx="3298113" cy="4195763"/>
+            <a:off x="1103312" y="2060575"/>
+            <a:ext cx="4396339" cy="4195763"/>
           </a:xfrm>
         </p:spPr>
         <p:txBody>
@@ -5712,36 +5687,36 @@
           <a:p>
             <a:pPr lvl="0"/>
             <a:r>
-              <a:rPr lang="en-US" smtClean="0"/>
-              <a:t>Click to edit Master text styles</a:t>
+              <a:rPr lang="th-TH"/>
+              <a:t>คลิกเพื่อแก้ไขสไตล์ของข้อความต้นแบบ</a:t>
             </a:r>
           </a:p>
           <a:p>
             <a:pPr lvl="1"/>
             <a:r>
-              <a:rPr lang="en-US" smtClean="0"/>
-              <a:t>Second level</a:t>
+              <a:rPr lang="th-TH"/>
+              <a:t>ระดับที่สอง</a:t>
             </a:r>
           </a:p>
           <a:p>
             <a:pPr lvl="2"/>
             <a:r>
-              <a:rPr lang="en-US" smtClean="0"/>
-              <a:t>Third level</a:t>
+              <a:rPr lang="th-TH"/>
+              <a:t>ระดับที่สาม</a:t>
             </a:r>
           </a:p>
           <a:p>
             <a:pPr lvl="3"/>
             <a:r>
-              <a:rPr lang="en-US" smtClean="0"/>
-              <a:t>Fourth level</a:t>
+              <a:rPr lang="th-TH"/>
+              <a:t>ระดับที่สี่</a:t>
             </a:r>
           </a:p>
           <a:p>
             <a:pPr lvl="4"/>
             <a:r>
-              <a:rPr lang="en-US" smtClean="0"/>
-              <a:t>Fifth level</a:t>
+              <a:rPr lang="th-TH"/>
+              <a:t>ระดับที่ห้า</a:t>
             </a:r>
             <a:endParaRPr lang="en-US" dirty="0"/>
           </a:p>
@@ -5759,8 +5734,8 @@
         </p:nvSpPr>
         <p:spPr>
           <a:xfrm>
-            <a:off x="4241975" y="2056093"/>
-            <a:ext cx="3298115" cy="4200245"/>
+            <a:off x="5654493" y="2056092"/>
+            <a:ext cx="4396341" cy="4200245"/>
           </a:xfrm>
         </p:spPr>
         <p:txBody>
@@ -5799,36 +5774,36 @@
           <a:p>
             <a:pPr lvl="0"/>
             <a:r>
-              <a:rPr lang="en-US" smtClean="0"/>
-              <a:t>Click to edit Master text styles</a:t>
+              <a:rPr lang="th-TH"/>
+              <a:t>คลิกเพื่อแก้ไขสไตล์ของข้อความต้นแบบ</a:t>
             </a:r>
           </a:p>
           <a:p>
             <a:pPr lvl="1"/>
             <a:r>
-              <a:rPr lang="en-US" smtClean="0"/>
-              <a:t>Second level</a:t>
+              <a:rPr lang="th-TH"/>
+              <a:t>ระดับที่สอง</a:t>
             </a:r>
           </a:p>
           <a:p>
             <a:pPr lvl="2"/>
             <a:r>
-              <a:rPr lang="en-US" smtClean="0"/>
-              <a:t>Third level</a:t>
+              <a:rPr lang="th-TH"/>
+              <a:t>ระดับที่สาม</a:t>
             </a:r>
           </a:p>
           <a:p>
             <a:pPr lvl="3"/>
             <a:r>
-              <a:rPr lang="en-US" smtClean="0"/>
-              <a:t>Fourth level</a:t>
+              <a:rPr lang="th-TH"/>
+              <a:t>ระดับที่สี่</a:t>
             </a:r>
           </a:p>
           <a:p>
             <a:pPr lvl="4"/>
             <a:r>
-              <a:rPr lang="en-US" smtClean="0"/>
-              <a:t>Fifth level</a:t>
+              <a:rPr lang="th-TH"/>
+              <a:t>ระดับที่ห้า</a:t>
             </a:r>
             <a:endParaRPr lang="en-US" dirty="0"/>
           </a:p>
@@ -5844,19 +5819,15 @@
             <p:ph type="dt" sz="half" idx="10"/>
           </p:nvPr>
         </p:nvSpPr>
-        <p:spPr>
-          <a:xfrm rot="5400000">
-            <a:off x="7494989" y="1828771"/>
-            <a:ext cx="990599" cy="228659"/>
-          </a:xfrm>
-          <a:prstGeom prst="rect">
-            <a:avLst/>
-          </a:prstGeom>
-        </p:spPr>
-        <p:txBody>
-          <a:bodyPr/>
-          <a:lstStyle/>
-          <a:p>
+        <p:spPr/>
+        <p:txBody>
+          <a:bodyPr/>
+          <a:lstStyle/>
+          <a:p>
+            <a:fld id="{4509A250-FF31-4206-8172-F9D3106AACB1}" type="datetimeFigureOut">
+              <a:rPr lang="en-US" dirty="0"/>
+              <a:t>3/25/2019</a:t>
+            </a:fld>
             <a:endParaRPr lang="en-US" dirty="0"/>
           </a:p>
         </p:txBody>
@@ -5871,15 +5842,7 @@
             <p:ph type="ftr" sz="quarter" idx="11"/>
           </p:nvPr>
         </p:nvSpPr>
-        <p:spPr>
-          <a:xfrm rot="5400000">
-            <a:off x="6233335" y="3263371"/>
-            <a:ext cx="3859795" cy="228660"/>
-          </a:xfrm>
-          <a:prstGeom prst="rect">
-            <a:avLst/>
-          </a:prstGeom>
-        </p:spPr>
+        <p:spPr/>
         <p:txBody>
           <a:bodyPr/>
           <a:lstStyle/>
@@ -5915,19 +5878,20 @@
     </p:spTree>
     <p:extLst>
       <p:ext uri="{BB962C8B-B14F-4D97-AF65-F5344CB8AC3E}">
-        <p14:creationId xmlns:p14="http://schemas.microsoft.com/office/powerpoint/2010/main" val="2321156902"/>
+        <p14:creationId xmlns:p14="http://schemas.microsoft.com/office/powerpoint/2010/main" val="3491814722"/>
       </p:ext>
     </p:extLst>
   </p:cSld>
   <p:clrMapOvr>
     <a:masterClrMapping/>
   </p:clrMapOvr>
+  <p:hf hdr="0" dt="0"/>
 </p:sldLayout>
 </file>
 
 <file path=ppt/slideLayouts/slideLayout5.xml><?xml version="1.0" encoding="utf-8"?>
 <p:sldLayout xmlns:a="http://schemas.openxmlformats.org/drawingml/2006/main" xmlns:r="http://schemas.openxmlformats.org/officeDocument/2006/relationships" xmlns:p="http://schemas.openxmlformats.org/presentationml/2006/main" type="twoTxTwoObj" preserve="1">
-  <p:cSld name="Comparison">
+  <p:cSld name="การเปรียบเทียบ">
     <p:spTree>
       <p:nvGrpSpPr>
         <p:cNvPr id="1" name=""/>
@@ -5962,8 +5926,8 @@
           </a:lstStyle>
           <a:p>
             <a:r>
-              <a:rPr lang="en-US" smtClean="0"/>
-              <a:t>Click to edit Master title style</a:t>
+              <a:rPr lang="th-TH"/>
+              <a:t>คลิกเพื่อแก้ไขสไตล์ชื่อเรื่องต้นแบบ</a:t>
             </a:r>
             <a:endParaRPr lang="en-US" dirty="0"/>
           </a:p>
@@ -5981,8 +5945,8 @@
         </p:nvSpPr>
         <p:spPr>
           <a:xfrm>
-            <a:off x="827700" y="1905000"/>
-            <a:ext cx="3298112" cy="576262"/>
+            <a:off x="1103313" y="1905000"/>
+            <a:ext cx="4396338" cy="576262"/>
           </a:xfrm>
         </p:spPr>
         <p:txBody>
@@ -6034,8 +5998,8 @@
           <a:p>
             <a:pPr lvl="0"/>
             <a:r>
-              <a:rPr lang="en-US" smtClean="0"/>
-              <a:t>Click to edit Master text styles</a:t>
+              <a:rPr lang="th-TH"/>
+              <a:t>คลิกเพื่อแก้ไขสไตล์ของข้อความต้นแบบ</a:t>
             </a:r>
           </a:p>
         </p:txBody>
@@ -6052,8 +6016,8 @@
         </p:nvSpPr>
         <p:spPr>
           <a:xfrm>
-            <a:off x="827700" y="2514600"/>
-            <a:ext cx="3298113" cy="3741738"/>
+            <a:off x="1103312" y="2514600"/>
+            <a:ext cx="4396339" cy="3741738"/>
           </a:xfrm>
         </p:spPr>
         <p:txBody>
@@ -6092,36 +6056,36 @@
           <a:p>
             <a:pPr lvl="0"/>
             <a:r>
-              <a:rPr lang="en-US" smtClean="0"/>
-              <a:t>Click to edit Master text styles</a:t>
+              <a:rPr lang="th-TH"/>
+              <a:t>คลิกเพื่อแก้ไขสไตล์ของข้อความต้นแบบ</a:t>
             </a:r>
           </a:p>
           <a:p>
             <a:pPr lvl="1"/>
             <a:r>
-              <a:rPr lang="en-US" smtClean="0"/>
-              <a:t>Second level</a:t>
+              <a:rPr lang="th-TH"/>
+              <a:t>ระดับที่สอง</a:t>
             </a:r>
           </a:p>
           <a:p>
             <a:pPr lvl="2"/>
             <a:r>
-              <a:rPr lang="en-US" smtClean="0"/>
-              <a:t>Third level</a:t>
+              <a:rPr lang="th-TH"/>
+              <a:t>ระดับที่สาม</a:t>
             </a:r>
           </a:p>
           <a:p>
             <a:pPr lvl="3"/>
             <a:r>
-              <a:rPr lang="en-US" smtClean="0"/>
-              <a:t>Fourth level</a:t>
+              <a:rPr lang="th-TH"/>
+              <a:t>ระดับที่สี่</a:t>
             </a:r>
           </a:p>
           <a:p>
             <a:pPr lvl="4"/>
             <a:r>
-              <a:rPr lang="en-US" smtClean="0"/>
-              <a:t>Fifth level</a:t>
+              <a:rPr lang="th-TH"/>
+              <a:t>ระดับที่ห้า</a:t>
             </a:r>
             <a:endParaRPr lang="en-US" dirty="0"/>
           </a:p>
@@ -6139,8 +6103,8 @@
         </p:nvSpPr>
         <p:spPr>
           <a:xfrm>
-            <a:off x="4241976" y="1905000"/>
-            <a:ext cx="3298113" cy="576262"/>
+            <a:off x="5654495" y="1905000"/>
+            <a:ext cx="4396339" cy="576262"/>
           </a:xfrm>
         </p:spPr>
         <p:txBody>
@@ -6192,8 +6156,8 @@
           <a:p>
             <a:pPr lvl="0"/>
             <a:r>
-              <a:rPr lang="en-US" smtClean="0"/>
-              <a:t>Click to edit Master text styles</a:t>
+              <a:rPr lang="th-TH"/>
+              <a:t>คลิกเพื่อแก้ไขสไตล์ของข้อความต้นแบบ</a:t>
             </a:r>
           </a:p>
         </p:txBody>
@@ -6210,8 +6174,8 @@
         </p:nvSpPr>
         <p:spPr>
           <a:xfrm>
-            <a:off x="4241976" y="2514600"/>
-            <a:ext cx="3298113" cy="3741738"/>
+            <a:off x="5654495" y="2514600"/>
+            <a:ext cx="4396339" cy="3741738"/>
           </a:xfrm>
         </p:spPr>
         <p:txBody>
@@ -6250,36 +6214,36 @@
           <a:p>
             <a:pPr lvl="0"/>
             <a:r>
-              <a:rPr lang="en-US" smtClean="0"/>
-              <a:t>Click to edit Master text styles</a:t>
+              <a:rPr lang="th-TH"/>
+              <a:t>คลิกเพื่อแก้ไขสไตล์ของข้อความต้นแบบ</a:t>
             </a:r>
           </a:p>
           <a:p>
             <a:pPr lvl="1"/>
             <a:r>
-              <a:rPr lang="en-US" smtClean="0"/>
-              <a:t>Second level</a:t>
+              <a:rPr lang="th-TH"/>
+              <a:t>ระดับที่สอง</a:t>
             </a:r>
           </a:p>
           <a:p>
             <a:pPr lvl="2"/>
             <a:r>
-              <a:rPr lang="en-US" smtClean="0"/>
-              <a:t>Third level</a:t>
+              <a:rPr lang="th-TH"/>
+              <a:t>ระดับที่สาม</a:t>
             </a:r>
           </a:p>
           <a:p>
             <a:pPr lvl="3"/>
             <a:r>
-              <a:rPr lang="en-US" smtClean="0"/>
-              <a:t>Fourth level</a:t>
+              <a:rPr lang="th-TH"/>
+              <a:t>ระดับที่สี่</a:t>
             </a:r>
           </a:p>
           <a:p>
             <a:pPr lvl="4"/>
             <a:r>
-              <a:rPr lang="en-US" smtClean="0"/>
-              <a:t>Fifth level</a:t>
+              <a:rPr lang="th-TH"/>
+              <a:t>ระดับที่ห้า</a:t>
             </a:r>
             <a:endParaRPr lang="en-US" dirty="0"/>
           </a:p>
@@ -6295,19 +6259,15 @@
             <p:ph type="dt" sz="half" idx="10"/>
           </p:nvPr>
         </p:nvSpPr>
-        <p:spPr>
-          <a:xfrm rot="5400000">
-            <a:off x="7494989" y="1828771"/>
-            <a:ext cx="990599" cy="228659"/>
-          </a:xfrm>
-          <a:prstGeom prst="rect">
-            <a:avLst/>
-          </a:prstGeom>
-        </p:spPr>
-        <p:txBody>
-          <a:bodyPr/>
-          <a:lstStyle/>
-          <a:p>
+        <p:spPr/>
+        <p:txBody>
+          <a:bodyPr/>
+          <a:lstStyle/>
+          <a:p>
+            <a:fld id="{4509A250-FF31-4206-8172-F9D3106AACB1}" type="datetimeFigureOut">
+              <a:rPr lang="en-US" dirty="0"/>
+              <a:t>3/25/2019</a:t>
+            </a:fld>
             <a:endParaRPr lang="en-US" dirty="0"/>
           </a:p>
         </p:txBody>
@@ -6322,15 +6282,7 @@
             <p:ph type="ftr" sz="quarter" idx="11"/>
           </p:nvPr>
         </p:nvSpPr>
-        <p:spPr>
-          <a:xfrm rot="5400000">
-            <a:off x="6233335" y="3263371"/>
-            <a:ext cx="3859795" cy="228660"/>
-          </a:xfrm>
-          <a:prstGeom prst="rect">
-            <a:avLst/>
-          </a:prstGeom>
-        </p:spPr>
+        <p:spPr/>
         <p:txBody>
           <a:bodyPr/>
           <a:lstStyle/>
@@ -6366,19 +6318,20 @@
     </p:spTree>
     <p:extLst>
       <p:ext uri="{BB962C8B-B14F-4D97-AF65-F5344CB8AC3E}">
-        <p14:creationId xmlns:p14="http://schemas.microsoft.com/office/powerpoint/2010/main" val="2015889118"/>
+        <p14:creationId xmlns:p14="http://schemas.microsoft.com/office/powerpoint/2010/main" val="1404611997"/>
       </p:ext>
     </p:extLst>
   </p:cSld>
   <p:clrMapOvr>
     <a:masterClrMapping/>
   </p:clrMapOvr>
+  <p:hf hdr="0" dt="0"/>
 </p:sldLayout>
 </file>
 
 <file path=ppt/slideLayouts/slideLayout6.xml><?xml version="1.0" encoding="utf-8"?>
 <p:sldLayout xmlns:a="http://schemas.openxmlformats.org/drawingml/2006/main" xmlns:r="http://schemas.openxmlformats.org/officeDocument/2006/relationships" xmlns:p="http://schemas.openxmlformats.org/presentationml/2006/main" type="titleOnly" preserve="1">
-  <p:cSld name="Title Only">
+  <p:cSld name="เฉพาะชื่อเรื่อง">
     <p:spTree>
       <p:nvGrpSpPr>
         <p:cNvPr id="1" name=""/>
@@ -6409,8 +6362,8 @@
           <a:lstStyle/>
           <a:p>
             <a:r>
-              <a:rPr lang="en-US" smtClean="0"/>
-              <a:t>Click to edit Master title style</a:t>
+              <a:rPr lang="th-TH"/>
+              <a:t>คลิกเพื่อแก้ไขสไตล์ชื่อเรื่องต้นแบบ</a:t>
             </a:r>
             <a:endParaRPr lang="en-US" dirty="0"/>
           </a:p>
@@ -6426,19 +6379,15 @@
             <p:ph type="dt" sz="half" idx="10"/>
           </p:nvPr>
         </p:nvSpPr>
-        <p:spPr>
-          <a:xfrm rot="5400000">
-            <a:off x="7494989" y="1828771"/>
-            <a:ext cx="990599" cy="228659"/>
-          </a:xfrm>
-          <a:prstGeom prst="rect">
-            <a:avLst/>
-          </a:prstGeom>
-        </p:spPr>
-        <p:txBody>
-          <a:bodyPr/>
-          <a:lstStyle/>
-          <a:p>
+        <p:spPr/>
+        <p:txBody>
+          <a:bodyPr/>
+          <a:lstStyle/>
+          <a:p>
+            <a:fld id="{4509A250-FF31-4206-8172-F9D3106AACB1}" type="datetimeFigureOut">
+              <a:rPr lang="en-US" dirty="0"/>
+              <a:t>3/25/2019</a:t>
+            </a:fld>
             <a:endParaRPr lang="en-US" dirty="0"/>
           </a:p>
         </p:txBody>
@@ -6453,15 +6402,7 @@
             <p:ph type="ftr" sz="quarter" idx="11"/>
           </p:nvPr>
         </p:nvSpPr>
-        <p:spPr>
-          <a:xfrm rot="5400000">
-            <a:off x="6233335" y="3263371"/>
-            <a:ext cx="3859795" cy="228660"/>
-          </a:xfrm>
-          <a:prstGeom prst="rect">
-            <a:avLst/>
-          </a:prstGeom>
-        </p:spPr>
+        <p:spPr/>
         <p:txBody>
           <a:bodyPr/>
           <a:lstStyle/>
@@ -6497,19 +6438,20 @@
     </p:spTree>
     <p:extLst>
       <p:ext uri="{BB962C8B-B14F-4D97-AF65-F5344CB8AC3E}">
-        <p14:creationId xmlns:p14="http://schemas.microsoft.com/office/powerpoint/2010/main" val="921489312"/>
+        <p14:creationId xmlns:p14="http://schemas.microsoft.com/office/powerpoint/2010/main" val="536925011"/>
       </p:ext>
     </p:extLst>
   </p:cSld>
   <p:clrMapOvr>
     <a:masterClrMapping/>
   </p:clrMapOvr>
+  <p:hf hdr="0" dt="0"/>
 </p:sldLayout>
 </file>
 
 <file path=ppt/slideLayouts/slideLayout7.xml><?xml version="1.0" encoding="utf-8"?>
 <p:sldLayout xmlns:a="http://schemas.openxmlformats.org/drawingml/2006/main" xmlns:r="http://schemas.openxmlformats.org/officeDocument/2006/relationships" xmlns:p="http://schemas.openxmlformats.org/presentationml/2006/main" type="blank" preserve="1">
-  <p:cSld name="Blank">
+  <p:cSld name="ว่างเปล่า">
     <p:spTree>
       <p:nvGrpSpPr>
         <p:cNvPr id="1" name=""/>
@@ -6534,19 +6476,15 @@
             <p:ph type="dt" sz="half" idx="10"/>
           </p:nvPr>
         </p:nvSpPr>
-        <p:spPr>
-          <a:xfrm rot="5400000">
-            <a:off x="7494989" y="1828771"/>
-            <a:ext cx="990599" cy="228659"/>
-          </a:xfrm>
-          <a:prstGeom prst="rect">
-            <a:avLst/>
-          </a:prstGeom>
-        </p:spPr>
-        <p:txBody>
-          <a:bodyPr/>
-          <a:lstStyle/>
-          <a:p>
+        <p:spPr/>
+        <p:txBody>
+          <a:bodyPr/>
+          <a:lstStyle/>
+          <a:p>
+            <a:fld id="{4509A250-FF31-4206-8172-F9D3106AACB1}" type="datetimeFigureOut">
+              <a:rPr lang="en-US" dirty="0"/>
+              <a:t>3/25/2019</a:t>
+            </a:fld>
             <a:endParaRPr lang="en-US" dirty="0"/>
           </a:p>
         </p:txBody>
@@ -6561,15 +6499,7 @@
             <p:ph type="ftr" sz="quarter" idx="11"/>
           </p:nvPr>
         </p:nvSpPr>
-        <p:spPr>
-          <a:xfrm rot="5400000">
-            <a:off x="6233335" y="3263371"/>
-            <a:ext cx="3859795" cy="228660"/>
-          </a:xfrm>
-          <a:prstGeom prst="rect">
-            <a:avLst/>
-          </a:prstGeom>
-        </p:spPr>
+        <p:spPr/>
         <p:txBody>
           <a:bodyPr/>
           <a:lstStyle/>
@@ -6605,19 +6535,20 @@
     </p:spTree>
     <p:extLst>
       <p:ext uri="{BB962C8B-B14F-4D97-AF65-F5344CB8AC3E}">
-        <p14:creationId xmlns:p14="http://schemas.microsoft.com/office/powerpoint/2010/main" val="447588143"/>
+        <p14:creationId xmlns:p14="http://schemas.microsoft.com/office/powerpoint/2010/main" val="3646514119"/>
       </p:ext>
     </p:extLst>
   </p:cSld>
   <p:clrMapOvr>
     <a:masterClrMapping/>
   </p:clrMapOvr>
+  <p:hf hdr="0" dt="0"/>
 </p:sldLayout>
 </file>
 
 <file path=ppt/slideLayouts/slideLayout8.xml><?xml version="1.0" encoding="utf-8"?>
 <p:sldLayout xmlns:a="http://schemas.openxmlformats.org/drawingml/2006/main" xmlns:r="http://schemas.openxmlformats.org/officeDocument/2006/relationships" xmlns:p="http://schemas.openxmlformats.org/presentationml/2006/main" type="objTx" preserve="1">
-  <p:cSld name="Content with Caption">
+  <p:cSld name="เนื้อหาพร้อมคำอธิบายภาพ">
     <p:spTree>
       <p:nvGrpSpPr>
         <p:cNvPr id="1" name=""/>
@@ -6644,8 +6575,8 @@
         </p:nvSpPr>
         <p:spPr>
           <a:xfrm>
-            <a:off x="866441" y="1447800"/>
-            <a:ext cx="2551462" cy="1447800"/>
+            <a:off x="1154954" y="1447800"/>
+            <a:ext cx="3401064" cy="1447800"/>
           </a:xfrm>
         </p:spPr>
         <p:txBody>
@@ -6657,8 +6588,8 @@
           </a:lstStyle>
           <a:p>
             <a:r>
-              <a:rPr lang="en-US" smtClean="0"/>
-              <a:t>Click to edit Master title style</a:t>
+              <a:rPr lang="th-TH"/>
+              <a:t>คลิกเพื่อแก้ไขสไตล์ชื่อเรื่องต้นแบบ</a:t>
             </a:r>
             <a:endParaRPr lang="en-US" dirty="0"/>
           </a:p>
@@ -6676,8 +6607,8 @@
         </p:nvSpPr>
         <p:spPr>
           <a:xfrm>
-            <a:off x="3589397" y="1447800"/>
-            <a:ext cx="3898013" cy="4572000"/>
+            <a:off x="4784616" y="1447800"/>
+            <a:ext cx="5195997" cy="4572000"/>
           </a:xfrm>
         </p:spPr>
         <p:txBody>
@@ -6716,36 +6647,36 @@
           <a:p>
             <a:pPr lvl="0"/>
             <a:r>
-              <a:rPr lang="en-US" smtClean="0"/>
-              <a:t>Click to edit Master text styles</a:t>
+              <a:rPr lang="th-TH"/>
+              <a:t>คลิกเพื่อแก้ไขสไตล์ของข้อความต้นแบบ</a:t>
             </a:r>
           </a:p>
           <a:p>
             <a:pPr lvl="1"/>
             <a:r>
-              <a:rPr lang="en-US" smtClean="0"/>
-              <a:t>Second level</a:t>
+              <a:rPr lang="th-TH"/>
+              <a:t>ระดับที่สอง</a:t>
             </a:r>
           </a:p>
           <a:p>
             <a:pPr lvl="2"/>
             <a:r>
-              <a:rPr lang="en-US" smtClean="0"/>
-              <a:t>Third level</a:t>
+              <a:rPr lang="th-TH"/>
+              <a:t>ระดับที่สาม</a:t>
             </a:r>
           </a:p>
           <a:p>
             <a:pPr lvl="3"/>
             <a:r>
-              <a:rPr lang="en-US" smtClean="0"/>
-              <a:t>Fourth level</a:t>
+              <a:rPr lang="th-TH"/>
+              <a:t>ระดับที่สี่</a:t>
             </a:r>
           </a:p>
           <a:p>
             <a:pPr lvl="4"/>
             <a:r>
-              <a:rPr lang="en-US" smtClean="0"/>
-              <a:t>Fifth level</a:t>
+              <a:rPr lang="th-TH"/>
+              <a:t>ระดับที่ห้า</a:t>
             </a:r>
             <a:endParaRPr lang="en-US" dirty="0"/>
           </a:p>
@@ -6763,8 +6694,8 @@
         </p:nvSpPr>
         <p:spPr>
           <a:xfrm>
-            <a:off x="866441" y="3129281"/>
-            <a:ext cx="2551462" cy="2895599"/>
+            <a:off x="1154954" y="3129280"/>
+            <a:ext cx="3401063" cy="2895599"/>
           </a:xfrm>
         </p:spPr>
         <p:txBody>
@@ -6810,8 +6741,8 @@
           <a:p>
             <a:pPr lvl="0"/>
             <a:r>
-              <a:rPr lang="en-US" smtClean="0"/>
-              <a:t>Click to edit Master text styles</a:t>
+              <a:rPr lang="th-TH"/>
+              <a:t>คลิกเพื่อแก้ไขสไตล์ของข้อความต้นแบบ</a:t>
             </a:r>
           </a:p>
         </p:txBody>
@@ -6826,19 +6757,15 @@
             <p:ph type="dt" sz="half" idx="10"/>
           </p:nvPr>
         </p:nvSpPr>
-        <p:spPr>
-          <a:xfrm rot="5400000">
-            <a:off x="7494989" y="1828771"/>
-            <a:ext cx="990599" cy="228659"/>
-          </a:xfrm>
-          <a:prstGeom prst="rect">
-            <a:avLst/>
-          </a:prstGeom>
-        </p:spPr>
-        <p:txBody>
-          <a:bodyPr/>
-          <a:lstStyle/>
-          <a:p>
+        <p:spPr/>
+        <p:txBody>
+          <a:bodyPr/>
+          <a:lstStyle/>
+          <a:p>
+            <a:fld id="{4509A250-FF31-4206-8172-F9D3106AACB1}" type="datetimeFigureOut">
+              <a:rPr lang="en-US" dirty="0"/>
+              <a:t>3/25/2019</a:t>
+            </a:fld>
             <a:endParaRPr lang="en-US" dirty="0"/>
           </a:p>
         </p:txBody>
@@ -6853,15 +6780,7 @@
             <p:ph type="ftr" sz="quarter" idx="11"/>
           </p:nvPr>
         </p:nvSpPr>
-        <p:spPr>
-          <a:xfrm rot="5400000">
-            <a:off x="6233335" y="3263371"/>
-            <a:ext cx="3859795" cy="228660"/>
-          </a:xfrm>
-          <a:prstGeom prst="rect">
-            <a:avLst/>
-          </a:prstGeom>
-        </p:spPr>
+        <p:spPr/>
         <p:txBody>
           <a:bodyPr/>
           <a:lstStyle/>
@@ -6897,19 +6816,20 @@
     </p:spTree>
     <p:extLst>
       <p:ext uri="{BB962C8B-B14F-4D97-AF65-F5344CB8AC3E}">
-        <p14:creationId xmlns:p14="http://schemas.microsoft.com/office/powerpoint/2010/main" val="3428364202"/>
+        <p14:creationId xmlns:p14="http://schemas.microsoft.com/office/powerpoint/2010/main" val="3932011783"/>
       </p:ext>
     </p:extLst>
   </p:cSld>
   <p:clrMapOvr>
     <a:masterClrMapping/>
   </p:clrMapOvr>
+  <p:hf hdr="0" dt="0"/>
 </p:sldLayout>
 </file>
 
 <file path=ppt/slideLayouts/slideLayout9.xml><?xml version="1.0" encoding="utf-8"?>
 <p:sldLayout xmlns:a="http://schemas.openxmlformats.org/drawingml/2006/main" xmlns:r="http://schemas.openxmlformats.org/officeDocument/2006/relationships" xmlns:p="http://schemas.openxmlformats.org/presentationml/2006/main" type="picTx" preserve="1">
-  <p:cSld name="Picture with Caption">
+  <p:cSld name="รูปภาพพร้อมคำอธิบายภาพ">
     <p:spTree>
       <p:nvGrpSpPr>
         <p:cNvPr id="1" name=""/>
@@ -6936,8 +6856,8 @@
         </p:nvSpPr>
         <p:spPr>
           <a:xfrm>
-            <a:off x="865656" y="1854192"/>
-            <a:ext cx="3820674" cy="1574808"/>
+            <a:off x="1153907" y="1854192"/>
+            <a:ext cx="5092906" cy="1574808"/>
           </a:xfrm>
         </p:spPr>
         <p:txBody>
@@ -6951,8 +6871,8 @@
           </a:lstStyle>
           <a:p>
             <a:r>
-              <a:rPr lang="en-US" smtClean="0"/>
-              <a:t>Click to edit Master title style</a:t>
+              <a:rPr lang="th-TH"/>
+              <a:t>คลิกเพื่อแก้ไขสไตล์ชื่อเรื่องต้นแบบ</a:t>
             </a:r>
             <a:endParaRPr lang="en-US" dirty="0"/>
           </a:p>
@@ -6970,8 +6890,8 @@
         </p:nvSpPr>
         <p:spPr>
           <a:xfrm>
-            <a:off x="5213517" y="1143000"/>
-            <a:ext cx="2400925" cy="4572000"/>
+            <a:off x="6949546" y="1143000"/>
+            <a:ext cx="3200400" cy="4572000"/>
           </a:xfrm>
           <a:prstGeom prst="roundRect">
             <a:avLst>
@@ -7030,8 +6950,8 @@
           </a:lstStyle>
           <a:p>
             <a:r>
-              <a:rPr lang="en-US" smtClean="0"/>
-              <a:t>Click icon to add picture</a:t>
+              <a:rPr lang="th-TH"/>
+              <a:t>คลิกไอคอนเพื่อเพิ่มรูปภาพ</a:t>
             </a:r>
             <a:endParaRPr lang="en-US" dirty="0"/>
           </a:p>
@@ -7049,8 +6969,8 @@
         </p:nvSpPr>
         <p:spPr>
           <a:xfrm>
-            <a:off x="866441" y="3657600"/>
-            <a:ext cx="3814728" cy="1371600"/>
+            <a:off x="1154954" y="3657600"/>
+            <a:ext cx="5084979" cy="1371600"/>
           </a:xfrm>
         </p:spPr>
         <p:txBody>
@@ -7098,8 +7018,8 @@
           <a:p>
             <a:pPr lvl="0"/>
             <a:r>
-              <a:rPr lang="en-US" smtClean="0"/>
-              <a:t>Click to edit Master text styles</a:t>
+              <a:rPr lang="th-TH"/>
+              <a:t>คลิกเพื่อแก้ไขสไตล์ของข้อความต้นแบบ</a:t>
             </a:r>
           </a:p>
         </p:txBody>
@@ -7114,19 +7034,15 @@
             <p:ph type="dt" sz="half" idx="10"/>
           </p:nvPr>
         </p:nvSpPr>
-        <p:spPr>
-          <a:xfrm rot="5400000">
-            <a:off x="7494989" y="1828771"/>
-            <a:ext cx="990599" cy="228659"/>
-          </a:xfrm>
-          <a:prstGeom prst="rect">
-            <a:avLst/>
-          </a:prstGeom>
-        </p:spPr>
-        <p:txBody>
-          <a:bodyPr/>
-          <a:lstStyle/>
-          <a:p>
+        <p:spPr/>
+        <p:txBody>
+          <a:bodyPr/>
+          <a:lstStyle/>
+          <a:p>
+            <a:fld id="{4509A250-FF31-4206-8172-F9D3106AACB1}" type="datetimeFigureOut">
+              <a:rPr lang="en-US" dirty="0"/>
+              <a:t>3/25/2019</a:t>
+            </a:fld>
             <a:endParaRPr lang="en-US" dirty="0"/>
           </a:p>
         </p:txBody>
@@ -7141,15 +7057,7 @@
             <p:ph type="ftr" sz="quarter" idx="11"/>
           </p:nvPr>
         </p:nvSpPr>
-        <p:spPr>
-          <a:xfrm rot="5400000">
-            <a:off x="6233335" y="3263371"/>
-            <a:ext cx="3859795" cy="228660"/>
-          </a:xfrm>
-          <a:prstGeom prst="rect">
-            <a:avLst/>
-          </a:prstGeom>
-        </p:spPr>
+        <p:spPr/>
         <p:txBody>
           <a:bodyPr/>
           <a:lstStyle/>
@@ -7185,13 +7093,14 @@
     </p:spTree>
     <p:extLst>
       <p:ext uri="{BB962C8B-B14F-4D97-AF65-F5344CB8AC3E}">
-        <p14:creationId xmlns:p14="http://schemas.microsoft.com/office/powerpoint/2010/main" val="1735182188"/>
+        <p14:creationId xmlns:p14="http://schemas.microsoft.com/office/powerpoint/2010/main" val="935126784"/>
       </p:ext>
     </p:extLst>
   </p:cSld>
   <p:clrMapOvr>
     <a:masterClrMapping/>
   </p:clrMapOvr>
+  <p:hf hdr="0" dt="0"/>
 </p:sldLayout>
 </file>
 
@@ -7199,7 +7108,7 @@
 <p:sldMaster xmlns:a="http://schemas.openxmlformats.org/drawingml/2006/main" xmlns:r="http://schemas.openxmlformats.org/officeDocument/2006/relationships" xmlns:p="http://schemas.openxmlformats.org/presentationml/2006/main">
   <p:cSld>
     <p:bg>
-      <p:bgRef idx="1001">
+      <p:bgRef idx="1003">
         <a:schemeClr val="bg2"/>
       </p:bgRef>
     </p:bg>
@@ -7217,16 +7126,74 @@
           <a:chExt cx="0" cy="0"/>
         </a:xfrm>
       </p:grpSpPr>
-      <p:sp>
-        <p:nvSpPr>
-          <p:cNvPr id="23" name="Oval 22"/>
+      <p:pic>
+        <p:nvPicPr>
+          <p:cNvPr id="8" name="Picture 7"/>
+          <p:cNvPicPr>
+            <a:picLocks noChangeAspect="1"/>
+          </p:cNvPicPr>
+          <p:nvPr/>
+        </p:nvPicPr>
+        <p:blipFill rotWithShape="1">
+          <a:blip r:embed="rId19">
+            <a:extLst>
+              <a:ext uri="{28A0092B-C50C-407E-A947-70E740481C1C}">
+                <a14:useLocalDpi xmlns:a14="http://schemas.microsoft.com/office/drawing/2010/main" val="0"/>
+              </a:ext>
+            </a:extLst>
+          </a:blip>
+          <a:srcRect l="3613"/>
+          <a:stretch/>
+        </p:blipFill>
+        <p:spPr>
+          <a:xfrm>
+            <a:off x="0" y="2669685"/>
+            <a:ext cx="4037012" cy="4188315"/>
+          </a:xfrm>
+          <a:prstGeom prst="rect">
+            <a:avLst/>
+          </a:prstGeom>
+        </p:spPr>
+      </p:pic>
+      <p:pic>
+        <p:nvPicPr>
+          <p:cNvPr id="7" name="Picture 6"/>
+          <p:cNvPicPr>
+            <a:picLocks noChangeAspect="1"/>
+          </p:cNvPicPr>
+          <p:nvPr/>
+        </p:nvPicPr>
+        <p:blipFill rotWithShape="1">
+          <a:blip r:embed="rId20">
+            <a:extLst>
+              <a:ext uri="{28A0092B-C50C-407E-A947-70E740481C1C}">
+                <a14:useLocalDpi xmlns:a14="http://schemas.microsoft.com/office/drawing/2010/main" val="0"/>
+              </a:ext>
+            </a:extLst>
+          </a:blip>
+          <a:srcRect l="35640"/>
+          <a:stretch/>
+        </p:blipFill>
+        <p:spPr>
+          <a:xfrm>
+            <a:off x="0" y="2892347"/>
+            <a:ext cx="1522412" cy="2365453"/>
+          </a:xfrm>
+          <a:prstGeom prst="rect">
+            <a:avLst/>
+          </a:prstGeom>
+        </p:spPr>
+      </p:pic>
+      <p:sp>
+        <p:nvSpPr>
+          <p:cNvPr id="16" name="Oval 15"/>
           <p:cNvSpPr/>
           <p:nvPr/>
         </p:nvSpPr>
         <p:spPr>
           <a:xfrm>
-            <a:off x="5689832" y="-457200"/>
-            <a:ext cx="1600200" cy="1600200"/>
+            <a:off x="8609012" y="1676400"/>
+            <a:ext cx="2819400" cy="2819400"/>
           </a:xfrm>
           <a:prstGeom prst="ellipse">
             <a:avLst/>
@@ -7237,10 +7204,10 @@
                 <a:schemeClr val="bg2">
                   <a:lumMod val="40000"/>
                   <a:lumOff val="60000"/>
-                  <a:alpha val="14000"/>
+                  <a:alpha val="7000"/>
                 </a:schemeClr>
               </a:gs>
-              <a:gs pos="73000">
+              <a:gs pos="69000">
                 <a:schemeClr val="bg2">
                   <a:lumMod val="40000"/>
                   <a:lumOff val="60000"/>
@@ -7251,7 +7218,7 @@
                 <a:schemeClr val="bg2">
                   <a:lumMod val="40000"/>
                   <a:lumOff val="60000"/>
-                  <a:alpha val="7000"/>
+                  <a:alpha val="6000"/>
                 </a:schemeClr>
               </a:gs>
             </a:gsLst>
@@ -7280,205 +7247,74 @@
           </a:fontRef>
         </p:style>
       </p:sp>
-      <p:sp>
-        <p:nvSpPr>
-          <p:cNvPr id="24" name="Oval 23"/>
+      <p:pic>
+        <p:nvPicPr>
+          <p:cNvPr id="9" name="Picture 8"/>
+          <p:cNvPicPr>
+            <a:picLocks noChangeAspect="1"/>
+          </p:cNvPicPr>
+          <p:nvPr/>
+        </p:nvPicPr>
+        <p:blipFill rotWithShape="1">
+          <a:blip r:embed="rId21">
+            <a:extLst>
+              <a:ext uri="{28A0092B-C50C-407E-A947-70E740481C1C}">
+                <a14:useLocalDpi xmlns:a14="http://schemas.microsoft.com/office/drawing/2010/main" val="0"/>
+              </a:ext>
+            </a:extLst>
+          </a:blip>
+          <a:srcRect t="28813"/>
+          <a:stretch/>
+        </p:blipFill>
+        <p:spPr>
+          <a:xfrm>
+            <a:off x="7999412" y="0"/>
+            <a:ext cx="1603387" cy="1141407"/>
+          </a:xfrm>
+          <a:prstGeom prst="rect">
+            <a:avLst/>
+          </a:prstGeom>
+        </p:spPr>
+      </p:pic>
+      <p:pic>
+        <p:nvPicPr>
+          <p:cNvPr id="10" name="Picture 9"/>
+          <p:cNvPicPr>
+            <a:picLocks noChangeAspect="1"/>
+          </p:cNvPicPr>
+          <p:nvPr/>
+        </p:nvPicPr>
+        <p:blipFill rotWithShape="1">
+          <a:blip r:embed="rId22">
+            <a:extLst>
+              <a:ext uri="{28A0092B-C50C-407E-A947-70E740481C1C}">
+                <a14:useLocalDpi xmlns:a14="http://schemas.microsoft.com/office/drawing/2010/main" val="0"/>
+              </a:ext>
+            </a:extLst>
+          </a:blip>
+          <a:srcRect b="23320"/>
+          <a:stretch/>
+        </p:blipFill>
+        <p:spPr>
+          <a:xfrm>
+            <a:off x="8609012" y="6096000"/>
+            <a:ext cx="993734" cy="762000"/>
+          </a:xfrm>
+          <a:prstGeom prst="rect">
+            <a:avLst/>
+          </a:prstGeom>
+        </p:spPr>
+      </p:pic>
+      <p:sp>
+        <p:nvSpPr>
+          <p:cNvPr id="14" name="Rectangle 13"/>
           <p:cNvSpPr/>
           <p:nvPr/>
         </p:nvSpPr>
         <p:spPr>
           <a:xfrm>
-            <a:off x="6299432" y="6096000"/>
-            <a:ext cx="990600" cy="990600"/>
-          </a:xfrm>
-          <a:prstGeom prst="ellipse">
-            <a:avLst/>
-          </a:prstGeom>
-          <a:gradFill flip="none" rotWithShape="1">
-            <a:gsLst>
-              <a:gs pos="0">
-                <a:schemeClr val="bg2">
-                  <a:lumMod val="40000"/>
-                  <a:lumOff val="60000"/>
-                  <a:alpha val="14000"/>
-                </a:schemeClr>
-              </a:gs>
-              <a:gs pos="66000">
-                <a:schemeClr val="bg2">
-                  <a:lumMod val="40000"/>
-                  <a:lumOff val="60000"/>
-                  <a:alpha val="0"/>
-                </a:schemeClr>
-              </a:gs>
-              <a:gs pos="36000">
-                <a:schemeClr val="bg2">
-                  <a:lumMod val="40000"/>
-                  <a:lumOff val="60000"/>
-                  <a:alpha val="7000"/>
-                </a:schemeClr>
-              </a:gs>
-            </a:gsLst>
-            <a:path path="circle">
-              <a:fillToRect l="50000" t="50000" r="50000" b="50000"/>
-            </a:path>
-            <a:tileRect/>
-          </a:gradFill>
-          <a:ln>
-            <a:noFill/>
-          </a:ln>
-          <a:effectLst/>
-        </p:spPr>
-        <p:style>
-          <a:lnRef idx="1">
-            <a:schemeClr val="accent1"/>
-          </a:lnRef>
-          <a:fillRef idx="3">
-            <a:schemeClr val="accent1"/>
-          </a:fillRef>
-          <a:effectRef idx="2">
-            <a:schemeClr val="accent1"/>
-          </a:effectRef>
-          <a:fontRef idx="minor">
-            <a:schemeClr val="lt1"/>
-          </a:fontRef>
-        </p:style>
-      </p:sp>
-      <p:sp>
-        <p:nvSpPr>
-          <p:cNvPr id="20" name="Oval 19"/>
-          <p:cNvSpPr/>
-          <p:nvPr/>
-        </p:nvSpPr>
-        <p:spPr>
-          <a:xfrm>
-            <a:off x="-153988" y="2667000"/>
-            <a:ext cx="4191000" cy="4191000"/>
-          </a:xfrm>
-          <a:prstGeom prst="ellipse">
-            <a:avLst/>
-          </a:prstGeom>
-          <a:gradFill flip="none" rotWithShape="1">
-            <a:gsLst>
-              <a:gs pos="0">
-                <a:schemeClr val="bg2">
-                  <a:lumMod val="40000"/>
-                  <a:lumOff val="60000"/>
-                  <a:alpha val="11000"/>
-                </a:schemeClr>
-              </a:gs>
-              <a:gs pos="75000">
-                <a:schemeClr val="bg2">
-                  <a:lumMod val="40000"/>
-                  <a:lumOff val="60000"/>
-                  <a:alpha val="0"/>
-                </a:schemeClr>
-              </a:gs>
-              <a:gs pos="36000">
-                <a:schemeClr val="bg2">
-                  <a:lumMod val="40000"/>
-                  <a:lumOff val="60000"/>
-                  <a:alpha val="10000"/>
-                </a:schemeClr>
-              </a:gs>
-            </a:gsLst>
-            <a:path path="circle">
-              <a:fillToRect l="50000" t="50000" r="50000" b="50000"/>
-            </a:path>
-            <a:tileRect/>
-          </a:gradFill>
-          <a:ln>
-            <a:noFill/>
-          </a:ln>
-          <a:effectLst/>
-        </p:spPr>
-        <p:style>
-          <a:lnRef idx="1">
-            <a:schemeClr val="accent1"/>
-          </a:lnRef>
-          <a:fillRef idx="3">
-            <a:schemeClr val="accent1"/>
-          </a:fillRef>
-          <a:effectRef idx="2">
-            <a:schemeClr val="accent1"/>
-          </a:effectRef>
-          <a:fontRef idx="minor">
-            <a:schemeClr val="lt1"/>
-          </a:fontRef>
-        </p:style>
-      </p:sp>
-      <p:sp>
-        <p:nvSpPr>
-          <p:cNvPr id="21" name="Oval 20"/>
-          <p:cNvSpPr/>
-          <p:nvPr/>
-        </p:nvSpPr>
-        <p:spPr>
-          <a:xfrm>
-            <a:off x="-839788" y="2895600"/>
-            <a:ext cx="2362200" cy="2362200"/>
-          </a:xfrm>
-          <a:prstGeom prst="ellipse">
-            <a:avLst/>
-          </a:prstGeom>
-          <a:gradFill flip="none" rotWithShape="1">
-            <a:gsLst>
-              <a:gs pos="0">
-                <a:schemeClr val="bg2">
-                  <a:lumMod val="40000"/>
-                  <a:lumOff val="60000"/>
-                  <a:alpha val="8000"/>
-                </a:schemeClr>
-              </a:gs>
-              <a:gs pos="72000">
-                <a:schemeClr val="bg2">
-                  <a:lumMod val="40000"/>
-                  <a:lumOff val="60000"/>
-                  <a:alpha val="0"/>
-                </a:schemeClr>
-              </a:gs>
-              <a:gs pos="36000">
-                <a:schemeClr val="bg2">
-                  <a:lumMod val="40000"/>
-                  <a:lumOff val="60000"/>
-                  <a:alpha val="8000"/>
-                </a:schemeClr>
-              </a:gs>
-            </a:gsLst>
-            <a:path path="circle">
-              <a:fillToRect l="50000" t="50000" r="50000" b="50000"/>
-            </a:path>
-            <a:tileRect/>
-          </a:gradFill>
-          <a:ln>
-            <a:noFill/>
-          </a:ln>
-          <a:effectLst/>
-        </p:spPr>
-        <p:style>
-          <a:lnRef idx="1">
-            <a:schemeClr val="accent1"/>
-          </a:lnRef>
-          <a:fillRef idx="3">
-            <a:schemeClr val="accent1"/>
-          </a:fillRef>
-          <a:effectRef idx="2">
-            <a:schemeClr val="accent1"/>
-          </a:effectRef>
-          <a:fontRef idx="minor">
-            <a:schemeClr val="lt1"/>
-          </a:fontRef>
-        </p:style>
-      </p:sp>
-      <p:sp>
-        <p:nvSpPr>
-          <p:cNvPr id="19" name="Rectangle 18"/>
-          <p:cNvSpPr/>
-          <p:nvPr/>
-        </p:nvSpPr>
-        <p:spPr>
-          <a:xfrm>
-            <a:off x="7745644" y="0"/>
-            <a:ext cx="685800" cy="1099458"/>
+            <a:off x="10437812" y="0"/>
+            <a:ext cx="685800" cy="1143000"/>
           </a:xfrm>
           <a:prstGeom prst="rect">
             <a:avLst/>
@@ -7517,8 +7353,8 @@
         </p:nvSpPr>
         <p:spPr>
           <a:xfrm>
-            <a:off x="484710" y="452718"/>
-            <a:ext cx="7055380" cy="690282"/>
+            <a:off x="646111" y="452718"/>
+            <a:ext cx="9404723" cy="1400530"/>
           </a:xfrm>
           <a:prstGeom prst="rect">
             <a:avLst/>
@@ -7531,8 +7367,8 @@
           <a:lstStyle/>
           <a:p>
             <a:r>
-              <a:rPr lang="en-US" smtClean="0"/>
-              <a:t>Click to edit Master title style</a:t>
+              <a:rPr lang="th-TH"/>
+              <a:t>คลิกเพื่อแก้ไขสไตล์ชื่อเรื่องต้นแบบ</a:t>
             </a:r>
             <a:endParaRPr lang="en-US" dirty="0"/>
           </a:p>
@@ -7550,8 +7386,8 @@
         </p:nvSpPr>
         <p:spPr>
           <a:xfrm>
-            <a:off x="827700" y="1600201"/>
-            <a:ext cx="6711654" cy="4648206"/>
+            <a:off x="1103312" y="2052918"/>
+            <a:ext cx="8946541" cy="4195481"/>
           </a:xfrm>
           <a:prstGeom prst="rect">
             <a:avLst/>
@@ -7565,36 +7401,36 @@
           <a:p>
             <a:pPr lvl="0"/>
             <a:r>
-              <a:rPr lang="en-US" dirty="0" smtClean="0"/>
-              <a:t>Click to edit Master text styles</a:t>
+              <a:rPr lang="th-TH"/>
+              <a:t>คลิกเพื่อแก้ไขสไตล์ของข้อความต้นแบบ</a:t>
             </a:r>
           </a:p>
           <a:p>
             <a:pPr lvl="1"/>
             <a:r>
-              <a:rPr lang="en-US" dirty="0" smtClean="0"/>
-              <a:t>Second level</a:t>
+              <a:rPr lang="th-TH"/>
+              <a:t>ระดับที่สอง</a:t>
             </a:r>
           </a:p>
           <a:p>
             <a:pPr lvl="2"/>
             <a:r>
-              <a:rPr lang="en-US" dirty="0" smtClean="0"/>
-              <a:t>Third level</a:t>
+              <a:rPr lang="th-TH"/>
+              <a:t>ระดับที่สาม</a:t>
             </a:r>
           </a:p>
           <a:p>
             <a:pPr lvl="3"/>
             <a:r>
-              <a:rPr lang="en-US" dirty="0" smtClean="0"/>
-              <a:t>Fourth level</a:t>
+              <a:rPr lang="th-TH"/>
+              <a:t>ระดับที่สี่</a:t>
             </a:r>
           </a:p>
           <a:p>
             <a:pPr lvl="4"/>
             <a:r>
-              <a:rPr lang="en-US" dirty="0" smtClean="0"/>
-              <a:t>Fifth level</a:t>
+              <a:rPr lang="th-TH"/>
+              <a:t>ระดับที่ห้า</a:t>
             </a:r>
             <a:endParaRPr lang="en-US" dirty="0"/>
           </a:p>
@@ -7602,28 +7438,108 @@
       </p:sp>
       <p:sp>
         <p:nvSpPr>
-          <p:cNvPr id="6" name="Slide Number Placeholder 5"/>
-          <p:cNvSpPr>
-            <a:spLocks noGrp="1"/>
-          </p:cNvSpPr>
-          <p:nvPr>
-            <p:ph type="sldNum" sz="quarter" idx="4"/>
+          <p:cNvPr id="4" name="Date Placeholder 3"/>
+          <p:cNvSpPr>
+            <a:spLocks noGrp="1"/>
+          </p:cNvSpPr>
+          <p:nvPr>
+            <p:ph type="dt" sz="half" idx="2"/>
           </p:nvPr>
         </p:nvSpPr>
         <p:spPr>
-          <a:xfrm>
-            <a:off x="7766431" y="295736"/>
-            <a:ext cx="628813" cy="767687"/>
+          <a:xfrm rot="5400000">
+            <a:off x="10155639" y="1790701"/>
+            <a:ext cx="990599" cy="304799"/>
           </a:xfrm>
           <a:prstGeom prst="rect">
             <a:avLst/>
           </a:prstGeom>
         </p:spPr>
         <p:txBody>
+          <a:bodyPr vert="horz" lIns="91440" tIns="45720" rIns="91440" bIns="45720" rtlCol="0" anchor="t"/>
+          <a:lstStyle>
+            <a:lvl1pPr algn="l">
+              <a:defRPr sz="1100" b="0" i="0">
+                <a:solidFill>
+                  <a:schemeClr val="tx1">
+                    <a:tint val="75000"/>
+                    <a:alpha val="60000"/>
+                  </a:schemeClr>
+                </a:solidFill>
+              </a:defRPr>
+            </a:lvl1pPr>
+          </a:lstStyle>
+          <a:p>
+            <a:fld id="{4509A250-FF31-4206-8172-F9D3106AACB1}" type="datetimeFigureOut">
+              <a:rPr lang="en-US" dirty="0"/>
+              <a:t>3/25/2019</a:t>
+            </a:fld>
+            <a:endParaRPr lang="en-US" dirty="0"/>
+          </a:p>
+        </p:txBody>
+      </p:sp>
+      <p:sp>
+        <p:nvSpPr>
+          <p:cNvPr id="5" name="Footer Placeholder 4"/>
+          <p:cNvSpPr>
+            <a:spLocks noGrp="1"/>
+          </p:cNvSpPr>
+          <p:nvPr>
+            <p:ph type="ftr" sz="quarter" idx="3"/>
+          </p:nvPr>
+        </p:nvSpPr>
+        <p:spPr>
+          <a:xfrm rot="5400000">
+            <a:off x="8951573" y="3225297"/>
+            <a:ext cx="3859795" cy="304801"/>
+          </a:xfrm>
+          <a:prstGeom prst="rect">
+            <a:avLst/>
+          </a:prstGeom>
+        </p:spPr>
+        <p:txBody>
+          <a:bodyPr vert="horz" lIns="91440" tIns="45720" rIns="91440" bIns="45720" rtlCol="0" anchor="b"/>
+          <a:lstStyle>
+            <a:lvl1pPr algn="l">
+              <a:defRPr sz="1100" b="0" i="0">
+                <a:solidFill>
+                  <a:schemeClr val="tx1">
+                    <a:tint val="75000"/>
+                    <a:alpha val="60000"/>
+                  </a:schemeClr>
+                </a:solidFill>
+              </a:defRPr>
+            </a:lvl1pPr>
+          </a:lstStyle>
+          <a:p>
+            <a:endParaRPr lang="en-US" dirty="0"/>
+          </a:p>
+        </p:txBody>
+      </p:sp>
+      <p:sp>
+        <p:nvSpPr>
+          <p:cNvPr id="6" name="Slide Number Placeholder 5"/>
+          <p:cNvSpPr>
+            <a:spLocks noGrp="1"/>
+          </p:cNvSpPr>
+          <p:nvPr>
+            <p:ph type="sldNum" sz="quarter" idx="4"/>
+          </p:nvPr>
+        </p:nvSpPr>
+        <p:spPr>
+          <a:xfrm>
+            <a:off x="10352540" y="295729"/>
+            <a:ext cx="838199" cy="767687"/>
+          </a:xfrm>
+          <a:prstGeom prst="rect">
+            <a:avLst/>
+          </a:prstGeom>
+        </p:spPr>
+        <p:txBody>
           <a:bodyPr vert="horz" lIns="91440" tIns="45720" rIns="91440" bIns="45720" rtlCol="0" anchor="b"/>
           <a:lstStyle>
             <a:lvl1pPr algn="ctr">
-              <a:defRPr sz="2801" b="0" i="0">
+              <a:defRPr sz="2800" b="0" i="0">
                 <a:solidFill>
                   <a:schemeClr val="tx1">
                     <a:tint val="75000"/>
@@ -7645,37 +7561,30 @@
     </p:spTree>
     <p:extLst>
       <p:ext uri="{BB962C8B-B14F-4D97-AF65-F5344CB8AC3E}">
-        <p14:creationId xmlns:p14="http://schemas.microsoft.com/office/powerpoint/2010/main" val="358665464"/>
+        <p14:creationId xmlns:p14="http://schemas.microsoft.com/office/powerpoint/2010/main" val="1667166565"/>
       </p:ext>
     </p:extLst>
   </p:cSld>
-  <p:clrMap bg1="lt1" tx1="dk1" bg2="lt2" tx2="dk2" accent1="accent1" accent2="accent2" accent3="accent3" accent4="accent4" accent5="accent5" accent6="accent6" hlink="hlink" folHlink="folHlink"/>
+  <p:clrMap bg1="dk1" tx1="lt1" bg2="dk2" tx2="lt2" accent1="accent1" accent2="accent2" accent3="accent3" accent4="accent4" accent5="accent5" accent6="accent6" hlink="hlink" folHlink="folHlink"/>
   <p:sldLayoutIdLst>
-    <p:sldLayoutId id="2147483762" r:id="rId1"/>
-    <p:sldLayoutId id="2147483763" r:id="rId2"/>
-    <p:sldLayoutId id="2147483764" r:id="rId3"/>
-    <p:sldLayoutId id="2147483765" r:id="rId4"/>
-    <p:sldLayoutId id="2147483766" r:id="rId5"/>
-    <p:sldLayoutId id="2147483767" r:id="rId6"/>
-    <p:sldLayoutId id="2147483768" r:id="rId7"/>
-    <p:sldLayoutId id="2147483769" r:id="rId8"/>
-    <p:sldLayoutId id="2147483770" r:id="rId9"/>
-    <p:sldLayoutId id="2147483771" r:id="rId10"/>
-    <p:sldLayoutId id="2147483772" r:id="rId11"/>
-    <p:sldLayoutId id="2147483773" r:id="rId12"/>
-    <p:sldLayoutId id="2147483774" r:id="rId13"/>
-    <p:sldLayoutId id="2147483775" r:id="rId14"/>
-    <p:sldLayoutId id="2147483776" r:id="rId15"/>
-    <p:sldLayoutId id="2147483777" r:id="rId16"/>
-    <p:sldLayoutId id="2147483778" r:id="rId17"/>
+    <p:sldLayoutId id="2147483780" r:id="rId1"/>
+    <p:sldLayoutId id="2147483781" r:id="rId2"/>
+    <p:sldLayoutId id="2147483782" r:id="rId3"/>
+    <p:sldLayoutId id="2147483783" r:id="rId4"/>
+    <p:sldLayoutId id="2147483784" r:id="rId5"/>
+    <p:sldLayoutId id="2147483785" r:id="rId6"/>
+    <p:sldLayoutId id="2147483786" r:id="rId7"/>
+    <p:sldLayoutId id="2147483787" r:id="rId8"/>
+    <p:sldLayoutId id="2147483788" r:id="rId9"/>
+    <p:sldLayoutId id="2147483789" r:id="rId10"/>
+    <p:sldLayoutId id="2147483790" r:id="rId11"/>
+    <p:sldLayoutId id="2147483791" r:id="rId12"/>
+    <p:sldLayoutId id="2147483792" r:id="rId13"/>
+    <p:sldLayoutId id="2147483793" r:id="rId14"/>
+    <p:sldLayoutId id="2147483794" r:id="rId15"/>
+    <p:sldLayoutId id="2147483795" r:id="rId16"/>
+    <p:sldLayoutId id="2147483796" r:id="rId17"/>
   </p:sldLayoutIdLst>
-  <p:timing>
-    <p:tnLst>
-      <p:par>
-        <p:cTn id="1" dur="indefinite" restart="never" nodeType="tmRoot"/>
-      </p:par>
-    </p:tnLst>
-  </p:timing>
   <p:hf hdr="0" dt="0"/>
   <p:txStyles>
     <p:titleStyle>
@@ -7684,7 +7593,7 @@
           <a:spcPct val="0"/>
         </a:spcBef>
         <a:buNone/>
-        <a:defRPr sz="3600" b="0" i="0" kern="1200">
+        <a:defRPr sz="4200" b="0" i="0" kern="1200">
           <a:solidFill>
             <a:schemeClr val="tx2"/>
           </a:solidFill>
@@ -7761,7 +7670,7 @@
         <a:buClr>
           <a:schemeClr val="accent1"/>
         </a:buClr>
-        <a:buSzPct val="60000"/>
+        <a:buSzPct val="80000"/>
         <a:buFont typeface="Wingdings 3" charset="2"/>
         <a:buChar char=""/>
         <a:defRPr sz="2000" b="0" i="0" kern="1200">
@@ -7783,7 +7692,7 @@
         <a:buClr>
           <a:schemeClr val="accent1"/>
         </a:buClr>
-        <a:buSzPct val="60000"/>
+        <a:buSzPct val="80000"/>
         <a:buFont typeface="Wingdings 3" charset="2"/>
         <a:buChar char=""/>
         <a:defRPr sz="1800" b="0" i="0" kern="1200">
@@ -7805,7 +7714,7 @@
         <a:buClr>
           <a:schemeClr val="accent1"/>
         </a:buClr>
-        <a:buSzPct val="60000"/>
+        <a:buSzPct val="80000"/>
         <a:buFont typeface="Wingdings 3" charset="2"/>
         <a:buChar char=""/>
         <a:defRPr sz="1600" b="0" i="0" kern="1200">
@@ -7827,7 +7736,7 @@
         <a:buClr>
           <a:schemeClr val="accent1"/>
         </a:buClr>
-        <a:buSzPct val="60000"/>
+        <a:buSzPct val="80000"/>
         <a:buFont typeface="Wingdings 3" charset="2"/>
         <a:buChar char=""/>
         <a:defRPr sz="1400" b="0" i="0" kern="1200">
@@ -7849,7 +7758,7 @@
         <a:buClr>
           <a:schemeClr val="accent1"/>
         </a:buClr>
-        <a:buSzPct val="60000"/>
+        <a:buSzPct val="80000"/>
         <a:buFont typeface="Wingdings 3" charset="2"/>
         <a:buChar char=""/>
         <a:defRPr sz="1400" b="0" i="0" kern="1200">
@@ -8078,7 +7987,7 @@
         </p:nvSpPr>
         <p:spPr>
           <a:xfrm>
-            <a:off x="866440" y="1447801"/>
+            <a:off x="2390441" y="1447802"/>
             <a:ext cx="7645547" cy="3329581"/>
           </a:xfrm>
         </p:spPr>
@@ -8087,7 +7996,7 @@
           <a:lstStyle/>
           <a:p>
             <a:r>
-              <a:rPr lang="en-US" sz="5400" dirty="0" smtClean="0">
+              <a:rPr lang="en-US" sz="5400" dirty="0">
                 <a:solidFill>
                   <a:schemeClr val="accent6">
                     <a:lumMod val="60000"/>
@@ -8097,15 +8006,11 @@
               </a:rPr>
               <a:t>#10</a:t>
             </a:r>
-            <a:r>
-              <a:rPr lang="en-US" sz="5400" dirty="0" smtClean="0"/>
-              <a:t/>
-            </a:r>
             <a:br>
-              <a:rPr lang="en-US" sz="5400" dirty="0" smtClean="0"/>
+              <a:rPr lang="en-US" sz="5400" dirty="0"/>
             </a:br>
             <a:r>
-              <a:rPr lang="en-US" sz="5400" dirty="0" err="1" smtClean="0"/>
+              <a:rPr lang="en-US" sz="5400" dirty="0" err="1"/>
               <a:t>Blockchain</a:t>
             </a:r>
             <a:endParaRPr lang="en-US" sz="5400" dirty="0"/>
@@ -8124,7 +8029,7 @@
         </p:nvSpPr>
         <p:spPr>
           <a:xfrm>
-            <a:off x="866442" y="4777380"/>
+            <a:off x="2390442" y="4777380"/>
             <a:ext cx="7032958" cy="861420"/>
           </a:xfrm>
         </p:spPr>
@@ -8173,13 +8078,6 @@
   <p:clrMapOvr>
     <a:masterClrMapping/>
   </p:clrMapOvr>
-  <p:timing>
-    <p:tnLst>
-      <p:par>
-        <p:cTn id="1" dur="indefinite" restart="never" nodeType="tmRoot"/>
-      </p:par>
-    </p:tnLst>
-  </p:timing>
 </p:sld>
 </file>
 
@@ -8216,10 +8114,9 @@
           <a:lstStyle/>
           <a:p>
             <a:r>
-              <a:rPr lang="en-US" dirty="0" smtClean="0"/>
+              <a:rPr lang="en-US" dirty="0"/>
               <a:t>Hash demo</a:t>
             </a:r>
-            <a:endParaRPr lang="en-US" dirty="0"/>
           </a:p>
         </p:txBody>
       </p:sp>
@@ -8263,7 +8160,7 @@
         </p:blipFill>
         <p:spPr>
           <a:xfrm>
-            <a:off x="1477628" y="1694742"/>
+            <a:off x="3001628" y="1694742"/>
             <a:ext cx="5832768" cy="4296628"/>
           </a:xfrm>
           <a:prstGeom prst="rect">
@@ -8279,7 +8176,7 @@
         </p:nvSpPr>
         <p:spPr>
           <a:xfrm>
-            <a:off x="1037228" y="6315092"/>
+            <a:off x="2561229" y="6315093"/>
             <a:ext cx="6462215" cy="461665"/>
           </a:xfrm>
           <a:prstGeom prst="rect">
@@ -8309,13 +8206,6 @@
   <p:clrMapOvr>
     <a:masterClrMapping/>
   </p:clrMapOvr>
-  <p:timing>
-    <p:tnLst>
-      <p:par>
-        <p:cTn id="1" dur="indefinite" restart="never" nodeType="tmRoot"/>
-      </p:par>
-    </p:tnLst>
-  </p:timing>
 </p:sld>
 </file>
 
@@ -8352,10 +8242,9 @@
           <a:lstStyle/>
           <a:p>
             <a:r>
-              <a:rPr lang="en-US" dirty="0" smtClean="0"/>
+              <a:rPr lang="en-US" dirty="0"/>
               <a:t>Nonce and miner demo</a:t>
             </a:r>
-            <a:endParaRPr lang="en-US" dirty="0"/>
           </a:p>
         </p:txBody>
       </p:sp>
@@ -8371,7 +8260,7 @@
         </p:nvSpPr>
         <p:spPr>
           <a:xfrm>
-            <a:off x="827699" y="6118031"/>
+            <a:off x="2351700" y="6118031"/>
             <a:ext cx="7347309" cy="473838"/>
           </a:xfrm>
         </p:spPr>
@@ -8386,13 +8275,8 @@
             </a:pPr>
             <a:r>
               <a:rPr lang="en-US" sz="2400" dirty="0"/>
-              <a:t>https://</a:t>
-            </a:r>
-            <a:r>
-              <a:rPr lang="en-US" sz="2400" dirty="0" smtClean="0"/>
-              <a:t>anders.com/blockchain/blockchain.html</a:t>
-            </a:r>
-            <a:endParaRPr lang="en-US" sz="2400" dirty="0"/>
+              <a:t>https://anders.com/blockchain/blockchain.html</a:t>
+            </a:r>
           </a:p>
           <a:p>
             <a:pPr marL="0" indent="0">
@@ -8442,7 +8326,7 @@
         </p:blipFill>
         <p:spPr>
           <a:xfrm>
-            <a:off x="704870" y="1474380"/>
+            <a:off x="2228870" y="1474380"/>
             <a:ext cx="7567544" cy="4232694"/>
           </a:xfrm>
           <a:prstGeom prst="rect">
@@ -8460,13 +8344,6 @@
   <p:clrMapOvr>
     <a:masterClrMapping/>
   </p:clrMapOvr>
-  <p:timing>
-    <p:tnLst>
-      <p:par>
-        <p:cTn id="1" dur="indefinite" restart="never" nodeType="tmRoot"/>
-      </p:par>
-    </p:tnLst>
-  </p:timing>
 </p:sld>
 </file>
 
@@ -8503,10 +8380,9 @@
           <a:lstStyle/>
           <a:p>
             <a:r>
-              <a:rPr lang="en-US" dirty="0" smtClean="0"/>
+              <a:rPr lang="en-US" dirty="0"/>
               <a:t>Distributed Blocks</a:t>
             </a:r>
-            <a:endParaRPr lang="en-US" dirty="0"/>
           </a:p>
         </p:txBody>
       </p:sp>
@@ -8557,7 +8433,7 @@
         </p:blipFill>
         <p:spPr bwMode="auto">
           <a:xfrm>
-            <a:off x="878906" y="1330945"/>
+            <a:off x="2402906" y="1330945"/>
             <a:ext cx="7337046" cy="5110798"/>
           </a:xfrm>
           <a:prstGeom prst="rect">
@@ -8585,13 +8461,6 @@
   <p:clrMapOvr>
     <a:masterClrMapping/>
   </p:clrMapOvr>
-  <p:timing>
-    <p:tnLst>
-      <p:par>
-        <p:cTn id="1" dur="indefinite" restart="never" nodeType="tmRoot"/>
-      </p:par>
-    </p:tnLst>
-  </p:timing>
 </p:sld>
 </file>
 
@@ -8628,10 +8497,9 @@
           <a:lstStyle/>
           <a:p>
             <a:r>
-              <a:rPr lang="en-US" dirty="0" smtClean="0"/>
+              <a:rPr lang="en-US" dirty="0"/>
               <a:t>Mining</a:t>
             </a:r>
-            <a:endParaRPr lang="en-US" dirty="0"/>
           </a:p>
         </p:txBody>
       </p:sp>
@@ -8682,7 +8550,7 @@
         </p:blipFill>
         <p:spPr bwMode="auto">
           <a:xfrm>
-            <a:off x="947143" y="1118015"/>
+            <a:off x="2471144" y="1118016"/>
             <a:ext cx="7255161" cy="5583035"/>
           </a:xfrm>
           <a:prstGeom prst="rect">
@@ -8708,7 +8576,7 @@
         </p:nvSpPr>
         <p:spPr>
           <a:xfrm>
-            <a:off x="232012" y="1808297"/>
+            <a:off x="1756013" y="1808298"/>
             <a:ext cx="2113079" cy="461665"/>
           </a:xfrm>
           <a:prstGeom prst="rect">
@@ -8723,10 +8591,9 @@
           <a:lstStyle/>
           <a:p>
             <a:r>
-              <a:rPr lang="en-US" sz="2400" b="1" dirty="0" smtClean="0"/>
+              <a:rPr lang="en-US" sz="2400" b="1" dirty="0"/>
               <a:t>Proof of work</a:t>
             </a:r>
-            <a:endParaRPr lang="en-US" sz="2400" b="1" dirty="0"/>
           </a:p>
         </p:txBody>
       </p:sp>
@@ -8740,13 +8607,6 @@
   <p:clrMapOvr>
     <a:masterClrMapping/>
   </p:clrMapOvr>
-  <p:timing>
-    <p:tnLst>
-      <p:par>
-        <p:cTn id="1" dur="indefinite" restart="never" nodeType="tmRoot"/>
-      </p:par>
-    </p:tnLst>
-  </p:timing>
 </p:sld>
 </file>
 
@@ -8783,14 +8643,13 @@
           <a:lstStyle/>
           <a:p>
             <a:r>
-              <a:rPr lang="en-US" dirty="0" err="1" smtClean="0"/>
+              <a:rPr lang="en-US" dirty="0" err="1"/>
               <a:t>Blockchain</a:t>
             </a:r>
             <a:r>
-              <a:rPr lang="en-US" dirty="0" smtClean="0"/>
+              <a:rPr lang="en-US" dirty="0"/>
               <a:t> benefits</a:t>
             </a:r>
-            <a:endParaRPr lang="en-US" dirty="0"/>
           </a:p>
         </p:txBody>
       </p:sp>
@@ -8812,49 +8671,48 @@
           <a:lstStyle/>
           <a:p>
             <a:r>
-              <a:rPr lang="en-US" sz="2800" dirty="0" smtClean="0"/>
+              <a:rPr lang="en-US" sz="2800" dirty="0"/>
               <a:t>Traceability</a:t>
             </a:r>
           </a:p>
           <a:p>
             <a:r>
-              <a:rPr lang="en-US" sz="2800" dirty="0" smtClean="0"/>
+              <a:rPr lang="en-US" sz="2800" dirty="0"/>
               <a:t>Enhanced security</a:t>
             </a:r>
           </a:p>
           <a:p>
             <a:pPr lvl="1"/>
             <a:r>
-              <a:rPr lang="en-US" sz="2400" dirty="0" smtClean="0"/>
+              <a:rPr lang="en-US" sz="2400" dirty="0"/>
               <a:t>Update through consensus</a:t>
             </a:r>
           </a:p>
           <a:p>
             <a:pPr lvl="1"/>
             <a:r>
-              <a:rPr lang="en-US" sz="2400" dirty="0" smtClean="0"/>
+              <a:rPr lang="en-US" sz="2400" dirty="0"/>
               <a:t>Immutable (process integrity)</a:t>
             </a:r>
           </a:p>
           <a:p>
             <a:r>
-              <a:rPr lang="en-US" sz="2800" dirty="0" smtClean="0"/>
+              <a:rPr lang="en-US" sz="2800" dirty="0"/>
               <a:t>Efficiency and speed</a:t>
             </a:r>
           </a:p>
           <a:p>
             <a:pPr lvl="1"/>
             <a:r>
-              <a:rPr lang="en-US" sz="2600" dirty="0" smtClean="0"/>
+              <a:rPr lang="en-US" sz="2600" dirty="0"/>
               <a:t>Fast processing with distributed technologies</a:t>
             </a:r>
           </a:p>
           <a:p>
             <a:r>
-              <a:rPr lang="en-US" sz="2800" dirty="0" smtClean="0"/>
+              <a:rPr lang="en-US" sz="2800" dirty="0"/>
               <a:t>Reduced costs </a:t>
             </a:r>
-            <a:endParaRPr lang="en-US" sz="2800" dirty="0"/>
           </a:p>
         </p:txBody>
       </p:sp>
@@ -8892,13 +8750,6 @@
   <p:clrMapOvr>
     <a:masterClrMapping/>
   </p:clrMapOvr>
-  <p:timing>
-    <p:tnLst>
-      <p:par>
-        <p:cTn id="1" dur="indefinite" restart="never" nodeType="tmRoot"/>
-      </p:par>
-    </p:tnLst>
-  </p:timing>
 </p:sld>
 </file>
 
@@ -8935,116 +8786,102 @@
           <a:lstStyle/>
           <a:p>
             <a:r>
-              <a:rPr lang="en-US" dirty="0" err="1" smtClean="0"/>
+              <a:rPr lang="en-US" dirty="0" err="1"/>
               <a:t>Blockchain</a:t>
             </a:r>
             <a:r>
               <a:rPr lang="en-US" dirty="0"/>
+              <a:t> scenario examples</a:t>
+            </a:r>
+          </a:p>
+        </p:txBody>
+      </p:sp>
+      <p:sp>
+        <p:nvSpPr>
+          <p:cNvPr id="3" name="Content Placeholder 2"/>
+          <p:cNvSpPr>
+            <a:spLocks noGrp="1"/>
+          </p:cNvSpPr>
+          <p:nvPr>
+            <p:ph idx="1"/>
+          </p:nvPr>
+        </p:nvSpPr>
+        <p:spPr/>
+        <p:txBody>
+          <a:bodyPr>
+            <a:normAutofit fontScale="92500" lnSpcReduction="10000"/>
+          </a:bodyPr>
+          <a:lstStyle/>
+          <a:p>
+            <a:r>
+              <a:rPr lang="en-US" sz="2400" dirty="0"/>
+              <a:t>Electronic voting</a:t>
+            </a:r>
+            <a:endParaRPr lang="th-TH" sz="2400" dirty="0"/>
+          </a:p>
+          <a:p>
+            <a:r>
+              <a:rPr lang="en-US" sz="2400" dirty="0"/>
+              <a:t>Car auction</a:t>
+            </a:r>
+          </a:p>
+          <a:p>
+            <a:r>
+              <a:rPr lang="en-US" sz="2400" dirty="0"/>
+              <a:t>Land</a:t>
+            </a:r>
+            <a:r>
+              <a:rPr lang="th-TH" sz="2400" dirty="0"/>
               <a:t> </a:t>
             </a:r>
             <a:r>
-              <a:rPr lang="en-US" dirty="0" smtClean="0"/>
-              <a:t>scenario examples</a:t>
-            </a:r>
-            <a:endParaRPr lang="en-US" dirty="0"/>
-          </a:p>
-        </p:txBody>
-      </p:sp>
-      <p:sp>
-        <p:nvSpPr>
-          <p:cNvPr id="3" name="Content Placeholder 2"/>
-          <p:cNvSpPr>
-            <a:spLocks noGrp="1"/>
-          </p:cNvSpPr>
-          <p:nvPr>
-            <p:ph idx="1"/>
-          </p:nvPr>
-        </p:nvSpPr>
-        <p:spPr/>
-        <p:txBody>
-          <a:bodyPr>
-            <a:normAutofit fontScale="92500" lnSpcReduction="20000"/>
-          </a:bodyPr>
-          <a:lstStyle/>
-          <a:p>
-            <a:r>
-              <a:rPr lang="en-US" sz="2400" dirty="0" smtClean="0"/>
-              <a:t>Electronic voting</a:t>
-            </a:r>
-            <a:endParaRPr lang="th-TH" sz="2400" dirty="0" smtClean="0"/>
-          </a:p>
-          <a:p>
-            <a:r>
-              <a:rPr lang="en-US" sz="2400" dirty="0" smtClean="0"/>
-              <a:t>Car auction</a:t>
-            </a:r>
-          </a:p>
-          <a:p>
-            <a:r>
-              <a:rPr lang="en-US" sz="2400" dirty="0" smtClean="0"/>
-              <a:t>Land</a:t>
-            </a:r>
-            <a:r>
-              <a:rPr lang="th-TH" sz="2400" dirty="0" smtClean="0"/>
-              <a:t> </a:t>
-            </a:r>
-            <a:r>
-              <a:rPr lang="en-US" sz="2400" dirty="0" smtClean="0"/>
+              <a:rPr lang="en-US" sz="2400" dirty="0"/>
               <a:t>lord and title deed</a:t>
             </a:r>
           </a:p>
           <a:p>
             <a:pPr lvl="1"/>
             <a:r>
-              <a:rPr lang="en-US" sz="2000" dirty="0" smtClean="0"/>
+              <a:rPr lang="en-US" sz="2000" dirty="0"/>
               <a:t>In the case of untrusted government</a:t>
             </a:r>
           </a:p>
           <a:p>
             <a:pPr lvl="2"/>
             <a:r>
-              <a:rPr lang="en-US" sz="1800" dirty="0" err="1" smtClean="0"/>
+              <a:rPr lang="en-US" sz="1800" dirty="0" err="1"/>
               <a:t>Blockchain</a:t>
             </a:r>
             <a:r>
-              <a:rPr lang="en-US" sz="1800" dirty="0" smtClean="0"/>
+              <a:rPr lang="en-US" sz="1800" dirty="0"/>
               <a:t> helps to prove that you are the real landlord without a title deed issued by untrusted government</a:t>
             </a:r>
           </a:p>
           <a:p>
             <a:r>
-              <a:rPr lang="en-US" sz="2400" dirty="0" smtClean="0"/>
+              <a:rPr lang="en-US" sz="2400" dirty="0"/>
               <a:t>Room/Hotel business</a:t>
             </a:r>
           </a:p>
           <a:p>
             <a:pPr lvl="1"/>
             <a:r>
-              <a:rPr lang="en-US" sz="2000" dirty="0" smtClean="0"/>
-              <a:t>No any centralized agent, </a:t>
-            </a:r>
-            <a:r>
               <a:rPr lang="en-US" sz="2000" dirty="0"/>
-              <a:t>r</a:t>
-            </a:r>
-            <a:r>
-              <a:rPr lang="en-US" sz="2000" dirty="0" smtClean="0"/>
-              <a:t>oom owners and renters are directly connected through smart contracts</a:t>
-            </a:r>
-          </a:p>
-          <a:p>
-            <a:r>
-              <a:rPr lang="en-US" sz="2400" dirty="0" smtClean="0"/>
+              <a:t>No any centralized agent, room owners and renters are directly connected through smart contracts</a:t>
+            </a:r>
+          </a:p>
+          <a:p>
+            <a:r>
+              <a:rPr lang="en-US" sz="2400" dirty="0"/>
               <a:t>Money changer</a:t>
             </a:r>
           </a:p>
           <a:p>
             <a:pPr lvl="1"/>
             <a:r>
-              <a:rPr lang="en-US" sz="2000" dirty="0" smtClean="0"/>
+              <a:rPr lang="en-US" sz="2000" dirty="0"/>
               <a:t>Less exchange fee, fast (without physical boundary) and secure</a:t>
             </a:r>
-            <a:endParaRPr lang="en-US" sz="2000" dirty="0"/>
           </a:p>
         </p:txBody>
       </p:sp>
@@ -9082,13 +8919,6 @@
   <p:clrMapOvr>
     <a:masterClrMapping/>
   </p:clrMapOvr>
-  <p:timing>
-    <p:tnLst>
-      <p:par>
-        <p:cTn id="1" dur="indefinite" restart="never" nodeType="tmRoot"/>
-      </p:par>
-    </p:tnLst>
-  </p:timing>
 </p:sld>
 </file>
 
@@ -9125,14 +8955,13 @@
           <a:lstStyle/>
           <a:p>
             <a:r>
-              <a:rPr lang="en-US" dirty="0" err="1" smtClean="0"/>
+              <a:rPr lang="en-US" dirty="0" err="1"/>
               <a:t>Blockchain</a:t>
             </a:r>
             <a:r>
-              <a:rPr lang="en-US" dirty="0" smtClean="0"/>
+              <a:rPr lang="en-US" dirty="0"/>
               <a:t> types</a:t>
             </a:r>
-            <a:endParaRPr lang="en-US" dirty="0"/>
           </a:p>
         </p:txBody>
       </p:sp>
@@ -9148,7 +8977,7 @@
         </p:nvSpPr>
         <p:spPr>
           <a:xfrm>
-            <a:off x="484710" y="1600201"/>
+            <a:off x="2008710" y="1600201"/>
             <a:ext cx="7910534" cy="4648206"/>
           </a:xfrm>
         </p:spPr>
@@ -9159,44 +8988,44 @@
           <a:lstStyle/>
           <a:p>
             <a:r>
-              <a:rPr lang="en-US" dirty="0" smtClean="0"/>
+              <a:rPr lang="en-US" dirty="0"/>
               <a:t>Public </a:t>
             </a:r>
             <a:r>
-              <a:rPr lang="en-US" dirty="0" err="1" smtClean="0"/>
+              <a:rPr lang="en-US" dirty="0" err="1"/>
               <a:t>Blockchains</a:t>
             </a:r>
-            <a:endParaRPr lang="en-US" dirty="0" smtClean="0"/>
+            <a:endParaRPr lang="en-US" dirty="0"/>
           </a:p>
           <a:p>
             <a:pPr lvl="1"/>
             <a:r>
-              <a:rPr lang="en-US" dirty="0" smtClean="0"/>
+              <a:rPr lang="en-US" dirty="0"/>
               <a:t>All participants are anonymous members</a:t>
             </a:r>
           </a:p>
           <a:p>
             <a:pPr lvl="2"/>
             <a:r>
-              <a:rPr lang="en-US" dirty="0" smtClean="0"/>
+              <a:rPr lang="en-US" dirty="0"/>
               <a:t>Not suitable for business</a:t>
             </a:r>
           </a:p>
           <a:p>
             <a:pPr lvl="1"/>
             <a:r>
-              <a:rPr lang="en-US" dirty="0" smtClean="0"/>
+              <a:rPr lang="en-US" dirty="0"/>
               <a:t>Competition (Proof of Works) </a:t>
             </a:r>
-            <a:endParaRPr lang="th-TH" dirty="0" smtClean="0"/>
+            <a:endParaRPr lang="th-TH" dirty="0"/>
           </a:p>
           <a:p>
             <a:pPr lvl="1"/>
             <a:r>
-              <a:rPr lang="en-US" dirty="0" smtClean="0"/>
+              <a:rPr lang="en-US" dirty="0"/>
               <a:t>Crypto currency &amp; Reward</a:t>
             </a:r>
-            <a:endParaRPr lang="th-TH" dirty="0" smtClean="0"/>
+            <a:endParaRPr lang="th-TH" dirty="0"/>
           </a:p>
           <a:p>
             <a:pPr marL="457200" lvl="1" indent="0">
@@ -9208,86 +9037,81 @@
             <a:pPr marL="457200" lvl="1" indent="0">
               <a:buNone/>
             </a:pPr>
-            <a:endParaRPr lang="th-TH" dirty="0" smtClean="0"/>
-          </a:p>
-          <a:p>
-            <a:r>
-              <a:rPr lang="en-US" dirty="0" smtClean="0"/>
+            <a:endParaRPr lang="th-TH" dirty="0"/>
+          </a:p>
+          <a:p>
+            <a:r>
+              <a:rPr lang="en-US" dirty="0"/>
               <a:t>Private </a:t>
             </a:r>
             <a:r>
-              <a:rPr lang="en-US" dirty="0" err="1" smtClean="0"/>
+              <a:rPr lang="en-US" dirty="0" err="1"/>
               <a:t>Blockchains</a:t>
             </a:r>
             <a:r>
-              <a:rPr lang="th-TH" dirty="0" smtClean="0"/>
+              <a:rPr lang="th-TH" dirty="0"/>
               <a:t> </a:t>
             </a:r>
             <a:r>
-              <a:rPr lang="en-US" dirty="0" smtClean="0"/>
+              <a:rPr lang="en-US" dirty="0"/>
               <a:t>(or Permissioned </a:t>
             </a:r>
             <a:r>
-              <a:rPr lang="en-US" dirty="0" err="1" smtClean="0"/>
+              <a:rPr lang="en-US" dirty="0" err="1"/>
               <a:t>Blockchains</a:t>
             </a:r>
             <a:r>
-              <a:rPr lang="en-US" dirty="0" smtClean="0"/>
+              <a:rPr lang="en-US" dirty="0"/>
               <a:t>)</a:t>
             </a:r>
           </a:p>
           <a:p>
             <a:pPr lvl="1"/>
             <a:r>
-              <a:rPr lang="en-US" dirty="0" smtClean="0"/>
-              <a:t>Permissioned DLT </a:t>
-            </a:r>
-            <a:r>
               <a:rPr lang="en-US" dirty="0"/>
-              <a:t>– Distributed </a:t>
-            </a:r>
-            <a:r>
-              <a:rPr lang="en-US" dirty="0" err="1" smtClean="0"/>
+              <a:t>Permissioned DLT – Distributed </a:t>
+            </a:r>
+            <a:r>
+              <a:rPr lang="en-US" dirty="0" err="1"/>
               <a:t>Hyperledgers</a:t>
             </a:r>
-            <a:endParaRPr lang="en-US" dirty="0" smtClean="0"/>
+            <a:endParaRPr lang="en-US" dirty="0"/>
           </a:p>
           <a:p>
             <a:pPr lvl="1"/>
             <a:r>
-              <a:rPr lang="en-US" dirty="0" smtClean="0"/>
+              <a:rPr lang="en-US" dirty="0"/>
               <a:t>Identity module</a:t>
             </a:r>
             <a:r>
-              <a:rPr lang="th-TH" dirty="0" smtClean="0"/>
+              <a:rPr lang="th-TH" dirty="0"/>
               <a:t>  </a:t>
             </a:r>
             <a:r>
-              <a:rPr lang="en-US" dirty="0" smtClean="0"/>
+              <a:rPr lang="en-US" dirty="0"/>
               <a:t>&amp; Confidential transaction</a:t>
             </a:r>
           </a:p>
           <a:p>
             <a:pPr lvl="1"/>
             <a:r>
-              <a:rPr lang="en-US" dirty="0" smtClean="0"/>
+              <a:rPr lang="en-US" dirty="0"/>
               <a:t>No Cryptocurrency &amp; programmable (automate business logic)</a:t>
             </a:r>
           </a:p>
           <a:p>
             <a:pPr lvl="1"/>
             <a:r>
-              <a:rPr lang="en-US" dirty="0" smtClean="0"/>
+              <a:rPr lang="en-US" dirty="0"/>
               <a:t>No competition (and incentive) since participants are identified</a:t>
             </a:r>
           </a:p>
           <a:p>
             <a:pPr lvl="2"/>
             <a:r>
-              <a:rPr lang="en-US" dirty="0" smtClean="0"/>
+              <a:rPr lang="en-US" dirty="0"/>
               <a:t>Participants will be kicked out if they are cheating</a:t>
             </a:r>
-            <a:endParaRPr lang="en-US" dirty="0"/>
           </a:p>
           <a:p>
             <a:endParaRPr lang="en-US" dirty="0"/>
@@ -9341,7 +9165,7 @@
         </p:blipFill>
         <p:spPr bwMode="auto">
           <a:xfrm>
-            <a:off x="5431807" y="2356968"/>
+            <a:off x="6955808" y="2356969"/>
             <a:ext cx="3507477" cy="1660213"/>
           </a:xfrm>
           <a:prstGeom prst="rect">
@@ -9369,13 +9193,6 @@
   <p:clrMapOvr>
     <a:masterClrMapping/>
   </p:clrMapOvr>
-  <p:timing>
-    <p:tnLst>
-      <p:par>
-        <p:cTn id="1" dur="indefinite" restart="never" nodeType="tmRoot"/>
-      </p:par>
-    </p:tnLst>
-  </p:timing>
 </p:sld>
 </file>
 
@@ -9412,11 +9229,11 @@
           <a:lstStyle/>
           <a:p>
             <a:r>
-              <a:rPr lang="en-US" dirty="0" smtClean="0"/>
+              <a:rPr lang="en-US" dirty="0"/>
               <a:t>Private </a:t>
             </a:r>
             <a:r>
-              <a:rPr lang="en-US" dirty="0" err="1" smtClean="0"/>
+              <a:rPr lang="en-US" dirty="0" err="1"/>
               <a:t>Blockchains</a:t>
             </a:r>
             <a:endParaRPr lang="en-US" dirty="0"/>
@@ -9441,100 +9258,100 @@
           <a:lstStyle/>
           <a:p>
             <a:r>
-              <a:rPr lang="en-US" sz="2800" dirty="0" smtClean="0"/>
+              <a:rPr lang="en-US" sz="2800" dirty="0"/>
               <a:t>Enterprise </a:t>
             </a:r>
             <a:r>
-              <a:rPr lang="en-US" sz="2800" dirty="0" err="1" smtClean="0"/>
+              <a:rPr lang="en-US" sz="2800" dirty="0" err="1"/>
               <a:t>blockchains</a:t>
             </a:r>
             <a:r>
-              <a:rPr lang="en-US" sz="2800" dirty="0" smtClean="0"/>
+              <a:rPr lang="en-US" sz="2800" dirty="0"/>
               <a:t> developer</a:t>
             </a:r>
           </a:p>
           <a:p>
             <a:r>
-              <a:rPr lang="en-US" sz="2800" dirty="0" smtClean="0"/>
+              <a:rPr lang="en-US" sz="2800" dirty="0"/>
               <a:t>Tools for full stack </a:t>
             </a:r>
             <a:r>
-              <a:rPr lang="en-US" sz="2800" dirty="0" err="1" smtClean="0"/>
+              <a:rPr lang="en-US" sz="2800" dirty="0" err="1"/>
               <a:t>blockchains</a:t>
             </a:r>
             <a:r>
-              <a:rPr lang="en-US" sz="2800" dirty="0" smtClean="0"/>
+              <a:rPr lang="en-US" sz="2800" dirty="0"/>
               <a:t>:</a:t>
             </a:r>
           </a:p>
           <a:p>
             <a:pPr lvl="1"/>
             <a:r>
-              <a:rPr lang="en-US" sz="2400" dirty="0" err="1" smtClean="0"/>
+              <a:rPr lang="en-US" sz="2400" dirty="0" err="1"/>
               <a:t>Hyperledger</a:t>
             </a:r>
             <a:r>
-              <a:rPr lang="en-US" sz="2400" dirty="0" smtClean="0"/>
+              <a:rPr lang="en-US" sz="2400" dirty="0"/>
               <a:t> composer</a:t>
             </a:r>
           </a:p>
           <a:p>
             <a:pPr lvl="2"/>
             <a:r>
-              <a:rPr lang="en-US" sz="2000" dirty="0" smtClean="0"/>
+              <a:rPr lang="en-US" sz="2000" dirty="0"/>
               <a:t>Focus on business network:</a:t>
             </a:r>
           </a:p>
           <a:p>
             <a:pPr lvl="3"/>
             <a:r>
-              <a:rPr lang="en-US" sz="1800" dirty="0" smtClean="0"/>
+              <a:rPr lang="en-US" sz="1800" dirty="0"/>
               <a:t>participants, identity, assets, transaction</a:t>
             </a:r>
           </a:p>
           <a:p>
             <a:pPr lvl="2"/>
             <a:r>
-              <a:rPr lang="en-US" sz="2000" dirty="0" err="1" smtClean="0"/>
+              <a:rPr lang="en-US" sz="2000" dirty="0" err="1"/>
               <a:t>Blockchain</a:t>
             </a:r>
             <a:r>
-              <a:rPr lang="en-US" sz="2000" dirty="0" smtClean="0"/>
+              <a:rPr lang="en-US" sz="2000" dirty="0"/>
               <a:t> applications (</a:t>
             </a:r>
             <a:r>
-              <a:rPr lang="en-US" sz="2000" dirty="0" err="1" smtClean="0"/>
+              <a:rPr lang="en-US" sz="2000" dirty="0" err="1"/>
               <a:t>DApp</a:t>
             </a:r>
             <a:r>
-              <a:rPr lang="en-US" sz="2000" dirty="0" smtClean="0"/>
+              <a:rPr lang="en-US" sz="2000" dirty="0"/>
               <a:t>)</a:t>
             </a:r>
-            <a:endParaRPr lang="en-US" sz="1800" dirty="0" smtClean="0"/>
+            <a:endParaRPr lang="en-US" sz="1800" dirty="0"/>
           </a:p>
           <a:p>
             <a:pPr lvl="1"/>
             <a:r>
-              <a:rPr lang="en-US" sz="2400" dirty="0" err="1" smtClean="0"/>
+              <a:rPr lang="en-US" sz="2400" dirty="0" err="1"/>
               <a:t>Hyperledger</a:t>
             </a:r>
             <a:r>
-              <a:rPr lang="en-US" sz="2400" dirty="0" smtClean="0"/>
+              <a:rPr lang="en-US" sz="2400" dirty="0"/>
               <a:t> fabric</a:t>
             </a:r>
           </a:p>
           <a:p>
             <a:pPr lvl="2"/>
             <a:r>
-              <a:rPr lang="en-US" sz="2000" dirty="0" smtClean="0"/>
+              <a:rPr lang="en-US" sz="2000" dirty="0"/>
               <a:t>Focus on peers, </a:t>
             </a:r>
             <a:r>
-              <a:rPr lang="en-US" sz="2000" dirty="0" err="1" smtClean="0"/>
+              <a:rPr lang="en-US" sz="2000" dirty="0" err="1"/>
               <a:t>chaincode</a:t>
             </a:r>
             <a:r>
-              <a:rPr lang="en-US" sz="2000" dirty="0" smtClean="0"/>
+              <a:rPr lang="en-US" sz="2000" dirty="0"/>
               <a:t>, consensus</a:t>
             </a:r>
           </a:p>
@@ -9545,7 +9362,7 @@
               <a:t>Backend </a:t>
             </a:r>
             <a:r>
-              <a:rPr lang="en-US" sz="2000" dirty="0" err="1" smtClean="0"/>
+              <a:rPr lang="en-US" sz="2000" dirty="0" err="1"/>
               <a:t>blockchains</a:t>
             </a:r>
             <a:endParaRPr lang="en-US" sz="2000" dirty="0"/>
@@ -9586,13 +9403,6 @@
   <p:clrMapOvr>
     <a:masterClrMapping/>
   </p:clrMapOvr>
-  <p:timing>
-    <p:tnLst>
-      <p:par>
-        <p:cTn id="1" dur="indefinite" restart="never" nodeType="tmRoot"/>
-      </p:par>
-    </p:tnLst>
-  </p:timing>
 </p:sld>
 </file>
 
@@ -9629,38 +9439,37 @@
           <a:lstStyle/>
           <a:p>
             <a:r>
-              <a:rPr lang="en-US" dirty="0" err="1" smtClean="0"/>
-              <a:t>Hyperledger</a:t>
-            </a:r>
-            <a:r>
-              <a:rPr lang="en-US" dirty="0" smtClean="0"/>
-              <a:t> Composer</a:t>
-            </a:r>
-            <a:endParaRPr lang="en-US" dirty="0"/>
-          </a:p>
-        </p:txBody>
-      </p:sp>
-      <p:sp>
-        <p:nvSpPr>
-          <p:cNvPr id="3" name="Content Placeholder 2"/>
-          <p:cNvSpPr>
-            <a:spLocks noGrp="1"/>
-          </p:cNvSpPr>
-          <p:nvPr>
-            <p:ph idx="1"/>
-          </p:nvPr>
-        </p:nvSpPr>
-        <p:spPr/>
-        <p:txBody>
-          <a:bodyPr/>
-          <a:lstStyle/>
-          <a:p>
-            <a:r>
               <a:rPr lang="en-US" dirty="0" err="1"/>
               <a:t>Hyperledger</a:t>
             </a:r>
             <a:r>
               <a:rPr lang="en-US" dirty="0"/>
+              <a:t> Composer</a:t>
+            </a:r>
+          </a:p>
+        </p:txBody>
+      </p:sp>
+      <p:sp>
+        <p:nvSpPr>
+          <p:cNvPr id="3" name="Content Placeholder 2"/>
+          <p:cNvSpPr>
+            <a:spLocks noGrp="1"/>
+          </p:cNvSpPr>
+          <p:nvPr>
+            <p:ph idx="1"/>
+          </p:nvPr>
+        </p:nvSpPr>
+        <p:spPr/>
+        <p:txBody>
+          <a:bodyPr/>
+          <a:lstStyle/>
+          <a:p>
+            <a:r>
+              <a:rPr lang="en-US" dirty="0" err="1"/>
+              <a:t>Hyperledger</a:t>
+            </a:r>
+            <a:r>
+              <a:rPr lang="en-US" dirty="0"/>
               <a:t> Composer is an extensive, open development toolset and framework to make developing </a:t>
             </a:r>
             <a:r>
@@ -9669,21 +9478,13 @@
             </a:r>
             <a:r>
               <a:rPr lang="en-US" dirty="0"/>
-              <a:t> applications easier</a:t>
-            </a:r>
-            <a:r>
-              <a:rPr lang="en-US" dirty="0" smtClean="0"/>
-              <a:t>.</a:t>
-            </a:r>
-          </a:p>
-          <a:p>
-            <a:r>
-              <a:rPr lang="en-US" dirty="0" smtClean="0"/>
-              <a:t>It </a:t>
-            </a:r>
+              <a:t> applications easier.</a:t>
+            </a:r>
+          </a:p>
+          <a:p>
             <a:r>
               <a:rPr lang="en-US" dirty="0"/>
-              <a:t>simplifies application development on top of the </a:t>
+              <a:t>It simplifies application development on top of the </a:t>
             </a:r>
             <a:r>
               <a:rPr lang="en-US" dirty="0" err="1"/>
@@ -9699,49 +9500,28 @@
             </a:r>
             <a:r>
               <a:rPr lang="en-US" dirty="0"/>
-              <a:t> </a:t>
-            </a:r>
-            <a:r>
-              <a:rPr lang="en-US" dirty="0" smtClean="0"/>
-              <a:t>infrastructure</a:t>
+              <a:t> infrastructure</a:t>
             </a:r>
           </a:p>
           <a:p>
             <a:pPr lvl="1"/>
             <a:r>
-              <a:rPr lang="en-US" dirty="0" smtClean="0"/>
-              <a:t>which </a:t>
-            </a:r>
-            <a:r>
               <a:rPr lang="en-US" dirty="0"/>
-              <a:t>allows components, such as consensus and membership services, to be plug-and-play. </a:t>
-            </a:r>
-            <a:endParaRPr lang="en-US" dirty="0" smtClean="0"/>
-          </a:p>
-          <a:p>
-            <a:r>
-              <a:rPr lang="en-US" dirty="0" smtClean="0"/>
-              <a:t>Model a business </a:t>
-            </a:r>
+              <a:t>which allows components, such as consensus and membership services, to be plug-and-play. </a:t>
+            </a:r>
+          </a:p>
+          <a:p>
             <a:r>
               <a:rPr lang="en-US" dirty="0"/>
-              <a:t>network and integrate existing systems and data with </a:t>
-            </a:r>
-            <a:r>
-              <a:rPr lang="en-US" dirty="0" smtClean="0"/>
-              <a:t>the </a:t>
-            </a:r>
-            <a:r>
-              <a:rPr lang="en-US" dirty="0" err="1" smtClean="0"/>
+              <a:t>Model a business network and integrate existing systems and data with the </a:t>
+            </a:r>
+            <a:r>
+              <a:rPr lang="en-US" dirty="0" err="1"/>
               <a:t>blockchain</a:t>
             </a:r>
             <a:r>
-              <a:rPr lang="en-US" dirty="0" smtClean="0"/>
-              <a:t> </a:t>
-            </a:r>
-            <a:r>
               <a:rPr lang="en-US" dirty="0"/>
-              <a:t>applications.</a:t>
+              <a:t> applications.</a:t>
             </a:r>
           </a:p>
         </p:txBody>
@@ -9780,13 +9560,6 @@
   <p:clrMapOvr>
     <a:masterClrMapping/>
   </p:clrMapOvr>
-  <p:timing>
-    <p:tnLst>
-      <p:par>
-        <p:cTn id="1" dur="indefinite" restart="never" nodeType="tmRoot"/>
-      </p:par>
-    </p:tnLst>
-  </p:timing>
 </p:sld>
 </file>
 
@@ -9819,7 +9592,7 @@
         </p:nvSpPr>
         <p:spPr>
           <a:xfrm>
-            <a:off x="464161" y="452718"/>
+            <a:off x="1988162" y="452718"/>
             <a:ext cx="7446939" cy="690282"/>
           </a:xfrm>
         </p:spPr>
@@ -9828,14 +9601,13 @@
           <a:lstStyle/>
           <a:p>
             <a:r>
-              <a:rPr lang="en-US" dirty="0" err="1" smtClean="0"/>
+              <a:rPr lang="en-US" dirty="0" err="1"/>
               <a:t>Hyperledger</a:t>
             </a:r>
             <a:r>
-              <a:rPr lang="en-US" dirty="0" smtClean="0"/>
+              <a:rPr lang="en-US" dirty="0"/>
               <a:t> Composer &amp; Fabric</a:t>
             </a:r>
-            <a:endParaRPr lang="en-US" dirty="0"/>
           </a:p>
         </p:txBody>
       </p:sp>
@@ -9886,7 +9658,7 @@
         </p:blipFill>
         <p:spPr bwMode="auto">
           <a:xfrm>
-            <a:off x="484710" y="1817747"/>
+            <a:off x="2008711" y="1817747"/>
             <a:ext cx="8302777" cy="4001140"/>
           </a:xfrm>
           <a:prstGeom prst="rect">
@@ -9914,13 +9686,6 @@
   <p:clrMapOvr>
     <a:masterClrMapping/>
   </p:clrMapOvr>
-  <p:timing>
-    <p:tnLst>
-      <p:par>
-        <p:cTn id="1" dur="indefinite" restart="never" nodeType="tmRoot"/>
-      </p:par>
-    </p:tnLst>
-  </p:timing>
 </p:sld>
 </file>
 
@@ -9957,10 +9722,9 @@
           <a:lstStyle/>
           <a:p>
             <a:r>
-              <a:rPr lang="en-US" dirty="0" smtClean="0"/>
+              <a:rPr lang="en-US" dirty="0"/>
               <a:t>Outline</a:t>
             </a:r>
-            <a:endParaRPr lang="en-US" dirty="0"/>
           </a:p>
         </p:txBody>
       </p:sp>
@@ -9977,70 +9741,70 @@
         <p:spPr/>
         <p:txBody>
           <a:bodyPr>
-            <a:normAutofit/>
+            <a:normAutofit lnSpcReduction="10000"/>
           </a:bodyPr>
           <a:lstStyle/>
           <a:p>
             <a:r>
-              <a:rPr lang="en-US" sz="3200" dirty="0" smtClean="0"/>
+              <a:rPr lang="en-US" sz="3200" dirty="0"/>
               <a:t>Trust and problem</a:t>
             </a:r>
           </a:p>
           <a:p>
             <a:r>
-              <a:rPr lang="en-US" sz="3200" dirty="0" smtClean="0"/>
+              <a:rPr lang="en-US" sz="3200" dirty="0"/>
               <a:t>Why </a:t>
             </a:r>
             <a:r>
-              <a:rPr lang="en-US" sz="3200" dirty="0" err="1" smtClean="0"/>
+              <a:rPr lang="en-US" sz="3200" dirty="0" err="1"/>
               <a:t>Blockchains</a:t>
             </a:r>
-            <a:endParaRPr lang="en-US" sz="3200" dirty="0" smtClean="0"/>
-          </a:p>
-          <a:p>
-            <a:r>
-              <a:rPr lang="en-US" sz="3200" dirty="0" smtClean="0"/>
+            <a:endParaRPr lang="en-US" sz="3200" dirty="0"/>
+          </a:p>
+          <a:p>
+            <a:r>
+              <a:rPr lang="en-US" sz="3200" dirty="0"/>
               <a:t>How it works</a:t>
             </a:r>
           </a:p>
           <a:p>
             <a:r>
-              <a:rPr lang="en-US" sz="3200" dirty="0" err="1" smtClean="0"/>
+              <a:rPr lang="en-US" sz="3200" dirty="0" err="1"/>
               <a:t>Blockchain</a:t>
             </a:r>
             <a:r>
-              <a:rPr lang="en-US" sz="3200" dirty="0" smtClean="0"/>
+              <a:rPr lang="en-US" sz="3200" dirty="0"/>
               <a:t> benefits</a:t>
             </a:r>
           </a:p>
           <a:p>
             <a:r>
-              <a:rPr lang="en-US" sz="3200" dirty="0" err="1" smtClean="0"/>
+              <a:rPr lang="en-US" sz="3200" dirty="0" err="1"/>
               <a:t>Blockchain</a:t>
             </a:r>
             <a:r>
-              <a:rPr lang="en-US" sz="3200" dirty="0" smtClean="0"/>
+              <a:rPr lang="en-US" sz="3200" dirty="0"/>
               <a:t> types</a:t>
             </a:r>
           </a:p>
           <a:p>
             <a:r>
-              <a:rPr lang="en-US" sz="3200" dirty="0" err="1" smtClean="0"/>
+              <a:rPr lang="en-US" sz="3200" dirty="0" err="1"/>
               <a:t>Hyperledger</a:t>
             </a:r>
             <a:r>
-              <a:rPr lang="en-US" sz="3200" dirty="0" smtClean="0"/>
+              <a:rPr lang="en-US" sz="3200" dirty="0"/>
               <a:t> composer</a:t>
             </a:r>
           </a:p>
           <a:p>
             <a:pPr lvl="1"/>
             <a:r>
-              <a:rPr lang="en-US" sz="3000" dirty="0" smtClean="0"/>
+              <a:rPr lang="en-US" sz="3000" dirty="0"/>
               <a:t>Scenario: </a:t>
             </a:r>
             <a:r>
-              <a:rPr lang="en-US" sz="3000" dirty="0" err="1" smtClean="0"/>
+              <a:rPr lang="en-US" sz="3000" dirty="0" err="1"/>
               <a:t>carauction</a:t>
             </a:r>
             <a:endParaRPr lang="en-US" sz="3000" dirty="0"/>
@@ -10081,13 +9845,6 @@
   <p:clrMapOvr>
     <a:masterClrMapping/>
   </p:clrMapOvr>
-  <p:timing>
-    <p:tnLst>
-      <p:par>
-        <p:cTn id="1" dur="indefinite" restart="never" nodeType="tmRoot"/>
-      </p:par>
-    </p:tnLst>
-  </p:timing>
 </p:sld>
 </file>
 
@@ -10181,7 +9938,7 @@
         </p:blipFill>
         <p:spPr bwMode="auto">
           <a:xfrm>
-            <a:off x="423066" y="1766711"/>
+            <a:off x="1947066" y="1766712"/>
             <a:ext cx="8494904" cy="4847759"/>
           </a:xfrm>
           <a:prstGeom prst="rect">
@@ -10207,7 +9964,7 @@
         </p:nvSpPr>
         <p:spPr>
           <a:xfrm>
-            <a:off x="3400746" y="1384889"/>
+            <a:off x="4924746" y="1384889"/>
             <a:ext cx="5095148" cy="369332"/>
           </a:xfrm>
           <a:prstGeom prst="rect">
@@ -10230,7 +9987,7 @@
               <a:t>Composer abstracts the </a:t>
             </a:r>
             <a:r>
-              <a:rPr lang="en-US" dirty="0" err="1" smtClean="0">
+              <a:rPr lang="en-US" dirty="0" err="1">
                 <a:solidFill>
                   <a:srgbClr val="333333"/>
                 </a:solidFill>
@@ -10239,22 +9996,13 @@
               <a:t>Blockchain</a:t>
             </a:r>
             <a:r>
-              <a:rPr lang="en-US" dirty="0" smtClean="0">
-                <a:solidFill>
-                  <a:srgbClr val="333333"/>
-                </a:solidFill>
-                <a:latin typeface="myriad-pro"/>
-              </a:rPr>
-              <a:t> </a:t>
-            </a:r>
-            <a:r>
               <a:rPr lang="en-US" dirty="0">
                 <a:solidFill>
                   <a:srgbClr val="333333"/>
                 </a:solidFill>
                 <a:latin typeface="myriad-pro"/>
               </a:rPr>
-              <a:t>complexities</a:t>
+              <a:t> complexities</a:t>
             </a:r>
             <a:endParaRPr lang="en-US" dirty="0"/>
           </a:p>
@@ -10270,13 +10018,6 @@
   <p:clrMapOvr>
     <a:masterClrMapping/>
   </p:clrMapOvr>
-  <p:timing>
-    <p:tnLst>
-      <p:par>
-        <p:cTn id="1" dur="indefinite" restart="never" nodeType="tmRoot"/>
-      </p:par>
-    </p:tnLst>
-  </p:timing>
 </p:sld>
 </file>
 
@@ -10313,14 +10054,13 @@
           <a:lstStyle/>
           <a:p>
             <a:r>
-              <a:rPr lang="en-US" dirty="0" err="1" smtClean="0"/>
+              <a:rPr lang="en-US" dirty="0" err="1"/>
               <a:t>Hyperledger</a:t>
             </a:r>
             <a:r>
-              <a:rPr lang="en-US" dirty="0" smtClean="0"/>
+              <a:rPr lang="en-US" dirty="0"/>
               <a:t> composer experiment</a:t>
             </a:r>
-            <a:endParaRPr lang="en-US" dirty="0"/>
           </a:p>
         </p:txBody>
       </p:sp>
@@ -10340,7 +10080,7 @@
           <a:lstStyle/>
           <a:p>
             <a:r>
-              <a:rPr lang="en-US" dirty="0" err="1" smtClean="0"/>
+              <a:rPr lang="en-US" dirty="0" err="1"/>
               <a:t>Carauction</a:t>
             </a:r>
             <a:endParaRPr lang="en-US" dirty="0"/>
@@ -10381,13 +10121,6 @@
   <p:clrMapOvr>
     <a:masterClrMapping/>
   </p:clrMapOvr>
-  <p:timing>
-    <p:tnLst>
-      <p:par>
-        <p:cTn id="1" dur="indefinite" restart="never" nodeType="tmRoot"/>
-      </p:par>
-    </p:tnLst>
-  </p:timing>
 </p:sld>
 </file>
 
@@ -10424,10 +10157,9 @@
           <a:lstStyle/>
           <a:p>
             <a:r>
-              <a:rPr lang="en-US" dirty="0" smtClean="0"/>
+              <a:rPr lang="en-US" dirty="0"/>
               <a:t>Business network: Car Auction</a:t>
             </a:r>
-            <a:endParaRPr lang="en-US" dirty="0"/>
           </a:p>
         </p:txBody>
       </p:sp>
@@ -10444,7 +10176,7 @@
         <p:spPr/>
         <p:txBody>
           <a:bodyPr>
-            <a:normAutofit lnSpcReduction="10000"/>
+            <a:normAutofit fontScale="92500" lnSpcReduction="10000"/>
           </a:bodyPr>
           <a:lstStyle/>
           <a:p>
@@ -10452,29 +10184,27 @@
               <a:rPr lang="en-US" sz="2800" dirty="0"/>
               <a:t>The model implements:</a:t>
             </a:r>
-            <a:endParaRPr lang="en-US" sz="2800" dirty="0" smtClean="0"/>
           </a:p>
           <a:p>
             <a:pPr lvl="1"/>
             <a:r>
-              <a:rPr lang="en-US" sz="2400" dirty="0" smtClean="0"/>
+              <a:rPr lang="en-US" sz="2400" dirty="0"/>
               <a:t>3 member participants: </a:t>
             </a:r>
           </a:p>
           <a:p>
             <a:pPr lvl="2"/>
             <a:r>
-              <a:rPr lang="en-US" sz="2200" dirty="0" smtClean="0"/>
+              <a:rPr lang="en-US" sz="2200" dirty="0"/>
               <a:t>Paul: Owner, </a:t>
             </a:r>
           </a:p>
           <a:p>
             <a:pPr lvl="2"/>
             <a:r>
-              <a:rPr lang="en-US" sz="2200" dirty="0" smtClean="0"/>
+              <a:rPr lang="en-US" sz="2200" dirty="0"/>
               <a:t>Warodom and Kevin: Buyer (bidding)</a:t>
             </a:r>
-            <a:endParaRPr lang="en-US" sz="2200" dirty="0"/>
           </a:p>
           <a:p>
             <a:pPr lvl="1"/>
@@ -10482,38 +10212,28 @@
               <a:rPr lang="en-US" sz="2400" dirty="0"/>
               <a:t>Two assets: </a:t>
             </a:r>
-            <a:endParaRPr lang="en-US" sz="2400" dirty="0" smtClean="0"/>
           </a:p>
           <a:p>
             <a:pPr lvl="2"/>
             <a:r>
-              <a:rPr lang="en-US" sz="2200" dirty="0" smtClean="0"/>
+              <a:rPr lang="en-US" sz="2200" dirty="0"/>
               <a:t>A vehicle: a car with id (9999)</a:t>
             </a:r>
           </a:p>
           <a:p>
             <a:pPr lvl="2"/>
             <a:r>
-              <a:rPr lang="en-US" sz="2200" dirty="0" smtClean="0"/>
-              <a:t>A </a:t>
-            </a:r>
-            <a:r>
               <a:rPr lang="en-US" sz="2200" dirty="0"/>
-              <a:t>vehicle </a:t>
-            </a:r>
-            <a:r>
-              <a:rPr lang="en-US" sz="2200" dirty="0" smtClean="0"/>
-              <a:t>listing: declare for bidding offer (</a:t>
-            </a:r>
-            <a:r>
-              <a:rPr lang="en-US" sz="2200" dirty="0" err="1" smtClean="0"/>
+              <a:t>A vehicle listing: declare for bidding offer (</a:t>
+            </a:r>
+            <a:r>
+              <a:rPr lang="en-US" sz="2200" dirty="0" err="1"/>
               <a:t>carListing</a:t>
             </a:r>
             <a:r>
-              <a:rPr lang="en-US" sz="2200" dirty="0" smtClean="0"/>
+              <a:rPr lang="en-US" sz="2200" dirty="0"/>
               <a:t>)</a:t>
             </a:r>
-            <a:endParaRPr lang="en-US" sz="2200" dirty="0"/>
           </a:p>
           <a:p>
             <a:pPr lvl="1"/>
@@ -10521,17 +10241,12 @@
               <a:rPr lang="en-US" sz="2400" dirty="0"/>
               <a:t>Two transactions: </a:t>
             </a:r>
-            <a:endParaRPr lang="en-US" sz="2400" dirty="0" smtClean="0"/>
           </a:p>
           <a:p>
             <a:pPr lvl="2"/>
             <a:r>
-              <a:rPr lang="en-US" sz="2200" dirty="0" smtClean="0"/>
-              <a:t>Making </a:t>
-            </a:r>
-            <a:r>
               <a:rPr lang="en-US" sz="2200" dirty="0"/>
-              <a:t>an </a:t>
+              <a:t>Making an </a:t>
             </a:r>
             <a:r>
               <a:rPr lang="en-US" sz="2200" u="sng" dirty="0"/>
@@ -10589,13 +10304,6 @@
   <p:clrMapOvr>
     <a:masterClrMapping/>
   </p:clrMapOvr>
-  <p:timing>
-    <p:tnLst>
-      <p:par>
-        <p:cTn id="1" dur="indefinite" restart="never" nodeType="tmRoot"/>
-      </p:par>
-    </p:tnLst>
-  </p:timing>
 </p:sld>
 </file>
 
@@ -10632,10 +10340,9 @@
           <a:lstStyle/>
           <a:p>
             <a:r>
-              <a:rPr lang="en-US" dirty="0" smtClean="0"/>
+              <a:rPr lang="en-US" dirty="0"/>
               <a:t>Experiment</a:t>
             </a:r>
-            <a:endParaRPr lang="en-US" dirty="0"/>
           </a:p>
         </p:txBody>
       </p:sp>
@@ -10651,7 +10358,7 @@
         </p:nvSpPr>
         <p:spPr>
           <a:xfrm>
-            <a:off x="827700" y="1407560"/>
+            <a:off x="2351700" y="1407561"/>
             <a:ext cx="6711654" cy="4840847"/>
           </a:xfrm>
         </p:spPr>
@@ -10706,7 +10413,7 @@
         </p:blipFill>
         <p:spPr>
           <a:xfrm>
-            <a:off x="1261545" y="1831495"/>
+            <a:off x="2785546" y="1831495"/>
             <a:ext cx="4913223" cy="4846326"/>
           </a:xfrm>
           <a:prstGeom prst="rect">
@@ -10722,7 +10429,7 @@
         </p:nvSpPr>
         <p:spPr>
           <a:xfrm>
-            <a:off x="6588994" y="3955551"/>
+            <a:off x="8112995" y="3955551"/>
             <a:ext cx="1900719" cy="923330"/>
           </a:xfrm>
           <a:prstGeom prst="rect">
@@ -10751,10 +10458,9 @@
           <a:p>
             <a:pPr algn="ctr"/>
             <a:r>
-              <a:rPr lang="en-US" dirty="0" smtClean="0"/>
+              <a:rPr lang="en-US" dirty="0"/>
               <a:t>Select deploy a new business network</a:t>
             </a:r>
-            <a:endParaRPr lang="en-US" dirty="0"/>
           </a:p>
         </p:txBody>
       </p:sp>
@@ -10768,13 +10474,6 @@
   <p:clrMapOvr>
     <a:masterClrMapping/>
   </p:clrMapOvr>
-  <p:timing>
-    <p:tnLst>
-      <p:par>
-        <p:cTn id="1" dur="indefinite" restart="never" nodeType="tmRoot"/>
-      </p:par>
-    </p:tnLst>
-  </p:timing>
 </p:sld>
 </file>
 
@@ -10811,7 +10510,7 @@
         </p:blipFill>
         <p:spPr>
           <a:xfrm>
-            <a:off x="122717" y="1458927"/>
+            <a:off x="1646718" y="1458927"/>
             <a:ext cx="7417373" cy="5135616"/>
           </a:xfrm>
           <a:prstGeom prst="rect">
@@ -10835,10 +10534,9 @@
           <a:lstStyle/>
           <a:p>
             <a:r>
-              <a:rPr lang="en-US" dirty="0" smtClean="0"/>
+              <a:rPr lang="en-US" dirty="0"/>
               <a:t>Experiment</a:t>
             </a:r>
-            <a:endParaRPr lang="en-US" dirty="0"/>
           </a:p>
         </p:txBody>
       </p:sp>
@@ -10874,7 +10572,7 @@
         </p:nvSpPr>
         <p:spPr>
           <a:xfrm>
-            <a:off x="5998551" y="5319727"/>
+            <a:off x="7522551" y="5319728"/>
             <a:ext cx="2796128" cy="1200329"/>
           </a:xfrm>
           <a:prstGeom prst="rect">
@@ -10903,7 +10601,7 @@
           <a:p>
             <a:pPr algn="ctr"/>
             <a:r>
-              <a:rPr lang="en-US" dirty="0" smtClean="0"/>
+              <a:rPr lang="en-US" dirty="0"/>
               <a:t>Select </a:t>
             </a:r>
           </a:p>
@@ -10912,11 +10610,11 @@
               <a:buAutoNum type="arabicPeriod"/>
             </a:pPr>
             <a:r>
-              <a:rPr lang="en-US" dirty="0" err="1" smtClean="0"/>
+              <a:rPr lang="en-US" dirty="0" err="1"/>
               <a:t>carauction</a:t>
             </a:r>
             <a:r>
-              <a:rPr lang="en-US" dirty="0" smtClean="0"/>
+              <a:rPr lang="en-US" dirty="0"/>
               <a:t>-network</a:t>
             </a:r>
           </a:p>
@@ -10925,7 +10623,7 @@
               <a:buAutoNum type="arabicPeriod"/>
             </a:pPr>
             <a:r>
-              <a:rPr lang="en-US" dirty="0" smtClean="0"/>
+              <a:rPr lang="en-US" dirty="0"/>
               <a:t>Enter an email</a:t>
             </a:r>
           </a:p>
@@ -10934,10 +10632,9 @@
               <a:buAutoNum type="arabicPeriod"/>
             </a:pPr>
             <a:r>
-              <a:rPr lang="en-US" dirty="0" smtClean="0"/>
+              <a:rPr lang="en-US" dirty="0"/>
               <a:t>Deploy</a:t>
             </a:r>
-            <a:endParaRPr lang="en-US" dirty="0"/>
           </a:p>
         </p:txBody>
       </p:sp>
@@ -10949,7 +10646,7 @@
         </p:nvSpPr>
         <p:spPr>
           <a:xfrm>
-            <a:off x="3493214" y="6061750"/>
+            <a:off x="5017214" y="6061750"/>
             <a:ext cx="246580" cy="369332"/>
           </a:xfrm>
           <a:prstGeom prst="rect">
@@ -10964,18 +10661,13 @@
           <a:lstStyle/>
           <a:p>
             <a:r>
-              <a:rPr lang="en-US" b="1" dirty="0" smtClean="0">
+              <a:rPr lang="en-US" b="1" dirty="0">
                 <a:solidFill>
                   <a:srgbClr val="FF0000"/>
                 </a:solidFill>
               </a:rPr>
               <a:t>1</a:t>
             </a:r>
-            <a:endParaRPr lang="en-US" b="1" dirty="0">
-              <a:solidFill>
-                <a:srgbClr val="FF0000"/>
-              </a:solidFill>
-            </a:endParaRPr>
           </a:p>
         </p:txBody>
       </p:sp>
@@ -10987,7 +10679,7 @@
         </p:nvSpPr>
         <p:spPr>
           <a:xfrm>
-            <a:off x="3974386" y="2433258"/>
+            <a:off x="5498386" y="2433258"/>
             <a:ext cx="246580" cy="369332"/>
           </a:xfrm>
           <a:prstGeom prst="rect">
@@ -11002,18 +10694,13 @@
           <a:lstStyle/>
           <a:p>
             <a:r>
-              <a:rPr lang="en-US" b="1" dirty="0" smtClean="0">
+              <a:rPr lang="en-US" b="1" dirty="0">
                 <a:solidFill>
                   <a:srgbClr val="FF0000"/>
                 </a:solidFill>
               </a:rPr>
               <a:t>2</a:t>
             </a:r>
-            <a:endParaRPr lang="en-US" b="1" dirty="0">
-              <a:solidFill>
-                <a:srgbClr val="FF0000"/>
-              </a:solidFill>
-            </a:endParaRPr>
           </a:p>
         </p:txBody>
       </p:sp>
@@ -11025,7 +10712,7 @@
         </p:nvSpPr>
         <p:spPr>
           <a:xfrm>
-            <a:off x="7003215" y="4539465"/>
+            <a:off x="8527215" y="4539465"/>
             <a:ext cx="271238" cy="369332"/>
           </a:xfrm>
           <a:prstGeom prst="rect">
@@ -11040,18 +10727,13 @@
           <a:lstStyle/>
           <a:p>
             <a:r>
-              <a:rPr lang="en-US" b="1" dirty="0" smtClean="0">
+              <a:rPr lang="en-US" b="1" dirty="0">
                 <a:solidFill>
                   <a:srgbClr val="FF0000"/>
                 </a:solidFill>
               </a:rPr>
               <a:t>3</a:t>
             </a:r>
-            <a:endParaRPr lang="en-US" b="1" dirty="0">
-              <a:solidFill>
-                <a:srgbClr val="FF0000"/>
-              </a:solidFill>
-            </a:endParaRPr>
           </a:p>
         </p:txBody>
       </p:sp>
@@ -11063,7 +10745,7 @@
         </p:nvSpPr>
         <p:spPr>
           <a:xfrm rot="10800000">
-            <a:off x="3773696" y="2681325"/>
+            <a:off x="5297697" y="2681326"/>
             <a:ext cx="518503" cy="242439"/>
           </a:xfrm>
           <a:prstGeom prst="rightArrow">
@@ -11103,7 +10785,7 @@
         </p:nvSpPr>
         <p:spPr>
           <a:xfrm rot="10800000">
-            <a:off x="6937682" y="4765226"/>
+            <a:off x="8461682" y="4765227"/>
             <a:ext cx="459712" cy="238573"/>
           </a:xfrm>
           <a:prstGeom prst="rightArrow">
@@ -11143,7 +10825,7 @@
         </p:nvSpPr>
         <p:spPr>
           <a:xfrm rot="10800000">
-            <a:off x="3390472" y="6298058"/>
+            <a:off x="4914473" y="6298058"/>
             <a:ext cx="342127" cy="255820"/>
           </a:xfrm>
           <a:prstGeom prst="rightArrow">
@@ -11185,13 +10867,6 @@
   <p:clrMapOvr>
     <a:masterClrMapping/>
   </p:clrMapOvr>
-  <p:timing>
-    <p:tnLst>
-      <p:par>
-        <p:cTn id="1" dur="indefinite" restart="never" nodeType="tmRoot"/>
-      </p:par>
-    </p:tnLst>
-  </p:timing>
 </p:sld>
 </file>
 
@@ -11228,11 +10903,11 @@
           <a:lstStyle/>
           <a:p>
             <a:r>
-              <a:rPr lang="en-US" dirty="0" smtClean="0"/>
+              <a:rPr lang="en-US" dirty="0"/>
               <a:t>Connect to </a:t>
             </a:r>
             <a:r>
-              <a:rPr lang="en-US" dirty="0" err="1" smtClean="0"/>
+              <a:rPr lang="en-US" dirty="0" err="1"/>
               <a:t>carauction</a:t>
             </a:r>
             <a:endParaRPr lang="en-US" dirty="0"/>
@@ -11251,7 +10926,7 @@
         </p:nvSpPr>
         <p:spPr>
           <a:xfrm>
-            <a:off x="4376790" y="1648061"/>
+            <a:off x="5900791" y="1648061"/>
             <a:ext cx="3924729" cy="4600346"/>
           </a:xfrm>
         </p:spPr>
@@ -11260,68 +10935,66 @@
           <a:lstStyle/>
           <a:p>
             <a:r>
-              <a:rPr lang="en-US" dirty="0" err="1" smtClean="0"/>
+              <a:rPr lang="en-US" dirty="0" err="1"/>
               <a:t>Hyperledger</a:t>
             </a:r>
             <a:r>
-              <a:rPr lang="en-US" dirty="0" smtClean="0"/>
+              <a:rPr lang="en-US" dirty="0"/>
               <a:t> fabric for </a:t>
             </a:r>
             <a:r>
-              <a:rPr lang="en-US" dirty="0" err="1" smtClean="0"/>
+              <a:rPr lang="en-US" dirty="0" err="1"/>
               <a:t>blockchain</a:t>
             </a:r>
             <a:r>
-              <a:rPr lang="en-US" dirty="0" smtClean="0"/>
+              <a:rPr lang="en-US" dirty="0"/>
               <a:t> network is provided by the web site.</a:t>
             </a:r>
           </a:p>
           <a:p>
             <a:r>
-              <a:rPr lang="en-US" dirty="0" smtClean="0"/>
+              <a:rPr lang="en-US" dirty="0"/>
               <a:t>We focus on Business network (</a:t>
             </a:r>
             <a:r>
-              <a:rPr lang="en-US" dirty="0" err="1" smtClean="0"/>
+              <a:rPr lang="en-US" dirty="0" err="1"/>
               <a:t>caracution</a:t>
             </a:r>
             <a:r>
-              <a:rPr lang="en-US" dirty="0" smtClean="0"/>
+              <a:rPr lang="en-US" dirty="0"/>
               <a:t>) as </a:t>
             </a:r>
             <a:r>
-              <a:rPr lang="en-US" dirty="0" err="1" smtClean="0"/>
+              <a:rPr lang="en-US" dirty="0" err="1"/>
               <a:t>DApp</a:t>
             </a:r>
             <a:r>
-              <a:rPr lang="en-US" dirty="0" smtClean="0"/>
+              <a:rPr lang="en-US" dirty="0"/>
               <a:t> only.</a:t>
             </a:r>
           </a:p>
           <a:p>
-            <a:endParaRPr lang="en-US" dirty="0" smtClean="0"/>
-          </a:p>
-          <a:p>
-            <a:r>
-              <a:rPr lang="en-US" dirty="0" smtClean="0"/>
+            <a:endParaRPr lang="en-US" dirty="0"/>
+          </a:p>
+          <a:p>
+            <a:r>
+              <a:rPr lang="en-US" dirty="0"/>
               <a:t>Scenario:</a:t>
             </a:r>
-            <a:endParaRPr lang="en-US" dirty="0"/>
           </a:p>
           <a:p>
             <a:pPr lvl="1"/>
             <a:r>
-              <a:rPr lang="en-US" dirty="0" smtClean="0"/>
+              <a:rPr lang="en-US" dirty="0"/>
               <a:t>1 member who wants to sale a car</a:t>
             </a:r>
           </a:p>
           <a:p>
             <a:pPr lvl="1"/>
             <a:r>
-              <a:rPr lang="en-US" dirty="0" smtClean="0"/>
+              <a:rPr lang="en-US" dirty="0"/>
               <a:t>2 members who wants to buy a car from this auction system</a:t>
             </a:r>
-            <a:endParaRPr lang="en-US" dirty="0"/>
           </a:p>
         </p:txBody>
       </p:sp>
@@ -11365,7 +11038,7 @@
         </p:blipFill>
         <p:spPr>
           <a:xfrm>
-            <a:off x="1002286" y="1648061"/>
+            <a:off x="2526286" y="1648061"/>
             <a:ext cx="2876550" cy="4019550"/>
           </a:xfrm>
           <a:prstGeom prst="rect">
@@ -11381,7 +11054,7 @@
         </p:nvSpPr>
         <p:spPr>
           <a:xfrm>
-            <a:off x="1719778" y="5941137"/>
+            <a:off x="3243778" y="5941137"/>
             <a:ext cx="2796128" cy="369332"/>
           </a:xfrm>
           <a:prstGeom prst="rect">
@@ -11410,10 +11083,9 @@
           <a:p>
             <a:pPr algn="ctr"/>
             <a:r>
-              <a:rPr lang="en-US" dirty="0" smtClean="0"/>
+              <a:rPr lang="en-US" dirty="0"/>
               <a:t>Connect now</a:t>
             </a:r>
-            <a:endParaRPr lang="en-US" dirty="0"/>
           </a:p>
         </p:txBody>
       </p:sp>
@@ -11425,7 +11097,7 @@
         </p:nvSpPr>
         <p:spPr>
           <a:xfrm rot="10499062">
-            <a:off x="3211016" y="5278846"/>
+            <a:off x="4735017" y="5278847"/>
             <a:ext cx="518503" cy="242439"/>
           </a:xfrm>
           <a:prstGeom prst="rightArrow">
@@ -11467,13 +11139,6 @@
   <p:clrMapOvr>
     <a:masterClrMapping/>
   </p:clrMapOvr>
-  <p:timing>
-    <p:tnLst>
-      <p:par>
-        <p:cTn id="1" dur="indefinite" restart="never" nodeType="tmRoot"/>
-      </p:par>
-    </p:tnLst>
-  </p:timing>
 </p:sld>
 </file>
 
@@ -11510,18 +11175,17 @@
           <a:lstStyle/>
           <a:p>
             <a:r>
-              <a:rPr lang="en-US" dirty="0" smtClean="0"/>
+              <a:rPr lang="en-US" dirty="0"/>
               <a:t>Test </a:t>
             </a:r>
             <a:r>
-              <a:rPr lang="en-US" dirty="0" err="1" smtClean="0"/>
+              <a:rPr lang="en-US" dirty="0" err="1"/>
               <a:t>carauction</a:t>
             </a:r>
             <a:r>
-              <a:rPr lang="en-US" dirty="0" smtClean="0"/>
+              <a:rPr lang="en-US" dirty="0"/>
               <a:t> network</a:t>
             </a:r>
-            <a:endParaRPr lang="en-US" dirty="0"/>
           </a:p>
         </p:txBody>
       </p:sp>
@@ -11565,7 +11229,7 @@
         </p:blipFill>
         <p:spPr>
           <a:xfrm>
-            <a:off x="155489" y="1966656"/>
+            <a:off x="1679490" y="1966657"/>
             <a:ext cx="8896043" cy="3864925"/>
           </a:xfrm>
           <a:prstGeom prst="rect">
@@ -11581,7 +11245,7 @@
         </p:nvSpPr>
         <p:spPr>
           <a:xfrm>
-            <a:off x="4602820" y="6043880"/>
+            <a:off x="6126821" y="6043880"/>
             <a:ext cx="4376791" cy="369332"/>
           </a:xfrm>
           <a:prstGeom prst="rect">
@@ -11610,10 +11274,9 @@
           <a:p>
             <a:pPr algn="ctr"/>
             <a:r>
-              <a:rPr lang="en-US" dirty="0" smtClean="0"/>
+              <a:rPr lang="en-US" dirty="0"/>
               <a:t>Ready to implement business network</a:t>
             </a:r>
-            <a:endParaRPr lang="en-US" dirty="0"/>
           </a:p>
         </p:txBody>
       </p:sp>
@@ -11627,13 +11290,6 @@
   <p:clrMapOvr>
     <a:masterClrMapping/>
   </p:clrMapOvr>
-  <p:timing>
-    <p:tnLst>
-      <p:par>
-        <p:cTn id="1" dur="indefinite" restart="never" nodeType="tmRoot"/>
-      </p:par>
-    </p:tnLst>
-  </p:timing>
 </p:sld>
 </file>
 
@@ -11692,43 +11348,35 @@
           <a:lstStyle/>
           <a:p>
             <a:r>
-              <a:rPr lang="en-US" dirty="0" smtClean="0"/>
+              <a:rPr lang="en-US" dirty="0"/>
               <a:t>3 member participants</a:t>
             </a:r>
           </a:p>
           <a:p>
             <a:pPr lvl="1"/>
             <a:r>
-              <a:rPr lang="en-US" dirty="0" smtClean="0"/>
+              <a:rPr lang="en-US" dirty="0"/>
               <a:t>Paul Gilbert as a car owner</a:t>
             </a:r>
           </a:p>
           <a:p>
             <a:pPr lvl="1"/>
             <a:r>
-              <a:rPr lang="en-US" dirty="0" smtClean="0"/>
+              <a:rPr lang="en-US" dirty="0"/>
               <a:t>Warodom Werapun as a buyer</a:t>
             </a:r>
           </a:p>
           <a:p>
             <a:pPr lvl="1"/>
             <a:r>
-              <a:rPr lang="en-US" dirty="0" smtClean="0"/>
+              <a:rPr lang="en-US" dirty="0"/>
               <a:t>Kevin Durant as another buyer</a:t>
             </a:r>
           </a:p>
           <a:p>
             <a:r>
               <a:rPr lang="en-US" dirty="0"/>
-              <a:t>No </a:t>
-            </a:r>
-            <a:r>
-              <a:rPr lang="en-US" dirty="0" smtClean="0"/>
-              <a:t>Auctioneer </a:t>
-            </a:r>
-            <a:r>
-              <a:rPr lang="en-US" dirty="0"/>
-              <a:t>on this experiment</a:t>
+              <a:t>No Auctioneer on this experiment</a:t>
             </a:r>
           </a:p>
         </p:txBody>
@@ -11773,7 +11421,7 @@
         </p:blipFill>
         <p:spPr>
           <a:xfrm>
-            <a:off x="1553368" y="3688319"/>
+            <a:off x="3077368" y="3688319"/>
             <a:ext cx="5543550" cy="2819400"/>
           </a:xfrm>
           <a:prstGeom prst="rect">
@@ -11797,7 +11445,7 @@
         </p:blipFill>
         <p:spPr>
           <a:xfrm>
-            <a:off x="5488390" y="2067542"/>
+            <a:off x="7012390" y="2067542"/>
             <a:ext cx="3105150" cy="933450"/>
           </a:xfrm>
           <a:prstGeom prst="rect">
@@ -11815,13 +11463,6 @@
   <p:clrMapOvr>
     <a:masterClrMapping/>
   </p:clrMapOvr>
-  <p:timing>
-    <p:tnLst>
-      <p:par>
-        <p:cTn id="1" dur="indefinite" restart="never" nodeType="tmRoot"/>
-      </p:par>
-    </p:tnLst>
-  </p:timing>
 </p:sld>
 </file>
 
@@ -11858,10 +11499,9 @@
           <a:lstStyle/>
           <a:p>
             <a:r>
-              <a:rPr lang="en-US" dirty="0" smtClean="0"/>
+              <a:rPr lang="en-US" dirty="0"/>
               <a:t>Create 2 more participants</a:t>
             </a:r>
-            <a:endParaRPr lang="en-US" dirty="0"/>
           </a:p>
         </p:txBody>
       </p:sp>
@@ -11905,7 +11545,7 @@
         </p:blipFill>
         <p:spPr>
           <a:xfrm>
-            <a:off x="1483512" y="1824551"/>
+            <a:off x="3007513" y="1824551"/>
             <a:ext cx="6218153" cy="2014166"/>
           </a:xfrm>
           <a:prstGeom prst="rect">
@@ -11929,7 +11569,7 @@
         </p:blipFill>
         <p:spPr>
           <a:xfrm>
-            <a:off x="1483512" y="4247580"/>
+            <a:off x="3007513" y="4247581"/>
             <a:ext cx="6218153" cy="1999107"/>
           </a:xfrm>
           <a:prstGeom prst="rect">
@@ -11947,13 +11587,6 @@
   <p:clrMapOvr>
     <a:masterClrMapping/>
   </p:clrMapOvr>
-  <p:timing>
-    <p:tnLst>
-      <p:par>
-        <p:cTn id="1" dur="indefinite" restart="never" nodeType="tmRoot"/>
-      </p:par>
-    </p:tnLst>
-  </p:timing>
 </p:sld>
 </file>
 
@@ -11990,10 +11623,9 @@
           <a:lstStyle/>
           <a:p>
             <a:r>
-              <a:rPr lang="en-US" dirty="0" smtClean="0"/>
+              <a:rPr lang="en-US" dirty="0"/>
               <a:t>All member participants</a:t>
             </a:r>
-            <a:endParaRPr lang="en-US" dirty="0"/>
           </a:p>
         </p:txBody>
       </p:sp>
@@ -12037,7 +11669,7 @@
         </p:blipFill>
         <p:spPr>
           <a:xfrm>
-            <a:off x="1132759" y="1243336"/>
+            <a:off x="2656760" y="1243337"/>
             <a:ext cx="6275411" cy="5287615"/>
           </a:xfrm>
           <a:prstGeom prst="rect">
@@ -12055,13 +11687,6 @@
   <p:clrMapOvr>
     <a:masterClrMapping/>
   </p:clrMapOvr>
-  <p:timing>
-    <p:tnLst>
-      <p:par>
-        <p:cTn id="1" dur="indefinite" restart="never" nodeType="tmRoot"/>
-      </p:par>
-    </p:tnLst>
-  </p:timing>
 </p:sld>
 </file>
 
@@ -12098,10 +11723,9 @@
           <a:lstStyle/>
           <a:p>
             <a:r>
-              <a:rPr lang="en-US" dirty="0" smtClean="0"/>
+              <a:rPr lang="en-US" dirty="0"/>
               <a:t>Trust and problem</a:t>
             </a:r>
-            <a:endParaRPr lang="en-US" dirty="0"/>
           </a:p>
         </p:txBody>
       </p:sp>
@@ -12152,7 +11776,7 @@
         </p:blipFill>
         <p:spPr bwMode="auto">
           <a:xfrm>
-            <a:off x="1008330" y="1564934"/>
+            <a:off x="2532330" y="1564935"/>
             <a:ext cx="6615096" cy="2792087"/>
           </a:xfrm>
           <a:prstGeom prst="rect">
@@ -12178,7 +11802,7 @@
         </p:nvSpPr>
         <p:spPr>
           <a:xfrm>
-            <a:off x="1008329" y="4778178"/>
+            <a:off x="2532330" y="4778179"/>
             <a:ext cx="6423369" cy="1384995"/>
           </a:xfrm>
           <a:prstGeom prst="rect">
@@ -12192,7 +11816,7 @@
           <a:lstStyle/>
           <a:p>
             <a:r>
-              <a:rPr lang="en-US" sz="2400" b="1" dirty="0" smtClean="0"/>
+              <a:rPr lang="en-US" sz="2400" b="1" dirty="0"/>
               <a:t>Cons of centralized architecture</a:t>
             </a:r>
           </a:p>
@@ -12202,7 +11826,7 @@
               <a:buChar char="•"/>
             </a:pPr>
             <a:r>
-              <a:rPr lang="en-US" sz="2000" dirty="0" smtClean="0"/>
+              <a:rPr lang="en-US" sz="2000" dirty="0"/>
               <a:t>Fault tolerance</a:t>
             </a:r>
           </a:p>
@@ -12212,7 +11836,7 @@
               <a:buChar char="•"/>
             </a:pPr>
             <a:r>
-              <a:rPr lang="en-US" sz="2000" dirty="0" smtClean="0"/>
+              <a:rPr lang="en-US" sz="2000" dirty="0"/>
               <a:t>Attack resistance</a:t>
             </a:r>
           </a:p>
@@ -12222,10 +11846,9 @@
               <a:buChar char="•"/>
             </a:pPr>
             <a:r>
-              <a:rPr lang="en-US" sz="2000" dirty="0" smtClean="0"/>
+              <a:rPr lang="en-US" sz="2000" dirty="0"/>
               <a:t>Collusion resistance</a:t>
             </a:r>
-            <a:endParaRPr lang="en-US" sz="2000" dirty="0"/>
           </a:p>
         </p:txBody>
       </p:sp>
@@ -12237,7 +11860,7 @@
         </p:nvSpPr>
         <p:spPr>
           <a:xfrm>
-            <a:off x="4026092" y="6442109"/>
+            <a:off x="5550092" y="6442109"/>
             <a:ext cx="5106942" cy="369332"/>
           </a:xfrm>
           <a:prstGeom prst="rect">
@@ -12251,16 +11874,12 @@
           <a:lstStyle/>
           <a:p>
             <a:r>
-              <a:rPr lang="en-US" b="1" dirty="0" smtClean="0"/>
+              <a:rPr lang="en-US" b="1" dirty="0"/>
               <a:t>Bitcoin paper: </a:t>
             </a:r>
             <a:r>
-              <a:rPr lang="en-US" i="1" dirty="0" smtClean="0"/>
-              <a:t>https</a:t>
-            </a:r>
-            <a:r>
               <a:rPr lang="en-US" i="1" dirty="0"/>
-              <a:t>://bitcoin.org/bitcoin.pdf</a:t>
+              <a:t>https://bitcoin.org/bitcoin.pdf</a:t>
             </a:r>
           </a:p>
         </p:txBody>
@@ -12275,13 +11894,6 @@
   <p:clrMapOvr>
     <a:masterClrMapping/>
   </p:clrMapOvr>
-  <p:timing>
-    <p:tnLst>
-      <p:par>
-        <p:cTn id="1" dur="indefinite" restart="never" nodeType="tmRoot"/>
-      </p:par>
-    </p:tnLst>
-  </p:timing>
 </p:sld>
 </file>
 
@@ -12318,74 +11930,25 @@
           <a:lstStyle/>
           <a:p>
             <a:r>
-              <a:rPr lang="en-US" dirty="0" smtClean="0"/>
+              <a:rPr lang="en-US" dirty="0"/>
               <a:t>Create asset and asset listing</a:t>
             </a:r>
-            <a:endParaRPr lang="en-US" dirty="0"/>
-          </a:p>
-        </p:txBody>
-      </p:sp>
-      <p:sp>
-        <p:nvSpPr>
-          <p:cNvPr id="4" name="Slide Number Placeholder 3"/>
-          <p:cNvSpPr>
-            <a:spLocks noGrp="1"/>
-          </p:cNvSpPr>
-          <p:nvPr>
-            <p:ph type="sldNum" sz="quarter" idx="12"/>
-          </p:nvPr>
-        </p:nvSpPr>
-        <p:spPr/>
-        <p:txBody>
-          <a:bodyPr/>
-          <a:lstStyle/>
-          <a:p>
-            <a:fld id="{D57F1E4F-1CFF-5643-939E-02111984F565}" type="slidenum">
-              <a:rPr lang="en-US" smtClean="0"/>
-              <a:pPr/>
-              <a:t>30</a:t>
-            </a:fld>
-            <a:endParaRPr lang="en-US" dirty="0"/>
-          </a:p>
-        </p:txBody>
-      </p:sp>
-      <p:pic>
-        <p:nvPicPr>
-          <p:cNvPr id="5" name="Picture 4"/>
-          <p:cNvPicPr>
-            <a:picLocks noChangeAspect="1"/>
-          </p:cNvPicPr>
-          <p:nvPr/>
-        </p:nvPicPr>
-        <p:blipFill>
-          <a:blip r:embed="rId2"/>
-          <a:stretch>
-            <a:fillRect/>
-          </a:stretch>
-        </p:blipFill>
+          </a:p>
+        </p:txBody>
+      </p:sp>
+      <p:sp>
+        <p:nvSpPr>
+          <p:cNvPr id="3" name="Content Placeholder 2"/>
+          <p:cNvSpPr>
+            <a:spLocks noGrp="1"/>
+          </p:cNvSpPr>
+          <p:nvPr>
+            <p:ph idx="1"/>
+          </p:nvPr>
+        </p:nvSpPr>
         <p:spPr>
           <a:xfrm>
-            <a:off x="607542" y="1288050"/>
-            <a:ext cx="6667500" cy="2638425"/>
-          </a:xfrm>
-          <a:prstGeom prst="rect">
-            <a:avLst/>
-          </a:prstGeom>
-        </p:spPr>
-      </p:pic>
-      <p:sp>
-        <p:nvSpPr>
-          <p:cNvPr id="3" name="Content Placeholder 2"/>
-          <p:cNvSpPr>
-            <a:spLocks noGrp="1"/>
-          </p:cNvSpPr>
-          <p:nvPr>
-            <p:ph idx="1"/>
-          </p:nvPr>
-        </p:nvSpPr>
-        <p:spPr>
-          <a:xfrm>
-            <a:off x="6205459" y="1422095"/>
+            <a:off x="7729459" y="1422095"/>
             <a:ext cx="1875378" cy="1072854"/>
           </a:xfrm>
         </p:spPr>
@@ -12411,25 +11974,73 @@
               <a:buNone/>
             </a:pPr>
             <a:r>
-              <a:rPr lang="en-US" dirty="0" smtClean="0"/>
+              <a:rPr lang="en-US" dirty="0"/>
               <a:t>Create </a:t>
             </a:r>
             <a:r>
-              <a:rPr lang="en-US" dirty="0" err="1" smtClean="0"/>
+              <a:rPr lang="en-US" dirty="0" err="1"/>
               <a:t>vehical</a:t>
             </a:r>
             <a:r>
-              <a:rPr lang="en-US" dirty="0" smtClean="0"/>
+              <a:rPr lang="en-US" dirty="0"/>
               <a:t> and </a:t>
             </a:r>
             <a:r>
-              <a:rPr lang="en-US" dirty="0" err="1" smtClean="0"/>
+              <a:rPr lang="en-US" dirty="0" err="1"/>
               <a:t>vehicalListing</a:t>
             </a:r>
             <a:endParaRPr lang="en-US" dirty="0"/>
           </a:p>
         </p:txBody>
       </p:sp>
+      <p:sp>
+        <p:nvSpPr>
+          <p:cNvPr id="4" name="Slide Number Placeholder 3"/>
+          <p:cNvSpPr>
+            <a:spLocks noGrp="1"/>
+          </p:cNvSpPr>
+          <p:nvPr>
+            <p:ph type="sldNum" sz="quarter" idx="12"/>
+          </p:nvPr>
+        </p:nvSpPr>
+        <p:spPr/>
+        <p:txBody>
+          <a:bodyPr/>
+          <a:lstStyle/>
+          <a:p>
+            <a:fld id="{D57F1E4F-1CFF-5643-939E-02111984F565}" type="slidenum">
+              <a:rPr lang="en-US" smtClean="0"/>
+              <a:pPr/>
+              <a:t>30</a:t>
+            </a:fld>
+            <a:endParaRPr lang="en-US" dirty="0"/>
+          </a:p>
+        </p:txBody>
+      </p:sp>
+      <p:pic>
+        <p:nvPicPr>
+          <p:cNvPr id="5" name="Picture 4"/>
+          <p:cNvPicPr>
+            <a:picLocks noChangeAspect="1"/>
+          </p:cNvPicPr>
+          <p:nvPr/>
+        </p:nvPicPr>
+        <p:blipFill>
+          <a:blip r:embed="rId2"/>
+          <a:stretch>
+            <a:fillRect/>
+          </a:stretch>
+        </p:blipFill>
+        <p:spPr>
+          <a:xfrm>
+            <a:off x="2131542" y="1288051"/>
+            <a:ext cx="6667500" cy="2638425"/>
+          </a:xfrm>
+          <a:prstGeom prst="rect">
+            <a:avLst/>
+          </a:prstGeom>
+        </p:spPr>
+      </p:pic>
       <p:pic>
         <p:nvPicPr>
           <p:cNvPr id="7" name="Picture 6"/>
@@ -12446,7 +12057,7 @@
         </p:blipFill>
         <p:spPr>
           <a:xfrm>
-            <a:off x="641444" y="3827561"/>
+            <a:off x="2165444" y="3827561"/>
             <a:ext cx="6635230" cy="3003602"/>
           </a:xfrm>
           <a:prstGeom prst="rect">
@@ -12462,7 +12073,7 @@
         </p:nvSpPr>
         <p:spPr>
           <a:xfrm>
-            <a:off x="2198670" y="2825393"/>
+            <a:off x="3722671" y="2825394"/>
             <a:ext cx="770561" cy="318499"/>
           </a:xfrm>
           <a:prstGeom prst="ellipse">
@@ -12508,7 +12119,7 @@
         </p:nvSpPr>
         <p:spPr>
           <a:xfrm>
-            <a:off x="2680298" y="1949301"/>
+            <a:off x="4204298" y="1949302"/>
             <a:ext cx="924674" cy="534257"/>
           </a:xfrm>
           <a:prstGeom prst="rect">
@@ -12735,14 +12346,12 @@
           </a:lstStyle>
           <a:p>
             <a:pPr marL="0" indent="0" algn="ctr">
-              <a:buFont typeface="Wingdings 3" charset="2"/>
               <a:buNone/>
             </a:pPr>
             <a:r>
-              <a:rPr lang="en-US" sz="1600" b="1" dirty="0" smtClean="0"/>
+              <a:rPr lang="en-US" sz="1600" b="1" dirty="0"/>
               <a:t>Asset id ( car id)</a:t>
             </a:r>
-            <a:endParaRPr lang="en-US" sz="1600" b="1" dirty="0"/>
           </a:p>
         </p:txBody>
       </p:sp>
@@ -12756,7 +12365,7 @@
         </p:nvCxnSpPr>
         <p:spPr>
           <a:xfrm flipV="1">
-            <a:off x="2583951" y="2485740"/>
+            <a:off x="4107952" y="2485741"/>
             <a:ext cx="292813" cy="339653"/>
           </a:xfrm>
           <a:prstGeom prst="line">
@@ -12789,7 +12398,7 @@
         </p:nvSpPr>
         <p:spPr>
           <a:xfrm>
-            <a:off x="7618500" y="3926475"/>
+            <a:off x="9142500" y="3926476"/>
             <a:ext cx="924674" cy="534257"/>
           </a:xfrm>
           <a:prstGeom prst="rect">
@@ -13016,14 +12625,12 @@
           </a:lstStyle>
           <a:p>
             <a:pPr marL="0" indent="0" algn="ctr">
-              <a:buFont typeface="Wingdings 3" charset="2"/>
               <a:buNone/>
             </a:pPr>
             <a:r>
-              <a:rPr lang="en-US" sz="1600" b="1" dirty="0" smtClean="0"/>
+              <a:rPr lang="en-US" sz="1600" b="1" dirty="0"/>
               <a:t>Car owner</a:t>
             </a:r>
-            <a:endParaRPr lang="en-US" sz="1600" b="1" dirty="0"/>
           </a:p>
         </p:txBody>
       </p:sp>
@@ -13035,7 +12642,7 @@
         </p:nvCxnSpPr>
         <p:spPr>
           <a:xfrm flipH="1" flipV="1">
-            <a:off x="6748807" y="3514032"/>
+            <a:off x="8272808" y="3514033"/>
             <a:ext cx="869693" cy="412443"/>
           </a:xfrm>
           <a:prstGeom prst="line">
@@ -13068,13 +12675,6 @@
   <p:clrMapOvr>
     <a:masterClrMapping/>
   </p:clrMapOvr>
-  <p:timing>
-    <p:tnLst>
-      <p:par>
-        <p:cTn id="1" dur="indefinite" restart="never" nodeType="tmRoot"/>
-      </p:par>
-    </p:tnLst>
-  </p:timing>
 </p:sld>
 </file>
 
@@ -13111,8 +12711,52 @@
           <a:lstStyle/>
           <a:p>
             <a:r>
-              <a:rPr lang="en-US" dirty="0" smtClean="0"/>
+              <a:rPr lang="en-US" dirty="0"/>
               <a:t>Asset and asset listing</a:t>
+            </a:r>
+          </a:p>
+        </p:txBody>
+      </p:sp>
+      <p:sp>
+        <p:nvSpPr>
+          <p:cNvPr id="8" name="Content Placeholder 2"/>
+          <p:cNvSpPr>
+            <a:spLocks noGrp="1"/>
+          </p:cNvSpPr>
+          <p:nvPr>
+            <p:ph idx="1"/>
+          </p:nvPr>
+        </p:nvSpPr>
+        <p:spPr>
+          <a:xfrm>
+            <a:off x="2207764" y="3924728"/>
+            <a:ext cx="1875378" cy="491488"/>
+          </a:xfrm>
+        </p:spPr>
+        <p:style>
+          <a:lnRef idx="1">
+            <a:schemeClr val="accent1"/>
+          </a:lnRef>
+          <a:fillRef idx="2">
+            <a:schemeClr val="accent1"/>
+          </a:fillRef>
+          <a:effectRef idx="1">
+            <a:schemeClr val="accent1"/>
+          </a:effectRef>
+          <a:fontRef idx="minor">
+            <a:schemeClr val="dk1"/>
+          </a:fontRef>
+        </p:style>
+        <p:txBody>
+          <a:bodyPr/>
+          <a:lstStyle/>
+          <a:p>
+            <a:pPr marL="0" indent="0" algn="ctr">
+              <a:buNone/>
+            </a:pPr>
+            <a:r>
+              <a:rPr lang="en-US" dirty="0" err="1"/>
+              <a:t>carListing</a:t>
             </a:r>
             <a:endParaRPr lang="en-US" dirty="0"/>
           </a:p>
@@ -13158,7 +12802,7 @@
         </p:blipFill>
         <p:spPr>
           <a:xfrm>
-            <a:off x="2559142" y="2274601"/>
+            <a:off x="4083142" y="2274602"/>
             <a:ext cx="4762500" cy="1343025"/>
           </a:xfrm>
           <a:prstGeom prst="rect">
@@ -13182,7 +12826,7 @@
         </p:blipFill>
         <p:spPr>
           <a:xfrm>
-            <a:off x="2492702" y="4286890"/>
+            <a:off x="4016702" y="4286890"/>
             <a:ext cx="4324350" cy="1885950"/>
           </a:xfrm>
           <a:prstGeom prst="rect">
@@ -13192,51 +12836,6 @@
       </p:pic>
       <p:sp>
         <p:nvSpPr>
-          <p:cNvPr id="8" name="Content Placeholder 2"/>
-          <p:cNvSpPr>
-            <a:spLocks noGrp="1"/>
-          </p:cNvSpPr>
-          <p:nvPr>
-            <p:ph idx="1"/>
-          </p:nvPr>
-        </p:nvSpPr>
-        <p:spPr>
-          <a:xfrm>
-            <a:off x="683764" y="3924728"/>
-            <a:ext cx="1875378" cy="491488"/>
-          </a:xfrm>
-        </p:spPr>
-        <p:style>
-          <a:lnRef idx="1">
-            <a:schemeClr val="accent1"/>
-          </a:lnRef>
-          <a:fillRef idx="2">
-            <a:schemeClr val="accent1"/>
-          </a:fillRef>
-          <a:effectRef idx="1">
-            <a:schemeClr val="accent1"/>
-          </a:effectRef>
-          <a:fontRef idx="minor">
-            <a:schemeClr val="dk1"/>
-          </a:fontRef>
-        </p:style>
-        <p:txBody>
-          <a:bodyPr/>
-          <a:lstStyle/>
-          <a:p>
-            <a:pPr marL="0" indent="0" algn="ctr">
-              <a:buNone/>
-            </a:pPr>
-            <a:r>
-              <a:rPr lang="en-US" dirty="0" err="1" smtClean="0"/>
-              <a:t>carListing</a:t>
-            </a:r>
-            <a:endParaRPr lang="en-US" dirty="0"/>
-          </a:p>
-        </p:txBody>
-      </p:sp>
-      <p:sp>
-        <p:nvSpPr>
           <p:cNvPr id="9" name="Content Placeholder 2"/>
           <p:cNvSpPr txBox="1">
             <a:spLocks/>
@@ -13245,7 +12844,7 @@
         </p:nvSpPr>
         <p:spPr>
           <a:xfrm>
-            <a:off x="733423" y="1901812"/>
+            <a:off x="2257423" y="1901812"/>
             <a:ext cx="1875378" cy="491488"/>
           </a:xfrm>
           <a:prstGeom prst="rect">
@@ -13472,14 +13071,12 @@
           </a:lstStyle>
           <a:p>
             <a:pPr marL="0" indent="0" algn="ctr">
-              <a:buFont typeface="Wingdings 3" charset="2"/>
               <a:buNone/>
             </a:pPr>
             <a:r>
-              <a:rPr lang="en-US" dirty="0" smtClean="0"/>
+              <a:rPr lang="en-US" dirty="0"/>
               <a:t>car</a:t>
             </a:r>
-            <a:endParaRPr lang="en-US" dirty="0"/>
           </a:p>
         </p:txBody>
       </p:sp>
@@ -13493,13 +13090,6 @@
   <p:clrMapOvr>
     <a:masterClrMapping/>
   </p:clrMapOvr>
-  <p:timing>
-    <p:tnLst>
-      <p:par>
-        <p:cTn id="1" dur="indefinite" restart="never" nodeType="tmRoot"/>
-      </p:par>
-    </p:tnLst>
-  </p:timing>
 </p:sld>
 </file>
 
@@ -13536,7 +13126,7 @@
         </p:blipFill>
         <p:spPr>
           <a:xfrm>
-            <a:off x="420069" y="4039884"/>
+            <a:off x="1944070" y="4039884"/>
             <a:ext cx="5457825" cy="2705100"/>
           </a:xfrm>
           <a:prstGeom prst="rect">
@@ -13560,10 +13150,9 @@
           <a:lstStyle/>
           <a:p>
             <a:r>
-              <a:rPr lang="en-US" dirty="0" smtClean="0"/>
+              <a:rPr lang="en-US" dirty="0"/>
               <a:t>Submit transaction</a:t>
             </a:r>
-            <a:endParaRPr lang="en-US" dirty="0"/>
           </a:p>
         </p:txBody>
       </p:sp>
@@ -13579,7 +13168,7 @@
         </p:nvSpPr>
         <p:spPr>
           <a:xfrm>
-            <a:off x="6175004" y="1686031"/>
+            <a:off x="7699004" y="1686031"/>
             <a:ext cx="2730172" cy="4924960"/>
           </a:xfrm>
         </p:spPr>
@@ -13593,19 +13182,19 @@
               <a:buNone/>
             </a:pPr>
             <a:r>
-              <a:rPr lang="en-US" b="1" dirty="0" smtClean="0"/>
+              <a:rPr lang="en-US" b="1" dirty="0"/>
               <a:t>Bidding Offer</a:t>
             </a:r>
           </a:p>
           <a:p>
             <a:r>
-              <a:rPr lang="en-US" dirty="0" smtClean="0"/>
+              <a:rPr lang="en-US" dirty="0"/>
               <a:t>Kevin places ‘Bidding offer’ at 80,000 baht</a:t>
             </a:r>
           </a:p>
           <a:p>
             <a:r>
-              <a:rPr lang="en-US" dirty="0" smtClean="0"/>
+              <a:rPr lang="en-US" dirty="0"/>
               <a:t>Warodom offer  at 200,000 baht</a:t>
             </a:r>
           </a:p>
@@ -13660,7 +13249,7 @@
         </p:blipFill>
         <p:spPr>
           <a:xfrm>
-            <a:off x="392243" y="1338262"/>
+            <a:off x="1916244" y="1338263"/>
             <a:ext cx="5495925" cy="2619375"/>
           </a:xfrm>
           <a:prstGeom prst="rect">
@@ -13678,7 +13267,7 @@
         </p:nvSpPr>
         <p:spPr>
           <a:xfrm>
-            <a:off x="6276906" y="4039884"/>
+            <a:off x="7800906" y="4039884"/>
             <a:ext cx="2526368" cy="2355350"/>
           </a:xfrm>
           <a:prstGeom prst="rect">
@@ -13904,13 +13493,6 @@
   <p:clrMapOvr>
     <a:masterClrMapping/>
   </p:clrMapOvr>
-  <p:timing>
-    <p:tnLst>
-      <p:par>
-        <p:cTn id="1" dur="indefinite" restart="never" nodeType="tmRoot"/>
-      </p:par>
-    </p:tnLst>
-  </p:timing>
 </p:sld>
 </file>
 
@@ -13947,10 +13529,9 @@
           <a:lstStyle/>
           <a:p>
             <a:r>
-              <a:rPr lang="en-US" dirty="0" smtClean="0"/>
+              <a:rPr lang="en-US" dirty="0"/>
               <a:t>After place bidding offer</a:t>
             </a:r>
-            <a:endParaRPr lang="en-US" dirty="0"/>
           </a:p>
         </p:txBody>
       </p:sp>
@@ -13994,7 +13575,7 @@
         </p:blipFill>
         <p:spPr>
           <a:xfrm>
-            <a:off x="1318433" y="1711932"/>
+            <a:off x="2842434" y="1711932"/>
             <a:ext cx="6221657" cy="4534756"/>
           </a:xfrm>
           <a:prstGeom prst="rect">
@@ -14012,13 +13593,6 @@
   <p:clrMapOvr>
     <a:masterClrMapping/>
   </p:clrMapOvr>
-  <p:timing>
-    <p:tnLst>
-      <p:par>
-        <p:cTn id="1" dur="indefinite" restart="never" nodeType="tmRoot"/>
-      </p:par>
-    </p:tnLst>
-  </p:timing>
 </p:sld>
 </file>
 
@@ -14101,7 +13675,7 @@
         </p:blipFill>
         <p:spPr>
           <a:xfrm>
-            <a:off x="940458" y="1896867"/>
+            <a:off x="2464459" y="1896867"/>
             <a:ext cx="5495925" cy="2057400"/>
           </a:xfrm>
           <a:prstGeom prst="rect">
@@ -14125,7 +13699,7 @@
         </p:blipFill>
         <p:spPr>
           <a:xfrm>
-            <a:off x="940458" y="4130212"/>
+            <a:off x="2464459" y="4130213"/>
             <a:ext cx="4831381" cy="2022939"/>
           </a:xfrm>
           <a:prstGeom prst="rect">
@@ -14141,7 +13715,7 @@
         </p:nvSpPr>
         <p:spPr>
           <a:xfrm>
-            <a:off x="1756879" y="5517222"/>
+            <a:off x="3280880" y="5517222"/>
             <a:ext cx="631487" cy="315478"/>
           </a:xfrm>
           <a:prstGeom prst="ellipse">
@@ -14187,7 +13761,7 @@
         </p:nvSpPr>
         <p:spPr>
           <a:xfrm>
-            <a:off x="1187785" y="6179508"/>
+            <a:off x="2711785" y="6179509"/>
             <a:ext cx="956754" cy="375403"/>
           </a:xfrm>
           <a:prstGeom prst="rect">
@@ -14414,14 +13988,12 @@
           </a:lstStyle>
           <a:p>
             <a:pPr marL="0" indent="0" algn="ctr">
-              <a:buFont typeface="Wingdings 3" charset="2"/>
               <a:buNone/>
             </a:pPr>
             <a:r>
-              <a:rPr lang="en-US" sz="1600" b="1" dirty="0" smtClean="0"/>
+              <a:rPr lang="en-US" sz="1600" b="1" dirty="0"/>
               <a:t>State is changed</a:t>
             </a:r>
-            <a:endParaRPr lang="en-US" sz="1600" b="1" dirty="0"/>
           </a:p>
         </p:txBody>
       </p:sp>
@@ -14433,7 +14005,7 @@
         </p:nvCxnSpPr>
         <p:spPr>
           <a:xfrm flipV="1">
-            <a:off x="1756879" y="5843647"/>
+            <a:off x="3280880" y="5843648"/>
             <a:ext cx="292813" cy="339653"/>
           </a:xfrm>
           <a:prstGeom prst="line">
@@ -14466,13 +14038,6 @@
   <p:clrMapOvr>
     <a:masterClrMapping/>
   </p:clrMapOvr>
-  <p:timing>
-    <p:tnLst>
-      <p:par>
-        <p:cTn id="1" dur="indefinite" restart="never" nodeType="tmRoot"/>
-      </p:par>
-    </p:tnLst>
-  </p:timing>
 </p:sld>
 </file>
 
@@ -14509,10 +14074,9 @@
           <a:lstStyle/>
           <a:p>
             <a:r>
-              <a:rPr lang="en-US" dirty="0" smtClean="0"/>
+              <a:rPr lang="en-US" dirty="0"/>
               <a:t>Place close bidding</a:t>
             </a:r>
-            <a:endParaRPr lang="en-US" dirty="0"/>
           </a:p>
         </p:txBody>
       </p:sp>
@@ -14556,7 +14120,7 @@
         </p:blipFill>
         <p:spPr>
           <a:xfrm>
-            <a:off x="669645" y="1911943"/>
+            <a:off x="2193645" y="1911943"/>
             <a:ext cx="5373386" cy="4415766"/>
           </a:xfrm>
           <a:prstGeom prst="rect">
@@ -14572,7 +14136,7 @@
         </p:nvSpPr>
         <p:spPr>
           <a:xfrm>
-            <a:off x="6420207" y="2544655"/>
+            <a:off x="7944207" y="2544656"/>
             <a:ext cx="2239766" cy="1323439"/>
           </a:xfrm>
           <a:prstGeom prst="rect">
@@ -14601,11 +14165,11 @@
           <a:p>
             <a:pPr algn="ctr"/>
             <a:r>
-              <a:rPr lang="en-US" sz="1600" b="1" dirty="0" smtClean="0"/>
+              <a:rPr lang="en-US" sz="1600" b="1" dirty="0"/>
               <a:t>Smart contract in </a:t>
             </a:r>
             <a:r>
-              <a:rPr lang="en-US" sz="1600" b="1" dirty="0" smtClean="0">
+              <a:rPr lang="en-US" sz="1600" b="1" dirty="0">
                 <a:solidFill>
                   <a:srgbClr val="FF0000"/>
                 </a:solidFill>
@@ -14613,23 +14177,19 @@
               <a:t>lib/logic.js</a:t>
             </a:r>
             <a:r>
-              <a:rPr lang="en-US" sz="1600" b="1" dirty="0" smtClean="0"/>
+              <a:rPr lang="en-US" sz="1600" b="1" dirty="0"/>
               <a:t> is called:</a:t>
             </a:r>
           </a:p>
           <a:p>
             <a:pPr algn="ctr"/>
             <a:r>
-              <a:rPr lang="en-US" sz="1600" dirty="0" err="1" smtClean="0"/>
+              <a:rPr lang="en-US" sz="1600" dirty="0" err="1"/>
               <a:t>async</a:t>
             </a:r>
             <a:r>
-              <a:rPr lang="en-US" sz="1600" dirty="0" smtClean="0"/>
-              <a:t> </a:t>
-            </a:r>
-            <a:r>
               <a:rPr lang="en-US" sz="1600" dirty="0"/>
-              <a:t>function </a:t>
+              <a:t> function </a:t>
             </a:r>
             <a:r>
               <a:rPr lang="en-US" sz="1600" dirty="0" err="1"/>
@@ -14696,10 +14256,59 @@
           <a:lstStyle/>
           <a:p>
             <a:r>
-              <a:rPr lang="en-US" dirty="0" smtClean="0"/>
+              <a:rPr lang="en-US" dirty="0"/>
               <a:t>Asset owner is changed</a:t>
             </a:r>
-            <a:endParaRPr lang="en-US" dirty="0"/>
+          </a:p>
+        </p:txBody>
+      </p:sp>
+      <p:sp>
+        <p:nvSpPr>
+          <p:cNvPr id="7" name="Content Placeholder 2"/>
+          <p:cNvSpPr>
+            <a:spLocks noGrp="1"/>
+          </p:cNvSpPr>
+          <p:nvPr>
+            <p:ph idx="1"/>
+          </p:nvPr>
+        </p:nvSpPr>
+        <p:spPr>
+          <a:xfrm>
+            <a:off x="6311636" y="1817822"/>
+            <a:ext cx="3880288" cy="1141783"/>
+          </a:xfrm>
+        </p:spPr>
+        <p:style>
+          <a:lnRef idx="1">
+            <a:schemeClr val="accent1"/>
+          </a:lnRef>
+          <a:fillRef idx="2">
+            <a:schemeClr val="accent1"/>
+          </a:fillRef>
+          <a:effectRef idx="1">
+            <a:schemeClr val="accent1"/>
+          </a:effectRef>
+          <a:fontRef idx="minor">
+            <a:schemeClr val="dk1"/>
+          </a:fontRef>
+        </p:style>
+        <p:txBody>
+          <a:bodyPr>
+            <a:noAutofit/>
+          </a:bodyPr>
+          <a:lstStyle/>
+          <a:p>
+            <a:pPr marL="0" indent="0" algn="ctr">
+              <a:buNone/>
+            </a:pPr>
+            <a:r>
+              <a:rPr lang="en-US" sz="2400" dirty="0" err="1"/>
+              <a:t>carListing</a:t>
+            </a:r>
+            <a:r>
+              <a:rPr lang="en-US" sz="2400" dirty="0"/>
+              <a:t> is automatically updated asset state to be “SOLD”.</a:t>
+            </a:r>
           </a:p>
         </p:txBody>
       </p:sp>
@@ -14743,7 +14352,7 @@
         </p:blipFill>
         <p:spPr>
           <a:xfrm>
-            <a:off x="635928" y="2275806"/>
+            <a:off x="2159928" y="2275807"/>
             <a:ext cx="6091852" cy="1717925"/>
           </a:xfrm>
           <a:prstGeom prst="rect">
@@ -14767,7 +14376,7 @@
         </p:blipFill>
         <p:spPr>
           <a:xfrm>
-            <a:off x="443614" y="4359249"/>
+            <a:off x="1967614" y="4359250"/>
             <a:ext cx="8659290" cy="2016981"/>
           </a:xfrm>
           <a:prstGeom prst="rect">
@@ -14775,57 +14384,6 @@
           </a:prstGeom>
         </p:spPr>
       </p:pic>
-      <p:sp>
-        <p:nvSpPr>
-          <p:cNvPr id="7" name="Content Placeholder 2"/>
-          <p:cNvSpPr>
-            <a:spLocks noGrp="1"/>
-          </p:cNvSpPr>
-          <p:nvPr>
-            <p:ph idx="1"/>
-          </p:nvPr>
-        </p:nvSpPr>
-        <p:spPr>
-          <a:xfrm>
-            <a:off x="4787636" y="1817821"/>
-            <a:ext cx="3880288" cy="1141783"/>
-          </a:xfrm>
-        </p:spPr>
-        <p:style>
-          <a:lnRef idx="1">
-            <a:schemeClr val="accent1"/>
-          </a:lnRef>
-          <a:fillRef idx="2">
-            <a:schemeClr val="accent1"/>
-          </a:fillRef>
-          <a:effectRef idx="1">
-            <a:schemeClr val="accent1"/>
-          </a:effectRef>
-          <a:fontRef idx="minor">
-            <a:schemeClr val="dk1"/>
-          </a:fontRef>
-        </p:style>
-        <p:txBody>
-          <a:bodyPr>
-            <a:noAutofit/>
-          </a:bodyPr>
-          <a:lstStyle/>
-          <a:p>
-            <a:pPr marL="0" indent="0" algn="ctr">
-              <a:buNone/>
-            </a:pPr>
-            <a:r>
-              <a:rPr lang="en-US" sz="2400" dirty="0" err="1" smtClean="0"/>
-              <a:t>carListing</a:t>
-            </a:r>
-            <a:r>
-              <a:rPr lang="en-US" sz="2400" dirty="0" smtClean="0"/>
-              <a:t> is automatically updated asset state to be “SOLD”.</a:t>
-            </a:r>
-            <a:endParaRPr lang="en-US" sz="2400" dirty="0"/>
-          </a:p>
-        </p:txBody>
-      </p:sp>
     </p:spTree>
     <p:extLst>
       <p:ext uri="{BB962C8B-B14F-4D97-AF65-F5344CB8AC3E}">
@@ -14872,10 +14430,9 @@
           <a:lstStyle/>
           <a:p>
             <a:r>
-              <a:rPr lang="en-US" dirty="0" smtClean="0"/>
+              <a:rPr lang="en-US" dirty="0"/>
               <a:t>Money is transferred</a:t>
             </a:r>
-            <a:endParaRPr lang="en-US" dirty="0"/>
           </a:p>
         </p:txBody>
       </p:sp>
@@ -14919,7 +14476,7 @@
         </p:blipFill>
         <p:spPr>
           <a:xfrm>
-            <a:off x="484710" y="1473485"/>
+            <a:off x="2008711" y="1473485"/>
             <a:ext cx="7229475" cy="4876800"/>
           </a:xfrm>
           <a:prstGeom prst="rect">
@@ -14935,7 +14492,7 @@
         </p:nvSpPr>
         <p:spPr>
           <a:xfrm>
-            <a:off x="4993239" y="5570530"/>
+            <a:off x="6517240" y="5570531"/>
             <a:ext cx="631487" cy="224095"/>
           </a:xfrm>
           <a:prstGeom prst="ellipse">
@@ -14981,7 +14538,7 @@
         </p:nvSpPr>
         <p:spPr>
           <a:xfrm>
-            <a:off x="4259758" y="4730851"/>
+            <a:off x="5783758" y="4730852"/>
             <a:ext cx="956754" cy="284019"/>
           </a:xfrm>
           <a:prstGeom prst="rect">
@@ -15208,14 +14765,12 @@
           </a:lstStyle>
           <a:p>
             <a:pPr marL="0" indent="0" algn="ctr">
-              <a:buFont typeface="Wingdings 3" charset="2"/>
               <a:buNone/>
             </a:pPr>
             <a:r>
-              <a:rPr lang="en-US" sz="1600" b="1" dirty="0" smtClean="0"/>
+              <a:rPr lang="en-US" sz="1600" b="1" dirty="0"/>
               <a:t>Update</a:t>
             </a:r>
-            <a:endParaRPr lang="en-US" sz="1600" b="1" dirty="0"/>
           </a:p>
         </p:txBody>
       </p:sp>
@@ -15227,7 +14782,7 @@
         </p:nvSpPr>
         <p:spPr>
           <a:xfrm>
-            <a:off x="4940159" y="3770844"/>
+            <a:off x="6464160" y="3770845"/>
             <a:ext cx="631487" cy="224095"/>
           </a:xfrm>
           <a:prstGeom prst="ellipse">
@@ -15274,7 +14829,7 @@
         </p:nvCxnSpPr>
         <p:spPr>
           <a:xfrm flipV="1">
-            <a:off x="4738135" y="3962121"/>
+            <a:off x="6262136" y="3962121"/>
             <a:ext cx="294503" cy="768730"/>
           </a:xfrm>
           <a:prstGeom prst="line">
@@ -15307,7 +14862,7 @@
         </p:nvCxnSpPr>
         <p:spPr>
           <a:xfrm>
-            <a:off x="4738135" y="5014870"/>
+            <a:off x="6262135" y="5014870"/>
             <a:ext cx="255104" cy="667708"/>
           </a:xfrm>
           <a:prstGeom prst="line">
@@ -15375,10 +14930,9 @@
           <a:lstStyle/>
           <a:p>
             <a:r>
-              <a:rPr lang="en-US" dirty="0" smtClean="0"/>
+              <a:rPr lang="en-US" dirty="0"/>
               <a:t>Check a buyer wallet</a:t>
             </a:r>
-            <a:endParaRPr lang="en-US" dirty="0"/>
           </a:p>
         </p:txBody>
       </p:sp>
@@ -15422,7 +14976,7 @@
         </p:blipFill>
         <p:spPr>
           <a:xfrm>
-            <a:off x="217586" y="2120490"/>
+            <a:off x="1741586" y="2120490"/>
             <a:ext cx="8857672" cy="3386458"/>
           </a:xfrm>
           <a:prstGeom prst="rect">
@@ -15438,7 +14992,7 @@
         </p:nvSpPr>
         <p:spPr>
           <a:xfrm>
-            <a:off x="5841071" y="2965896"/>
+            <a:off x="7365071" y="2965897"/>
             <a:ext cx="2239766" cy="830997"/>
           </a:xfrm>
           <a:prstGeom prst="rect">
@@ -15467,22 +15021,21 @@
           <a:p>
             <a:pPr algn="ctr"/>
             <a:r>
-              <a:rPr lang="en-US" sz="1600" dirty="0" smtClean="0"/>
+              <a:rPr lang="en-US" sz="1600" dirty="0"/>
               <a:t>Edit lib/logic.js to check </a:t>
             </a:r>
             <a:r>
-              <a:rPr lang="en-US" sz="1600" b="1" dirty="0" err="1" smtClean="0"/>
+              <a:rPr lang="en-US" sz="1600" b="1" dirty="0" err="1"/>
               <a:t>bidPrice</a:t>
             </a:r>
             <a:r>
-              <a:rPr lang="en-US" sz="1600" dirty="0" smtClean="0"/>
+              <a:rPr lang="en-US" sz="1600" dirty="0"/>
               <a:t> with member </a:t>
             </a:r>
             <a:r>
-              <a:rPr lang="en-US" sz="1600" b="1" dirty="0" smtClean="0"/>
+              <a:rPr lang="en-US" sz="1600" b="1" dirty="0"/>
               <a:t>balance</a:t>
             </a:r>
-            <a:endParaRPr lang="en-US" sz="1600" b="1" dirty="0"/>
           </a:p>
         </p:txBody>
       </p:sp>
@@ -15494,7 +15047,7 @@
         </p:nvSpPr>
         <p:spPr>
           <a:xfrm>
-            <a:off x="523984" y="3976098"/>
+            <a:off x="2047984" y="3976098"/>
             <a:ext cx="4048018" cy="606176"/>
           </a:xfrm>
           <a:prstGeom prst="rect">
@@ -15539,7 +15092,7 @@
         </p:nvCxnSpPr>
         <p:spPr>
           <a:xfrm flipH="1">
-            <a:off x="4572002" y="3381395"/>
+            <a:off x="6096003" y="3381396"/>
             <a:ext cx="1269069" cy="897791"/>
           </a:xfrm>
           <a:prstGeom prst="line">
@@ -15607,10 +15160,9 @@
           <a:lstStyle/>
           <a:p>
             <a:r>
-              <a:rPr lang="en-US" dirty="0" smtClean="0"/>
+              <a:rPr lang="en-US" dirty="0"/>
               <a:t>Not allow to place bidding</a:t>
             </a:r>
-            <a:endParaRPr lang="en-US" dirty="0"/>
           </a:p>
         </p:txBody>
       </p:sp>
@@ -15654,7 +15206,7 @@
         </p:blipFill>
         <p:spPr>
           <a:xfrm>
-            <a:off x="1088225" y="1487991"/>
+            <a:off x="2612225" y="1487992"/>
             <a:ext cx="5848350" cy="4829175"/>
           </a:xfrm>
           <a:prstGeom prst="rect">
@@ -15670,7 +15222,7 @@
         </p:nvSpPr>
         <p:spPr>
           <a:xfrm>
-            <a:off x="1088225" y="5977958"/>
+            <a:off x="2612226" y="5977958"/>
             <a:ext cx="2312521" cy="339208"/>
           </a:xfrm>
           <a:prstGeom prst="ellipse">
@@ -15756,11 +15308,11 @@
           <a:lstStyle/>
           <a:p>
             <a:r>
-              <a:rPr lang="en-US" dirty="0" smtClean="0"/>
+              <a:rPr lang="en-US" dirty="0"/>
               <a:t>Why </a:t>
             </a:r>
             <a:r>
-              <a:rPr lang="en-US" dirty="0" err="1" smtClean="0"/>
+              <a:rPr lang="en-US" dirty="0" err="1"/>
               <a:t>Blockchain</a:t>
             </a:r>
             <a:endParaRPr lang="en-US" dirty="0"/>
@@ -15814,7 +15366,7 @@
         </p:blipFill>
         <p:spPr bwMode="auto">
           <a:xfrm>
-            <a:off x="443765" y="1747461"/>
+            <a:off x="1967766" y="1747462"/>
             <a:ext cx="8237399" cy="4134727"/>
           </a:xfrm>
           <a:prstGeom prst="rect">
@@ -15842,13 +15394,6 @@
   <p:clrMapOvr>
     <a:masterClrMapping/>
   </p:clrMapOvr>
-  <p:timing>
-    <p:tnLst>
-      <p:par>
-        <p:cTn id="1" dur="indefinite" restart="never" nodeType="tmRoot"/>
-      </p:par>
-    </p:tnLst>
-  </p:timing>
 </p:sld>
 </file>
 
@@ -15885,10 +15430,9 @@
           <a:lstStyle/>
           <a:p>
             <a:r>
-              <a:rPr lang="en-US" dirty="0" smtClean="0"/>
+              <a:rPr lang="en-US" dirty="0"/>
               <a:t>References</a:t>
             </a:r>
-            <a:endParaRPr lang="en-US" dirty="0"/>
           </a:p>
         </p:txBody>
       </p:sp>
@@ -15910,96 +15454,48 @@
           <a:lstStyle/>
           <a:p>
             <a:r>
-              <a:rPr lang="en-US" dirty="0" smtClean="0">
-                <a:hlinkClick r:id="rId2"/>
-              </a:rPr>
-              <a:t>https</a:t>
-            </a:r>
-            <a:r>
               <a:rPr lang="en-US" dirty="0">
                 <a:hlinkClick r:id="rId2"/>
               </a:rPr>
-              <a:t>://www.c-sharpcorner.com/article/basics-of-blockchain</a:t>
-            </a:r>
-            <a:r>
-              <a:rPr lang="en-US" dirty="0" smtClean="0">
-                <a:hlinkClick r:id="rId2"/>
-              </a:rPr>
-              <a:t>/</a:t>
-            </a:r>
-            <a:endParaRPr lang="en-US" dirty="0" smtClean="0"/>
-          </a:p>
-          <a:p>
-            <a:r>
-              <a:rPr lang="en-US" i="1" dirty="0" smtClean="0">
-                <a:hlinkClick r:id="rId3"/>
-              </a:rPr>
-              <a:t>https</a:t>
-            </a:r>
+              <a:t>https://www.c-sharpcorner.com/article/basics-of-blockchain/</a:t>
+            </a:r>
+            <a:endParaRPr lang="en-US" dirty="0"/>
+          </a:p>
+          <a:p>
             <a:r>
               <a:rPr lang="en-US" i="1" dirty="0">
                 <a:hlinkClick r:id="rId3"/>
               </a:rPr>
-              <a:t>://</a:t>
-            </a:r>
-            <a:r>
-              <a:rPr lang="en-US" i="1" dirty="0" smtClean="0">
-                <a:hlinkClick r:id="rId3"/>
-              </a:rPr>
-              <a:t>en.wikipedia.org/wiki/Blockchain</a:t>
-            </a:r>
-            <a:endParaRPr lang="en-US" i="1" dirty="0" smtClean="0"/>
-          </a:p>
-          <a:p>
-            <a:r>
-              <a:rPr lang="en-US" dirty="0" smtClean="0">
-                <a:hlinkClick r:id="rId4"/>
-              </a:rPr>
-              <a:t>https</a:t>
-            </a:r>
+              <a:t>https://en.wikipedia.org/wiki/Blockchain</a:t>
+            </a:r>
+            <a:endParaRPr lang="en-US" i="1" dirty="0"/>
+          </a:p>
+          <a:p>
             <a:r>
               <a:rPr lang="en-US" dirty="0">
                 <a:hlinkClick r:id="rId4"/>
               </a:rPr>
-              <a:t>://</a:t>
-            </a:r>
-            <a:r>
-              <a:rPr lang="en-US" dirty="0" smtClean="0">
-                <a:hlinkClick r:id="rId4"/>
-              </a:rPr>
-              <a:t>medium.com/swlh/how-does-bitcoin-blockchain-mining-work-36db1c5cb55d</a:t>
-            </a:r>
-            <a:endParaRPr lang="en-US" dirty="0" smtClean="0"/>
+              <a:t>https://medium.com/swlh/how-does-bitcoin-blockchain-mining-work-36db1c5cb55d</a:t>
+            </a:r>
+            <a:endParaRPr lang="en-US" dirty="0"/>
           </a:p>
           <a:p>
             <a:r>
               <a:rPr lang="en-US" dirty="0">
                 <a:hlinkClick r:id="rId5"/>
               </a:rPr>
-              <a:t>https://</a:t>
-            </a:r>
-            <a:r>
-              <a:rPr lang="en-US" dirty="0" smtClean="0">
-                <a:hlinkClick r:id="rId5"/>
-              </a:rPr>
-              <a:t>anders.com/blockchain</a:t>
-            </a:r>
-            <a:endParaRPr lang="en-US" dirty="0" smtClean="0"/>
+              <a:t>https://anders.com/blockchain</a:t>
+            </a:r>
+            <a:endParaRPr lang="en-US" dirty="0"/>
           </a:p>
           <a:p>
             <a:r>
               <a:rPr lang="en-US" dirty="0">
                 <a:hlinkClick r:id="rId6"/>
               </a:rPr>
-              <a:t>https://</a:t>
-            </a:r>
-            <a:r>
-              <a:rPr lang="en-US" dirty="0" smtClean="0">
-                <a:hlinkClick r:id="rId6"/>
-              </a:rPr>
-              <a:t>hyperledger.github.io/composer/latest/tutorials/playground-tutorial.html</a:t>
-            </a:r>
-            <a:endParaRPr lang="en-US" dirty="0" smtClean="0"/>
+              <a:t>https://hyperledger.github.io/composer/latest/tutorials/playground-tutorial.html</a:t>
+            </a:r>
+            <a:endParaRPr lang="en-US" dirty="0"/>
           </a:p>
           <a:p>
             <a:pPr marL="0" indent="0">
@@ -16046,13 +15542,6 @@
   <p:clrMapOvr>
     <a:masterClrMapping/>
   </p:clrMapOvr>
-  <p:timing>
-    <p:tnLst>
-      <p:par>
-        <p:cTn id="1" dur="indefinite" restart="never" nodeType="tmRoot"/>
-      </p:par>
-    </p:tnLst>
-  </p:timing>
 </p:sld>
 </file>
 
@@ -16089,7 +15578,7 @@
           <a:lstStyle/>
           <a:p>
             <a:r>
-              <a:rPr lang="en-US" dirty="0" err="1" smtClean="0"/>
+              <a:rPr lang="en-US" dirty="0" err="1"/>
               <a:t>Blockchain</a:t>
             </a:r>
             <a:endParaRPr lang="en-US" dirty="0"/>
@@ -16108,7 +15597,7 @@
         </p:nvSpPr>
         <p:spPr>
           <a:xfrm>
-            <a:off x="827700" y="1600201"/>
+            <a:off x="2351700" y="1600201"/>
             <a:ext cx="5110012" cy="4648206"/>
           </a:xfrm>
         </p:spPr>
@@ -16119,42 +15608,18 @@
           <a:lstStyle/>
           <a:p>
             <a:r>
-              <a:rPr lang="en-US" sz="2400" dirty="0" err="1" smtClean="0"/>
+              <a:rPr lang="en-US" sz="2400" dirty="0" err="1"/>
               <a:t>Blockchain</a:t>
             </a:r>
             <a:r>
-              <a:rPr lang="en-US" sz="2400" dirty="0" smtClean="0"/>
-              <a:t> </a:t>
-            </a:r>
-            <a:r>
               <a:rPr lang="en-US" sz="2400" dirty="0"/>
-              <a:t>is a growing list of records, called blocks, which are linked using cryptography</a:t>
-            </a:r>
-            <a:r>
-              <a:rPr lang="en-US" sz="2400" dirty="0" smtClean="0"/>
-              <a:t>. </a:t>
-            </a:r>
-          </a:p>
-          <a:p>
-            <a:r>
-              <a:rPr lang="en-US" sz="2400" dirty="0" smtClean="0"/>
-              <a:t>Each </a:t>
-            </a:r>
+              <a:t> is a growing list of records, called blocks, which are linked using cryptography. </a:t>
+            </a:r>
+          </a:p>
+          <a:p>
             <a:r>
               <a:rPr lang="en-US" sz="2400" dirty="0"/>
-              <a:t>block contains a cryptographic hash of the previous </a:t>
-            </a:r>
-            <a:r>
-              <a:rPr lang="en-US" sz="2400" dirty="0" smtClean="0"/>
-              <a:t>block, </a:t>
-            </a:r>
-            <a:r>
-              <a:rPr lang="en-US" sz="2400" dirty="0"/>
-              <a:t>a timestamp, and transaction </a:t>
-            </a:r>
-            <a:r>
-              <a:rPr lang="en-US" sz="2400" dirty="0" smtClean="0"/>
-              <a:t>data. </a:t>
+              <a:t>Each block contains a cryptographic hash of the previous block, a timestamp, and transaction data. </a:t>
             </a:r>
             <a:endParaRPr lang="en-US" sz="1600" i="1" dirty="0"/>
           </a:p>
@@ -16207,7 +15672,7 @@
         </p:blipFill>
         <p:spPr bwMode="auto">
           <a:xfrm>
-            <a:off x="5886342" y="1770905"/>
+            <a:off x="7410343" y="1770906"/>
             <a:ext cx="2914111" cy="2914111"/>
           </a:xfrm>
           <a:prstGeom prst="rect">
@@ -16235,13 +15700,6 @@
   <p:clrMapOvr>
     <a:masterClrMapping/>
   </p:clrMapOvr>
-  <p:timing>
-    <p:tnLst>
-      <p:par>
-        <p:cTn id="1" dur="indefinite" restart="never" nodeType="tmRoot"/>
-      </p:par>
-    </p:tnLst>
-  </p:timing>
 </p:sld>
 </file>
 
@@ -16278,7 +15736,7 @@
           <a:lstStyle/>
           <a:p>
             <a:r>
-              <a:rPr lang="en-US" dirty="0" err="1" smtClean="0"/>
+              <a:rPr lang="en-US" dirty="0" err="1"/>
               <a:t>Blockchain</a:t>
             </a:r>
             <a:endParaRPr lang="en-US" dirty="0"/>
@@ -16332,7 +15790,7 @@
         </p:blipFill>
         <p:spPr bwMode="auto">
           <a:xfrm>
-            <a:off x="493691" y="2137740"/>
+            <a:off x="2017692" y="2137740"/>
             <a:ext cx="8220049" cy="2629468"/>
           </a:xfrm>
           <a:prstGeom prst="rect">
@@ -16358,8 +15816,8 @@
         </p:nvSpPr>
         <p:spPr>
           <a:xfrm>
-            <a:off x="6206949" y="5580144"/>
-            <a:ext cx="2005677" cy="369332"/>
+            <a:off x="7730950" y="5580144"/>
+            <a:ext cx="1867371" cy="369332"/>
           </a:xfrm>
           <a:prstGeom prst="rect">
             <a:avLst/>
@@ -16372,7 +15830,7 @@
           <a:lstStyle/>
           <a:p>
             <a:r>
-              <a:rPr lang="en-US" dirty="0" smtClean="0">
+              <a:rPr lang="en-US" dirty="0">
                 <a:latin typeface="medium-content-sans-serif-font"/>
               </a:rPr>
               <a:t>Simple definitions</a:t>
@@ -16391,13 +15849,6 @@
   <p:clrMapOvr>
     <a:masterClrMapping/>
   </p:clrMapOvr>
-  <p:timing>
-    <p:tnLst>
-      <p:par>
-        <p:cTn id="1" dur="indefinite" restart="never" nodeType="tmRoot"/>
-      </p:par>
-    </p:tnLst>
-  </p:timing>
 </p:sld>
 </file>
 
@@ -16434,18 +15885,17 @@
           <a:lstStyle/>
           <a:p>
             <a:r>
-              <a:rPr lang="en-US" dirty="0" smtClean="0"/>
+              <a:rPr lang="en-US" dirty="0"/>
               <a:t>How </a:t>
             </a:r>
             <a:r>
-              <a:rPr lang="en-US" dirty="0" err="1" smtClean="0"/>
+              <a:rPr lang="en-US" dirty="0" err="1"/>
               <a:t>Blockchain</a:t>
             </a:r>
             <a:r>
-              <a:rPr lang="en-US" dirty="0" smtClean="0"/>
+              <a:rPr lang="en-US" dirty="0"/>
               <a:t> works?</a:t>
             </a:r>
-            <a:endParaRPr lang="en-US" dirty="0"/>
           </a:p>
         </p:txBody>
       </p:sp>
@@ -16467,65 +15917,43 @@
           <a:lstStyle/>
           <a:p>
             <a:r>
-              <a:rPr lang="en-US" sz="2800" dirty="0" smtClean="0"/>
-              <a:t>Remove </a:t>
-            </a:r>
-            <a:r>
               <a:rPr lang="en-US" sz="2800" dirty="0"/>
-              <a:t>dependency on third party </a:t>
-            </a:r>
-            <a:r>
-              <a:rPr lang="en-US" sz="2800" dirty="0" smtClean="0"/>
-              <a:t>trust</a:t>
+              <a:t>Remove dependency on third party trust</a:t>
             </a:r>
           </a:p>
           <a:p>
             <a:pPr lvl="1"/>
             <a:r>
-              <a:rPr lang="en-US" sz="2600" dirty="0" smtClean="0"/>
-              <a:t>form </a:t>
-            </a:r>
-            <a:r>
               <a:rPr lang="en-US" sz="2600" dirty="0"/>
-              <a:t>a </a:t>
-            </a:r>
-            <a:r>
-              <a:rPr lang="en-US" sz="2600" dirty="0" smtClean="0"/>
-              <a:t>group of Members, </a:t>
-            </a:r>
+              <a:t>form a group of Members, termed as a NETWORK. </a:t>
+            </a:r>
+          </a:p>
+          <a:p>
+            <a:r>
+              <a:rPr lang="en-US" sz="2800" dirty="0"/>
+              <a:t>Terms</a:t>
+            </a:r>
+          </a:p>
+          <a:p>
+            <a:pPr lvl="1"/>
             <a:r>
               <a:rPr lang="en-US" sz="2600" dirty="0"/>
-              <a:t>termed as a NETWORK. </a:t>
-            </a:r>
-            <a:endParaRPr lang="en-US" sz="2600" dirty="0" smtClean="0"/>
-          </a:p>
-          <a:p>
-            <a:r>
-              <a:rPr lang="en-US" sz="2800" dirty="0" smtClean="0"/>
-              <a:t>Terms</a:t>
+              <a:t>Members</a:t>
             </a:r>
           </a:p>
           <a:p>
             <a:pPr lvl="1"/>
             <a:r>
-              <a:rPr lang="en-US" sz="2600" dirty="0" smtClean="0"/>
-              <a:t>Members</a:t>
+              <a:rPr lang="en-US" sz="2600" dirty="0"/>
+              <a:t>Ledgers</a:t>
             </a:r>
           </a:p>
           <a:p>
             <a:pPr lvl="1"/>
             <a:r>
-              <a:rPr lang="en-US" sz="2600" dirty="0" smtClean="0"/>
-              <a:t>Ledgers</a:t>
-            </a:r>
-          </a:p>
-          <a:p>
-            <a:pPr lvl="1"/>
-            <a:r>
-              <a:rPr lang="en-US" sz="2600" dirty="0" smtClean="0"/>
+              <a:rPr lang="en-US" sz="2600" dirty="0"/>
               <a:t>Block</a:t>
             </a:r>
-            <a:endParaRPr lang="en-US" sz="2600" dirty="0"/>
           </a:p>
         </p:txBody>
       </p:sp>
@@ -16576,7 +16004,7 @@
         </p:blipFill>
         <p:spPr bwMode="auto">
           <a:xfrm>
-            <a:off x="3244084" y="5007591"/>
+            <a:off x="4768084" y="5007591"/>
             <a:ext cx="5695200" cy="1354346"/>
           </a:xfrm>
           <a:prstGeom prst="rect">
@@ -16604,13 +16032,6 @@
   <p:clrMapOvr>
     <a:masterClrMapping/>
   </p:clrMapOvr>
-  <p:timing>
-    <p:tnLst>
-      <p:par>
-        <p:cTn id="1" dur="indefinite" restart="never" nodeType="tmRoot"/>
-      </p:par>
-    </p:tnLst>
-  </p:timing>
 </p:sld>
 </file>
 
@@ -16647,10 +16068,9 @@
           <a:lstStyle/>
           <a:p>
             <a:r>
-              <a:rPr lang="en-US" dirty="0" smtClean="0"/>
+              <a:rPr lang="en-US" dirty="0"/>
               <a:t>Blocks are chained (Linked)</a:t>
             </a:r>
-            <a:endParaRPr lang="en-US" dirty="0"/>
           </a:p>
         </p:txBody>
       </p:sp>
@@ -16701,7 +16121,7 @@
         </p:blipFill>
         <p:spPr bwMode="auto">
           <a:xfrm>
-            <a:off x="293640" y="1891451"/>
+            <a:off x="1817641" y="1891452"/>
             <a:ext cx="8736439" cy="2421243"/>
           </a:xfrm>
           <a:prstGeom prst="rect">
@@ -16727,7 +16147,7 @@
         </p:nvSpPr>
         <p:spPr>
           <a:xfrm>
-            <a:off x="361881" y="4546433"/>
+            <a:off x="1885881" y="4546433"/>
             <a:ext cx="8277152" cy="1815882"/>
           </a:xfrm>
           <a:prstGeom prst="rect">
@@ -16745,20 +16165,11 @@
               <a:buChar char="•"/>
             </a:pPr>
             <a:r>
-              <a:rPr lang="en-US" sz="2800" dirty="0" smtClean="0">
-                <a:latin typeface="medium-content-serif-font"/>
-              </a:rPr>
-              <a:t>Hash </a:t>
-            </a:r>
-            <a:r>
               <a:rPr lang="en-US" sz="2800" dirty="0">
                 <a:latin typeface="medium-content-serif-font"/>
               </a:rPr>
-              <a:t>directly affects the value of the current block’s hash. </a:t>
-            </a:r>
-            <a:endParaRPr lang="en-US" sz="2800" dirty="0" smtClean="0">
-              <a:latin typeface="medium-content-serif-font"/>
-            </a:endParaRPr>
+              <a:t>Hash directly affects the value of the current block’s hash. </a:t>
+            </a:r>
           </a:p>
           <a:p>
             <a:pPr marL="285750" indent="-285750">
@@ -16766,25 +16177,13 @@
               <a:buChar char="•"/>
             </a:pPr>
             <a:r>
-              <a:rPr lang="en-US" sz="2800" dirty="0" smtClean="0">
-                <a:latin typeface="medium-content-serif-font"/>
-              </a:rPr>
-              <a:t>if </a:t>
-            </a:r>
-            <a:r>
               <a:rPr lang="en-US" sz="2800" dirty="0">
                 <a:latin typeface="medium-content-serif-font"/>
               </a:rPr>
-              <a:t>anyone were to tamper with any given block’s </a:t>
-            </a:r>
-            <a:r>
-              <a:rPr lang="en-US" sz="2800" dirty="0" smtClean="0">
-                <a:latin typeface="medium-content-serif-font"/>
-              </a:rPr>
-              <a:t>data, </a:t>
-            </a:r>
-            <a:r>
-              <a:rPr lang="en-US" sz="2800" u="sng" dirty="0" smtClean="0">
+              <a:t>if anyone were to tamper with any given block’s data, </a:t>
+            </a:r>
+            <a:r>
+              <a:rPr lang="en-US" sz="2800" u="sng" dirty="0">
                 <a:latin typeface="medium-content-serif-font"/>
               </a:rPr>
               <a:t>ALL</a:t>
@@ -16812,13 +16211,6 @@
   <p:clrMapOvr>
     <a:masterClrMapping/>
   </p:clrMapOvr>
-  <p:timing>
-    <p:tnLst>
-      <p:par>
-        <p:cTn id="1" dur="indefinite" restart="never" nodeType="tmRoot"/>
-      </p:par>
-    </p:tnLst>
-  </p:timing>
 </p:sld>
 </file>
 
@@ -16855,7 +16247,7 @@
           <a:lstStyle/>
           <a:p>
             <a:r>
-              <a:rPr lang="en-US" dirty="0" err="1" smtClean="0"/>
+              <a:rPr lang="en-US" dirty="0" err="1"/>
               <a:t>Nonces</a:t>
             </a:r>
             <a:endParaRPr lang="en-US" dirty="0"/>
@@ -16909,7 +16301,7 @@
         </p:blipFill>
         <p:spPr bwMode="auto">
           <a:xfrm>
-            <a:off x="4259596" y="1449065"/>
+            <a:off x="5783597" y="1449066"/>
             <a:ext cx="4747927" cy="4173813"/>
           </a:xfrm>
           <a:prstGeom prst="rect">
@@ -16950,7 +16342,7 @@
         </p:blipFill>
         <p:spPr bwMode="auto">
           <a:xfrm>
-            <a:off x="122832" y="1449065"/>
+            <a:off x="1646833" y="1449066"/>
             <a:ext cx="4763069" cy="4173813"/>
           </a:xfrm>
           <a:prstGeom prst="rect">
@@ -16976,7 +16368,7 @@
         </p:nvSpPr>
         <p:spPr>
           <a:xfrm>
-            <a:off x="122832" y="5800302"/>
+            <a:off x="1646833" y="5800303"/>
             <a:ext cx="8843747" cy="830997"/>
           </a:xfrm>
           <a:prstGeom prst="rect">
@@ -16994,22 +16386,10 @@
               <a:buChar char="•"/>
             </a:pPr>
             <a:r>
-              <a:rPr lang="en-US" sz="2400" dirty="0" smtClean="0">
-                <a:latin typeface="medium-content-serif-font"/>
-              </a:rPr>
-              <a:t>Miners </a:t>
-            </a:r>
-            <a:r>
               <a:rPr lang="en-US" sz="2400" dirty="0">
                 <a:latin typeface="medium-content-serif-font"/>
               </a:rPr>
-              <a:t>compete to find a Nonce (also called a Golden Nonce</a:t>
-            </a:r>
-            <a:r>
-              <a:rPr lang="en-US" sz="2400" dirty="0" smtClean="0">
-                <a:latin typeface="medium-content-serif-font"/>
-              </a:rPr>
-              <a:t>)</a:t>
+              <a:t>Miners compete to find a Nonce (also called a Golden Nonce)</a:t>
             </a:r>
           </a:p>
           <a:p>
@@ -17018,16 +16398,10 @@
               <a:buChar char="•"/>
             </a:pPr>
             <a:r>
-              <a:rPr lang="en-US" sz="2400" dirty="0" smtClean="0">
-                <a:latin typeface="medium-content-serif-font"/>
-              </a:rPr>
-              <a:t>5012 is the smallest one which is closest to ‘0000’ (4 digits)</a:t>
-            </a:r>
-            <a:r>
               <a:rPr lang="en-US" sz="2400" dirty="0">
                 <a:latin typeface="medium-content-serif-font"/>
               </a:rPr>
-              <a:t> </a:t>
+              <a:t>5012 is the smallest one which is closest to ‘0000’ (4 digits) </a:t>
             </a:r>
             <a:endParaRPr lang="en-US" sz="2400" dirty="0"/>
           </a:p>
@@ -17043,20 +16417,13 @@
   <p:clrMapOvr>
     <a:masterClrMapping/>
   </p:clrMapOvr>
-  <p:timing>
-    <p:tnLst>
-      <p:par>
-        <p:cTn id="1" dur="indefinite" restart="never" nodeType="tmRoot"/>
-      </p:par>
-    </p:tnLst>
-  </p:timing>
 </p:sld>
 </file>
 
 <file path=ppt/theme/theme1.xml><?xml version="1.0" encoding="utf-8"?>
-<a:theme xmlns:a="http://schemas.openxmlformats.org/drawingml/2006/main" name="Ion">
+<a:theme xmlns:a="http://schemas.openxmlformats.org/drawingml/2006/main" name="อิออน">
   <a:themeElements>
-    <a:clrScheme name="Green Yellow">
+    <a:clrScheme name="อิออน">
       <a:dk1>
         <a:sysClr val="windowText" lastClr="000000"/>
       </a:dk1>
@@ -17064,39 +16431,39 @@
         <a:sysClr val="window" lastClr="FFFFFF"/>
       </a:lt1>
       <a:dk2>
-        <a:srgbClr val="455F51"/>
+        <a:srgbClr val="0E5580"/>
       </a:dk2>
       <a:lt2>
-        <a:srgbClr val="E2DFCC"/>
+        <a:srgbClr val="EBEBEB"/>
       </a:lt2>
       <a:accent1>
-        <a:srgbClr val="99CB38"/>
+        <a:srgbClr val="ACD433"/>
       </a:accent1>
       <a:accent2>
-        <a:srgbClr val="63A537"/>
+        <a:srgbClr val="E6C133"/>
       </a:accent2>
       <a:accent3>
-        <a:srgbClr val="37A76F"/>
+        <a:srgbClr val="EF7A24"/>
       </a:accent3>
       <a:accent4>
-        <a:srgbClr val="44C1A3"/>
+        <a:srgbClr val="5AA0F5"/>
       </a:accent4>
       <a:accent5>
-        <a:srgbClr val="4EB3CF"/>
+        <a:srgbClr val="75CEEC"/>
       </a:accent5>
       <a:accent6>
-        <a:srgbClr val="51C3F9"/>
+        <a:srgbClr val="65D6A0"/>
       </a:accent6>
       <a:hlink>
-        <a:srgbClr val="EE7B08"/>
+        <a:srgbClr val="C4E46E"/>
       </a:hlink>
       <a:folHlink>
-        <a:srgbClr val="977B2D"/>
+        <a:srgbClr val="BDE0FB"/>
       </a:folHlink>
     </a:clrScheme>
-    <a:fontScheme name="Ion">
+    <a:fontScheme name="อิออน">
       <a:majorFont>
-        <a:latin typeface="Century Gothic"/>
+        <a:latin typeface="Century Gothic" panose="020B0502020202020204"/>
         <a:ea typeface=""/>
         <a:cs typeface=""/>
         <a:font script="Jpan" typeface="メイリオ"/>
@@ -17131,7 +16498,7 @@
         <a:font script="Geor" typeface="Sylfaen"/>
       </a:majorFont>
       <a:minorFont>
-        <a:latin typeface="Century Gothic"/>
+        <a:latin typeface="Century Gothic" panose="020B0502020202020204"/>
         <a:ea typeface=""/>
         <a:cs typeface=""/>
         <a:font script="Jpan" typeface="メイリオ"/>
@@ -17166,7 +16533,7 @@
         <a:font script="Geor" typeface="Sylfaen"/>
       </a:minorFont>
     </a:fontScheme>
-    <a:fmtScheme name="Ion">
+    <a:fmtScheme name="อิออน">
       <a:fillStyleLst>
         <a:solidFill>
           <a:schemeClr val="phClr"/>
@@ -17275,7 +16642,6 @@
             </a:gs>
             <a:gs pos="100000">
               <a:schemeClr val="phClr">
-                <a:tint val="100000"/>
                 <a:shade val="62000"/>
                 <a:hueMod val="100000"/>
                 <a:satMod val="134000"/>
